--- a/Entwurf/presentation.pptx
+++ b/Entwurf/presentation.pptx
@@ -21,6 +21,20 @@
     <p:sldId id="266" r:id="rId18"/>
     <p:sldId id="267" r:id="rId19"/>
     <p:sldId id="268" r:id="rId20"/>
+    <p:sldId id="269" r:id="rId21"/>
+    <p:sldId id="270" r:id="rId22"/>
+    <p:sldId id="271" r:id="rId23"/>
+    <p:sldId id="272" r:id="rId24"/>
+    <p:sldId id="273" r:id="rId25"/>
+    <p:sldId id="274" r:id="rId26"/>
+    <p:sldId id="275" r:id="rId27"/>
+    <p:sldId id="276" r:id="rId28"/>
+    <p:sldId id="277" r:id="rId29"/>
+    <p:sldId id="278" r:id="rId30"/>
+    <p:sldId id="279" r:id="rId31"/>
+    <p:sldId id="280" r:id="rId32"/>
+    <p:sldId id="281" r:id="rId33"/>
+    <p:sldId id="282" r:id="rId34"/>
   </p:sldIdLst>
   <p:sldSz cx="13004800" cy="9753600"/>
   <p:notesSz cx="6858000" cy="9144000"/>
@@ -3159,7 +3173,7 @@
       </p:grpSpPr>
       <p:sp>
         <p:nvSpPr>
-          <p:cNvPr id="167" name="Controller / View — Beschreibung"/>
+          <p:cNvPr id="167" name="Model — Heuristiken — TCMixedGreedyCon"/>
           <p:cNvSpPr txBox="1"/>
           <p:nvPr/>
         </p:nvSpPr>
@@ -3197,50 +3211,21 @@
           <a:p>
             <a:pPr/>
             <a:r>
-              <a:t>Controller / View — Beschreibung</a:t>
+              <a:t>Model — Heuristiken — TCMixedGreedyCon</a:t>
             </a:r>
           </a:p>
         </p:txBody>
       </p:sp>
-      <p:pic>
-        <p:nvPicPr>
-          <p:cNvPr id="168" name="controller.png" descr="controller.png"/>
-          <p:cNvPicPr>
-            <a:picLocks noChangeAspect="1"/>
-          </p:cNvPicPr>
-          <p:nvPr/>
-        </p:nvPicPr>
-        <p:blipFill>
-          <a:blip r:embed="rId2">
-            <a:extLst/>
-          </a:blip>
-          <a:stretch>
-            <a:fillRect/>
-          </a:stretch>
-        </p:blipFill>
-        <p:spPr>
-          <a:xfrm>
-            <a:off x="5016499" y="3016250"/>
-            <a:ext cx="2971801" cy="3721101"/>
-          </a:xfrm>
-          <a:prstGeom prst="rect">
-            <a:avLst/>
-          </a:prstGeom>
-          <a:ln w="12700">
-            <a:miter lim="400000"/>
-          </a:ln>
-        </p:spPr>
-      </p:pic>
       <p:sp>
         <p:nvSpPr>
-          <p:cNvPr id="169" name="meldet Nutzereingabe"/>
+          <p:cNvPr id="168" name="while there are uncolored vertices or uncolored edges…"/>
           <p:cNvSpPr txBox="1"/>
           <p:nvPr/>
         </p:nvSpPr>
         <p:spPr>
           <a:xfrm>
-            <a:off x="7382465" y="4646270"/>
-            <a:ext cx="3314092" cy="461060"/>
+            <a:off x="580198" y="4184104"/>
+            <a:ext cx="11844404" cy="4559301"/>
           </a:xfrm>
           <a:prstGeom prst="rect">
             <a:avLst/>
@@ -3255,28 +3240,246 @@
           </a:extLst>
         </p:spPr>
         <p:txBody>
-          <a:bodyPr wrap="none" lIns="50800" tIns="50800" rIns="50800" bIns="50800" anchor="ctr">
+          <a:bodyPr lIns="50800" tIns="50800" rIns="50800" bIns="50800" anchor="ctr">
             <a:spAutoFit/>
           </a:bodyPr>
           <a:lstStyle/>
           <a:p>
-            <a:pPr/>
-            <a:r>
-              <a:t>meldet Nutzereingabe</a:t>
+            <a:pPr algn="l">
+              <a:defRPr b="0">
+                <a:latin typeface="Courier New"/>
+                <a:ea typeface="Courier New"/>
+                <a:cs typeface="Courier New"/>
+                <a:sym typeface="Courier New"/>
+              </a:defRPr>
+            </a:pPr>
+            <a:r>
+              <a:t>while there are uncolored vertices or uncolored edges</a:t>
+            </a:r>
+          </a:p>
+          <a:p>
+            <a:pPr lvl="2" algn="l">
+              <a:defRPr b="0">
+                <a:latin typeface="Courier New"/>
+                <a:ea typeface="Courier New"/>
+                <a:cs typeface="Courier New"/>
+                <a:sym typeface="Courier New"/>
+              </a:defRPr>
+            </a:pPr>
+            <a:r>
+              <a:t>find connected set </a:t>
+            </a:r>
+            <a:r>
+              <a:rPr b="1"/>
+              <a:t>X</a:t>
+            </a:r>
+            <a:r>
+              <a:t> of minimal flexibility and minimal index</a:t>
+            </a:r>
+            <a:br/>
+            <a:r>
+              <a:t>if </a:t>
+            </a:r>
+            <a:r>
+              <a:rPr b="1"/>
+              <a:t>X</a:t>
+            </a:r>
+            <a:r>
+              <a:t> has negative flexibility</a:t>
+            </a:r>
+          </a:p>
+          <a:p>
+            <a:pPr lvl="4" algn="l">
+              <a:defRPr b="0">
+                <a:latin typeface="Courier New"/>
+                <a:ea typeface="Courier New"/>
+                <a:cs typeface="Courier New"/>
+                <a:sym typeface="Courier New"/>
+              </a:defRPr>
+            </a:pPr>
+            <a:r>
+              <a:t>return incomplete coloring</a:t>
+            </a:r>
+          </a:p>
+          <a:p>
+            <a:pPr lvl="2" algn="l">
+              <a:defRPr b="0">
+                <a:latin typeface="Courier New"/>
+                <a:ea typeface="Courier New"/>
+                <a:cs typeface="Courier New"/>
+                <a:sym typeface="Courier New"/>
+              </a:defRPr>
+            </a:pPr>
+            <a:r>
+              <a:t>for any vertex </a:t>
+            </a:r>
+            <a:r>
+              <a:rPr b="1"/>
+              <a:t>v</a:t>
+            </a:r>
+            <a:r>
+              <a:t> in </a:t>
+            </a:r>
+            <a:r>
+              <a:rPr b="1"/>
+              <a:t>X</a:t>
+            </a:r>
+          </a:p>
+          <a:p>
+            <a:pPr lvl="4" algn="l">
+              <a:defRPr b="0">
+                <a:latin typeface="Courier New"/>
+                <a:ea typeface="Courier New"/>
+                <a:cs typeface="Courier New"/>
+                <a:sym typeface="Courier New"/>
+              </a:defRPr>
+            </a:pPr>
+            <a:r>
+              <a:t>if </a:t>
+            </a:r>
+            <a:r>
+              <a:rPr b="1"/>
+              <a:t>v</a:t>
+            </a:r>
+            <a:r>
+              <a:t> cannot be colored</a:t>
+            </a:r>
+          </a:p>
+          <a:p>
+            <a:pPr lvl="6" algn="l">
+              <a:defRPr b="0">
+                <a:latin typeface="Courier New"/>
+                <a:ea typeface="Courier New"/>
+                <a:cs typeface="Courier New"/>
+                <a:sym typeface="Courier New"/>
+              </a:defRPr>
+            </a:pPr>
+            <a:r>
+              <a:t>return incomplete coloring</a:t>
+            </a:r>
+          </a:p>
+          <a:p>
+            <a:pPr lvl="4" algn="l">
+              <a:defRPr b="0">
+                <a:latin typeface="Courier New"/>
+                <a:ea typeface="Courier New"/>
+                <a:cs typeface="Courier New"/>
+                <a:sym typeface="Courier New"/>
+              </a:defRPr>
+            </a:pPr>
+            <a:r>
+              <a:t>color </a:t>
+            </a:r>
+            <a:r>
+              <a:rPr b="1"/>
+              <a:t>v</a:t>
+            </a:r>
+            <a:r>
+              <a:t> with minimally used free color</a:t>
+            </a:r>
+          </a:p>
+          <a:p>
+            <a:pPr lvl="2" algn="l">
+              <a:defRPr b="0">
+                <a:latin typeface="Courier New"/>
+                <a:ea typeface="Courier New"/>
+                <a:cs typeface="Courier New"/>
+                <a:sym typeface="Courier New"/>
+              </a:defRPr>
+            </a:pPr>
+            <a:r>
+              <a:t>for edge </a:t>
+            </a:r>
+            <a:r>
+              <a:rPr b="1"/>
+              <a:t>e</a:t>
+            </a:r>
+            <a:r>
+              <a:t> in </a:t>
+            </a:r>
+            <a:r>
+              <a:rPr b="1"/>
+              <a:t>X</a:t>
+            </a:r>
+          </a:p>
+          <a:p>
+            <a:pPr lvl="4" algn="l">
+              <a:defRPr b="0">
+                <a:latin typeface="Courier New"/>
+                <a:ea typeface="Courier New"/>
+                <a:cs typeface="Courier New"/>
+                <a:sym typeface="Courier New"/>
+              </a:defRPr>
+            </a:pPr>
+            <a:r>
+              <a:t>if </a:t>
+            </a:r>
+            <a:r>
+              <a:rPr b="1"/>
+              <a:t>e</a:t>
+            </a:r>
+            <a:r>
+              <a:t> cannot be colored</a:t>
+            </a:r>
+          </a:p>
+          <a:p>
+            <a:pPr lvl="6" algn="l">
+              <a:defRPr b="0">
+                <a:latin typeface="Courier New"/>
+                <a:ea typeface="Courier New"/>
+                <a:cs typeface="Courier New"/>
+                <a:sym typeface="Courier New"/>
+              </a:defRPr>
+            </a:pPr>
+            <a:r>
+              <a:t>return incomplete coloring</a:t>
+            </a:r>
+          </a:p>
+          <a:p>
+            <a:pPr lvl="4" algn="l">
+              <a:defRPr b="0">
+                <a:latin typeface="Courier New"/>
+                <a:ea typeface="Courier New"/>
+                <a:cs typeface="Courier New"/>
+                <a:sym typeface="Courier New"/>
+              </a:defRPr>
+            </a:pPr>
+            <a:r>
+              <a:t>color </a:t>
+            </a:r>
+            <a:r>
+              <a:rPr b="1"/>
+              <a:t>e</a:t>
+            </a:r>
+            <a:r>
+              <a:t> with minimally used free color</a:t>
+            </a:r>
+          </a:p>
+          <a:p>
+            <a:pPr algn="l">
+              <a:defRPr b="0">
+                <a:latin typeface="Courier New"/>
+                <a:ea typeface="Courier New"/>
+                <a:cs typeface="Courier New"/>
+                <a:sym typeface="Courier New"/>
+              </a:defRPr>
+            </a:pPr>
+            <a:r>
+              <a:t>return complete coloring</a:t>
             </a:r>
           </a:p>
         </p:txBody>
       </p:sp>
       <p:sp>
         <p:nvSpPr>
-          <p:cNvPr id="170" name="meldet Ergebnisse zwecks…"/>
+          <p:cNvPr id="169" name="temporäres Speichern von Teilmengen zusammenhängender unkolorierten Knoten und Kanten (bis zu einer gewissen Größe) mit minimaler Flexibilität"/>
           <p:cNvSpPr txBox="1"/>
           <p:nvPr/>
         </p:nvSpPr>
         <p:spPr>
           <a:xfrm>
-            <a:off x="1280521" y="4462120"/>
-            <a:ext cx="4162960" cy="829360"/>
+            <a:off x="580198" y="2832641"/>
+            <a:ext cx="11844404" cy="829667"/>
           </a:xfrm>
           <a:prstGeom prst="rect">
             <a:avLst/>
@@ -3291,34 +3494,32 @@
           </a:extLst>
         </p:spPr>
         <p:txBody>
-          <a:bodyPr wrap="none" lIns="50800" tIns="50800" rIns="50800" bIns="50800" anchor="ctr">
+          <a:bodyPr lIns="50800" tIns="50800" rIns="50800" bIns="50800" anchor="ctr">
             <a:spAutoFit/>
           </a:bodyPr>
-          <a:lstStyle/>
+          <a:lstStyle>
+            <a:lvl1pPr algn="l">
+              <a:defRPr b="0"/>
+            </a:lvl1pPr>
+          </a:lstStyle>
           <a:p>
             <a:pPr/>
             <a:r>
-              <a:t>meldet Ergebnisse zwecks </a:t>
-            </a:r>
-          </a:p>
-          <a:p>
-            <a:pPr/>
-            <a:r>
-              <a:t>Anzeige</a:t>
+              <a:t>temporäres Speichern von Teilmengen zusammenhängender unkolorierten Knoten und Kanten (bis zu einer gewissen Größe) mit minimaler Flexibilität</a:t>
             </a:r>
           </a:p>
         </p:txBody>
       </p:sp>
       <p:sp>
         <p:nvSpPr>
-          <p:cNvPr id="171" name="Zuständig für Nutzerinteraktion + Darstellung"/>
+          <p:cNvPr id="170" name="Vermutung:…"/>
           <p:cNvSpPr txBox="1"/>
           <p:nvPr/>
         </p:nvSpPr>
         <p:spPr>
           <a:xfrm>
-            <a:off x="3246259" y="6994578"/>
-            <a:ext cx="6691885" cy="461059"/>
+            <a:off x="580198" y="1284329"/>
+            <a:ext cx="11844404" cy="1197967"/>
           </a:xfrm>
           <a:prstGeom prst="rect">
             <a:avLst/>
@@ -3333,50 +3534,28 @@
           </a:extLst>
         </p:spPr>
         <p:txBody>
-          <a:bodyPr wrap="none" lIns="50800" tIns="50800" rIns="50800" bIns="50800" anchor="ctr">
+          <a:bodyPr lIns="50800" tIns="50800" rIns="50800" bIns="50800" anchor="ctr">
             <a:spAutoFit/>
           </a:bodyPr>
           <a:lstStyle/>
           <a:p>
-            <a:pPr/>
-            <a:r>
-              <a:t>Zuständig für Nutzerinteraktion + Darstellung</a:t>
-            </a:r>
-          </a:p>
-        </p:txBody>
-      </p:sp>
-      <p:sp>
-        <p:nvSpPr>
-          <p:cNvPr id="172" name="Kontrolliert Datenverarbeitung"/>
-          <p:cNvSpPr txBox="1"/>
-          <p:nvPr/>
-        </p:nvSpPr>
-        <p:spPr>
-          <a:xfrm>
-            <a:off x="4325403" y="2297963"/>
-            <a:ext cx="4533596" cy="461059"/>
-          </a:xfrm>
-          <a:prstGeom prst="rect">
-            <a:avLst/>
-          </a:prstGeom>
-          <a:ln w="12700">
-            <a:miter lim="400000"/>
-          </a:ln>
-          <a:extLst>
-            <a:ext uri="{C572A759-6A51-4108-AA02-DFA0A04FC94B}">
-              <ma14:wrappingTextBoxFlag xmlns:ma14="http://schemas.microsoft.com/office/mac/drawingml/2011/main" val="1"/>
-            </a:ext>
-          </a:extLst>
-        </p:spPr>
-        <p:txBody>
-          <a:bodyPr wrap="none" lIns="50800" tIns="50800" rIns="50800" bIns="50800" anchor="ctr">
-            <a:spAutoFit/>
-          </a:bodyPr>
-          <a:lstStyle/>
-          <a:p>
-            <a:pPr/>
-            <a:r>
-              <a:t>Kontrolliert Datenverarbeitung</a:t>
+            <a:pPr algn="l">
+              <a:defRPr b="0"/>
+            </a:pPr>
+            <a:r>
+              <a:rPr u="sng"/>
+              <a:t>Vermutung</a:t>
+            </a:r>
+            <a:r>
+              <a:t>:</a:t>
+            </a:r>
+          </a:p>
+          <a:p>
+            <a:pPr algn="l">
+              <a:defRPr b="0"/>
+            </a:pPr>
+            <a:r>
+              <a:t>Jeder einfache ungerichtete Graph mit Maximalgrad D hat eine valide Totalfärbung mit D+2 Farben</a:t>
             </a:r>
           </a:p>
         </p:txBody>
@@ -3409,7 +3588,7 @@
       </p:grpSpPr>
       <p:sp>
         <p:nvSpPr>
-          <p:cNvPr id="174" name="Controller / View — TabController"/>
+          <p:cNvPr id="172" name="Controller / View — Beschreibung"/>
           <p:cNvSpPr txBox="1"/>
           <p:nvPr/>
         </p:nvSpPr>
@@ -3447,21 +3626,50 @@
           <a:p>
             <a:pPr/>
             <a:r>
-              <a:t>Controller / View — TabController</a:t>
+              <a:t>Controller / View — Beschreibung</a:t>
             </a:r>
           </a:p>
         </p:txBody>
       </p:sp>
+      <p:pic>
+        <p:nvPicPr>
+          <p:cNvPr id="173" name="controller.png" descr="controller.png"/>
+          <p:cNvPicPr>
+            <a:picLocks noChangeAspect="1"/>
+          </p:cNvPicPr>
+          <p:nvPr/>
+        </p:nvPicPr>
+        <p:blipFill>
+          <a:blip r:embed="rId2">
+            <a:extLst/>
+          </a:blip>
+          <a:stretch>
+            <a:fillRect/>
+          </a:stretch>
+        </p:blipFill>
+        <p:spPr>
+          <a:xfrm>
+            <a:off x="5016500" y="3016250"/>
+            <a:ext cx="2971800" cy="3721100"/>
+          </a:xfrm>
+          <a:prstGeom prst="rect">
+            <a:avLst/>
+          </a:prstGeom>
+          <a:ln w="12700">
+            <a:miter lim="400000"/>
+          </a:ln>
+        </p:spPr>
+      </p:pic>
       <p:sp>
         <p:nvSpPr>
-          <p:cNvPr id="175" name="TODO"/>
+          <p:cNvPr id="174" name="meldet Nutzereingabe"/>
           <p:cNvSpPr txBox="1"/>
           <p:nvPr/>
         </p:nvSpPr>
         <p:spPr>
           <a:xfrm>
-            <a:off x="6002070" y="4646270"/>
-            <a:ext cx="1000660" cy="461060"/>
+            <a:off x="7527388" y="4646270"/>
+            <a:ext cx="3314092" cy="461060"/>
           </a:xfrm>
           <a:prstGeom prst="rect">
             <a:avLst/>
@@ -3483,7 +3691,121 @@
           <a:p>
             <a:pPr/>
             <a:r>
-              <a:t>TODO</a:t>
+              <a:t>meldet Nutzereingabe</a:t>
+            </a:r>
+          </a:p>
+        </p:txBody>
+      </p:sp>
+      <p:sp>
+        <p:nvSpPr>
+          <p:cNvPr id="175" name="meldet Ergebnisse zwecks…"/>
+          <p:cNvSpPr txBox="1"/>
+          <p:nvPr/>
+        </p:nvSpPr>
+        <p:spPr>
+          <a:xfrm>
+            <a:off x="1280521" y="4462120"/>
+            <a:ext cx="4162960" cy="829360"/>
+          </a:xfrm>
+          <a:prstGeom prst="rect">
+            <a:avLst/>
+          </a:prstGeom>
+          <a:ln w="12700">
+            <a:miter lim="400000"/>
+          </a:ln>
+          <a:extLst>
+            <a:ext uri="{C572A759-6A51-4108-AA02-DFA0A04FC94B}">
+              <ma14:wrappingTextBoxFlag xmlns:ma14="http://schemas.microsoft.com/office/mac/drawingml/2011/main" val="1"/>
+            </a:ext>
+          </a:extLst>
+        </p:spPr>
+        <p:txBody>
+          <a:bodyPr wrap="none" lIns="50800" tIns="50800" rIns="50800" bIns="50800" anchor="ctr">
+            <a:spAutoFit/>
+          </a:bodyPr>
+          <a:lstStyle/>
+          <a:p>
+            <a:pPr/>
+            <a:r>
+              <a:t>meldet Ergebnisse zwecks </a:t>
+            </a:r>
+          </a:p>
+          <a:p>
+            <a:pPr/>
+            <a:r>
+              <a:t>Anzeige</a:t>
+            </a:r>
+          </a:p>
+        </p:txBody>
+      </p:sp>
+      <p:sp>
+        <p:nvSpPr>
+          <p:cNvPr id="176" name="Zuständig für Nutzerinteraktion + Darstellung"/>
+          <p:cNvSpPr txBox="1"/>
+          <p:nvPr/>
+        </p:nvSpPr>
+        <p:spPr>
+          <a:xfrm>
+            <a:off x="3246259" y="6994578"/>
+            <a:ext cx="6691885" cy="461060"/>
+          </a:xfrm>
+          <a:prstGeom prst="rect">
+            <a:avLst/>
+          </a:prstGeom>
+          <a:ln w="12700">
+            <a:miter lim="400000"/>
+          </a:ln>
+          <a:extLst>
+            <a:ext uri="{C572A759-6A51-4108-AA02-DFA0A04FC94B}">
+              <ma14:wrappingTextBoxFlag xmlns:ma14="http://schemas.microsoft.com/office/mac/drawingml/2011/main" val="1"/>
+            </a:ext>
+          </a:extLst>
+        </p:spPr>
+        <p:txBody>
+          <a:bodyPr wrap="none" lIns="50800" tIns="50800" rIns="50800" bIns="50800" anchor="ctr">
+            <a:spAutoFit/>
+          </a:bodyPr>
+          <a:lstStyle/>
+          <a:p>
+            <a:pPr/>
+            <a:r>
+              <a:t>Zuständig für Nutzerinteraktion + Darstellung</a:t>
+            </a:r>
+          </a:p>
+        </p:txBody>
+      </p:sp>
+      <p:sp>
+        <p:nvSpPr>
+          <p:cNvPr id="177" name="Kontrolliert Datenverarbeitung"/>
+          <p:cNvSpPr txBox="1"/>
+          <p:nvPr/>
+        </p:nvSpPr>
+        <p:spPr>
+          <a:xfrm>
+            <a:off x="4325403" y="2297963"/>
+            <a:ext cx="4533597" cy="461059"/>
+          </a:xfrm>
+          <a:prstGeom prst="rect">
+            <a:avLst/>
+          </a:prstGeom>
+          <a:ln w="12700">
+            <a:miter lim="400000"/>
+          </a:ln>
+          <a:extLst>
+            <a:ext uri="{C572A759-6A51-4108-AA02-DFA0A04FC94B}">
+              <ma14:wrappingTextBoxFlag xmlns:ma14="http://schemas.microsoft.com/office/mac/drawingml/2011/main" val="1"/>
+            </a:ext>
+          </a:extLst>
+        </p:spPr>
+        <p:txBody>
+          <a:bodyPr wrap="none" lIns="50800" tIns="50800" rIns="50800" bIns="50800" anchor="ctr">
+            <a:spAutoFit/>
+          </a:bodyPr>
+          <a:lstStyle/>
+          <a:p>
+            <a:pPr/>
+            <a:r>
+              <a:t>Kontrolliert Datenverarbeitung</a:t>
             </a:r>
           </a:p>
         </p:txBody>
@@ -3516,7 +3838,7 @@
       </p:grpSpPr>
       <p:sp>
         <p:nvSpPr>
-          <p:cNvPr id="177" name="Controller / View — Graph-Editor"/>
+          <p:cNvPr id="179" name="Controller / View — Graph-Editor"/>
           <p:cNvSpPr txBox="1"/>
           <p:nvPr/>
         </p:nvSpPr>
@@ -3561,14 +3883,14 @@
       </p:sp>
       <p:sp>
         <p:nvSpPr>
-          <p:cNvPr id="178" name="TODO"/>
+          <p:cNvPr id="180" name="Nutzerinteraktion über VisualGraph…"/>
           <p:cNvSpPr txBox="1"/>
           <p:nvPr/>
         </p:nvSpPr>
         <p:spPr>
           <a:xfrm>
-            <a:off x="6002070" y="4646270"/>
-            <a:ext cx="1000660" cy="461060"/>
+            <a:off x="1499666" y="5707381"/>
+            <a:ext cx="9675268" cy="1197966"/>
           </a:xfrm>
           <a:prstGeom prst="rect">
             <a:avLst/>
@@ -3588,23 +3910,41 @@
           </a:bodyPr>
           <a:lstStyle/>
           <a:p>
-            <a:pPr/>
-            <a:r>
-              <a:t>TODO</a:t>
+            <a:pPr algn="l">
+              <a:defRPr b="0"/>
+            </a:pPr>
+            <a:r>
+              <a:t>Nutzerinteraktion über VisualGraph</a:t>
+            </a:r>
+          </a:p>
+          <a:p>
+            <a:pPr lvl="3" algn="l">
+              <a:defRPr b="0"/>
+            </a:pPr>
+            <a:r>
+              <a:t>nach Bestätigung Umwandlung zu passendem Graph aus Model</a:t>
+            </a:r>
+          </a:p>
+          <a:p>
+            <a:pPr lvl="3" algn="l">
+              <a:defRPr b="0"/>
+            </a:pPr>
+            <a:r>
+              <a:t>Adapter Entwurfsmuster ermöglicht Erweiterbarkeit</a:t>
             </a:r>
           </a:p>
         </p:txBody>
       </p:sp>
       <p:sp>
         <p:nvSpPr>
-          <p:cNvPr id="179" name="Nutzerinteraktion über VisualGraph…"/>
+          <p:cNvPr id="181" name="Gleichung"/>
           <p:cNvSpPr txBox="1"/>
           <p:nvPr/>
         </p:nvSpPr>
         <p:spPr>
           <a:xfrm>
-            <a:off x="1168095" y="5325720"/>
-            <a:ext cx="11309300" cy="829360"/>
+            <a:off x="1604242" y="6246470"/>
+            <a:ext cx="446533" cy="119788"/>
           </a:xfrm>
           <a:prstGeom prst="rect">
             <a:avLst/>
@@ -3612,40 +3952,76 @@
           <a:ln w="12700">
             <a:miter lim="400000"/>
           </a:ln>
-          <a:extLst>
-            <a:ext uri="{C572A759-6A51-4108-AA02-DFA0A04FC94B}">
-              <ma14:wrappingTextBoxFlag xmlns:ma14="http://schemas.microsoft.com/office/mac/drawingml/2011/main" val="1"/>
-            </a:ext>
-          </a:extLst>
         </p:spPr>
         <p:txBody>
-          <a:bodyPr wrap="none" lIns="50800" tIns="50800" rIns="50800" bIns="50800" anchor="ctr">
+          <a:bodyPr wrap="none" lIns="0" tIns="0" rIns="0" bIns="0">
             <a:spAutoFit/>
           </a:bodyPr>
           <a:lstStyle/>
           <a:p>
-            <a:pPr algn="l"/>
-            <a:r>
-              <a:t>Nutzerinteraktion über VisualGraph</a:t>
-            </a:r>
-          </a:p>
-          <a:p>
-            <a:pPr lvl="3" algn="l"/>
-            <a:r>
-              <a:t>nach Bestätigung Umwandlung zu zugehörigem Graphentyp des Models</a:t>
-            </a:r>
+            <a:pPr algn="l" defTabSz="914400" latinLnBrk="1">
+              <a:defRPr b="0" sz="1800"/>
+            </a:pPr>
+            <a14:m>
+              <m:oMathPara>
+                <m:oMathParaPr>
+                  <m:jc m:val="centerGroup"/>
+                </m:oMathParaPr>
+                <m:oMath>
+                  <m:r>
+                    <a:rPr xmlns:a="http://schemas.openxmlformats.org/drawingml/2006/main" sz="2400" i="1">
+                      <a:solidFill>
+                        <a:srgbClr val="000000"/>
+                      </a:solidFill>
+                      <a:latin typeface="Cambria Math" panose="02040503050406030204" pitchFamily="18" charset="0"/>
+                    </a:rPr>
+                    <m:t>⟶</m:t>
+                  </m:r>
+                </m:oMath>
+              </m:oMathPara>
+            </a14:m>
+            <a:endParaRPr sz="2400"/>
           </a:p>
         </p:txBody>
       </p:sp>
+      <p:pic>
+        <p:nvPicPr>
+          <p:cNvPr id="182" name="visualgraph.png" descr="visualgraph.png"/>
+          <p:cNvPicPr>
+            <a:picLocks noChangeAspect="1"/>
+          </p:cNvPicPr>
+          <p:nvPr/>
+        </p:nvPicPr>
+        <p:blipFill>
+          <a:blip r:embed="rId2">
+            <a:extLst/>
+          </a:blip>
+          <a:stretch>
+            <a:fillRect/>
+          </a:stretch>
+        </p:blipFill>
+        <p:spPr>
+          <a:xfrm>
+            <a:off x="1320800" y="2120531"/>
+            <a:ext cx="10033000" cy="2400301"/>
+          </a:xfrm>
+          <a:prstGeom prst="rect">
+            <a:avLst/>
+          </a:prstGeom>
+          <a:ln w="12700">
+            <a:miter lim="400000"/>
+          </a:ln>
+        </p:spPr>
+      </p:pic>
       <p:sp>
         <p:nvSpPr>
-          <p:cNvPr id="180" name="Gleichung"/>
+          <p:cNvPr id="183" name="Gleichung"/>
           <p:cNvSpPr txBox="1"/>
           <p:nvPr/>
         </p:nvSpPr>
         <p:spPr>
           <a:xfrm>
-            <a:off x="1271248" y="5895775"/>
+            <a:off x="1604242" y="6652870"/>
             <a:ext cx="446533" cy="119788"/>
           </a:xfrm>
           <a:prstGeom prst="rect">
@@ -3714,7 +4090,7 @@
       </p:grpSpPr>
       <p:sp>
         <p:nvSpPr>
-          <p:cNvPr id="182" name="Sequenzdiagramme — Graphgenerierung"/>
+          <p:cNvPr id="185" name="Sequenzdiagramme — Graph generieren"/>
           <p:cNvSpPr txBox="1"/>
           <p:nvPr>
             <p:ph type="title" idx="4294967295"/>
@@ -3739,21 +4115,337 @@
           <a:p>
             <a:pPr/>
             <a:r>
-              <a:t>Sequenzdiagramme — Graphgenerierung</a:t>
+              <a:t>Sequenzdiagramme — Graph generieren</a:t>
             </a:r>
           </a:p>
         </p:txBody>
       </p:sp>
+      <p:pic>
+        <p:nvPicPr>
+          <p:cNvPr id="186" name="generierung.pdf" descr="generierung.pdf"/>
+          <p:cNvPicPr>
+            <a:picLocks noChangeAspect="1"/>
+          </p:cNvPicPr>
+          <p:nvPr/>
+        </p:nvPicPr>
+        <p:blipFill>
+          <a:blip r:embed="rId2">
+            <a:extLst/>
+          </a:blip>
+          <a:stretch>
+            <a:fillRect/>
+          </a:stretch>
+        </p:blipFill>
+        <p:spPr>
+          <a:xfrm>
+            <a:off x="235506" y="1828041"/>
+            <a:ext cx="12533788" cy="6097518"/>
+          </a:xfrm>
+          <a:prstGeom prst="rect">
+            <a:avLst/>
+          </a:prstGeom>
+          <a:ln w="12700">
+            <a:miter lim="400000"/>
+          </a:ln>
+        </p:spPr>
+      </p:pic>
+    </p:spTree>
+  </p:cSld>
+  <p:clrMapOvr>
+    <a:masterClrMapping/>
+  </p:clrMapOvr>
+  <p:transition xmlns:p14="http://schemas.microsoft.com/office/powerpoint/2010/main" spd="med" advClick="1"/>
+</p:sld>
+</file>
+
+<file path=ppt/slides/slide14.xml><?xml version="1.0" encoding="utf-8"?>
+<p:sld xmlns:a="http://schemas.openxmlformats.org/drawingml/2006/main" xmlns:r="http://schemas.openxmlformats.org/officeDocument/2006/relationships" xmlns:p="http://schemas.openxmlformats.org/presentationml/2006/main" xmlns:m="http://schemas.openxmlformats.org/officeDocument/2006/math" xmlns:a14="http://schemas.microsoft.com/office/drawing/2010/main" showMasterSp="1" showMasterPhAnim="1">
+  <p:cSld>
+    <p:spTree>
+      <p:nvGrpSpPr>
+        <p:cNvPr id="1" name=""/>
+        <p:cNvGrpSpPr/>
+        <p:nvPr/>
+      </p:nvGrpSpPr>
+      <p:grpSpPr>
+        <a:xfrm>
+          <a:off x="0" y="0"/>
+          <a:ext cx="0" cy="0"/>
+          <a:chOff x="0" y="0"/>
+          <a:chExt cx="0" cy="0"/>
+        </a:xfrm>
+      </p:grpSpPr>
       <p:sp>
         <p:nvSpPr>
-          <p:cNvPr id="183" name="TODO"/>
+          <p:cNvPr id="188" name="Sequenzdiagramme — Graph editieren"/>
+          <p:cNvSpPr txBox="1"/>
+          <p:nvPr>
+            <p:ph type="title" idx="4294967295"/>
+          </p:nvPr>
+        </p:nvSpPr>
+        <p:spPr>
+          <a:xfrm>
+            <a:off x="1042301" y="106553"/>
+            <a:ext cx="11099801" cy="827430"/>
+          </a:xfrm>
+          <a:prstGeom prst="rect">
+            <a:avLst/>
+          </a:prstGeom>
+        </p:spPr>
+        <p:txBody>
+          <a:bodyPr/>
+          <a:lstStyle>
+            <a:lvl1pPr>
+              <a:defRPr sz="4000"/>
+            </a:lvl1pPr>
+          </a:lstStyle>
+          <a:p>
+            <a:pPr/>
+            <a:r>
+              <a:t>Sequenzdiagramme — Graph editieren</a:t>
+            </a:r>
+          </a:p>
+        </p:txBody>
+      </p:sp>
+      <p:pic>
+        <p:nvPicPr>
+          <p:cNvPr id="189" name="modifizieren.pdf" descr="modifizieren.pdf"/>
+          <p:cNvPicPr>
+            <a:picLocks noChangeAspect="1"/>
+          </p:cNvPicPr>
+          <p:nvPr/>
+        </p:nvPicPr>
+        <p:blipFill>
+          <a:blip r:embed="rId2">
+            <a:extLst/>
+          </a:blip>
+          <a:stretch>
+            <a:fillRect/>
+          </a:stretch>
+        </p:blipFill>
+        <p:spPr>
+          <a:xfrm>
+            <a:off x="52532" y="1541456"/>
+            <a:ext cx="12899736" cy="6367026"/>
+          </a:xfrm>
+          <a:prstGeom prst="rect">
+            <a:avLst/>
+          </a:prstGeom>
+          <a:ln w="12700">
+            <a:miter lim="400000"/>
+          </a:ln>
+        </p:spPr>
+      </p:pic>
+    </p:spTree>
+  </p:cSld>
+  <p:clrMapOvr>
+    <a:masterClrMapping/>
+  </p:clrMapOvr>
+  <p:transition xmlns:p14="http://schemas.microsoft.com/office/powerpoint/2010/main" spd="med" advClick="1"/>
+</p:sld>
+</file>
+
+<file path=ppt/slides/slide15.xml><?xml version="1.0" encoding="utf-8"?>
+<p:sld xmlns:a="http://schemas.openxmlformats.org/drawingml/2006/main" xmlns:r="http://schemas.openxmlformats.org/officeDocument/2006/relationships" xmlns:p="http://schemas.openxmlformats.org/presentationml/2006/main" xmlns:m="http://schemas.openxmlformats.org/officeDocument/2006/math" xmlns:a14="http://schemas.microsoft.com/office/drawing/2010/main" showMasterSp="1" showMasterPhAnim="1">
+  <p:cSld>
+    <p:spTree>
+      <p:nvGrpSpPr>
+        <p:cNvPr id="1" name=""/>
+        <p:cNvGrpSpPr/>
+        <p:nvPr/>
+      </p:nvGrpSpPr>
+      <p:grpSpPr>
+        <a:xfrm>
+          <a:off x="0" y="0"/>
+          <a:ext cx="0" cy="0"/>
+          <a:chOff x="0" y="0"/>
+          <a:chExt cx="0" cy="0"/>
+        </a:xfrm>
+      </p:grpSpPr>
+      <p:sp>
+        <p:nvSpPr>
+          <p:cNvPr id="191" name="Sequenzdiagramme — Heuristiken anwenden"/>
+          <p:cNvSpPr txBox="1"/>
+          <p:nvPr>
+            <p:ph type="title" idx="4294967295"/>
+          </p:nvPr>
+        </p:nvSpPr>
+        <p:spPr>
+          <a:xfrm>
+            <a:off x="1042301" y="106553"/>
+            <a:ext cx="11099801" cy="827430"/>
+          </a:xfrm>
+          <a:prstGeom prst="rect">
+            <a:avLst/>
+          </a:prstGeom>
+        </p:spPr>
+        <p:txBody>
+          <a:bodyPr/>
+          <a:lstStyle>
+            <a:lvl1pPr>
+              <a:defRPr sz="4000"/>
+            </a:lvl1pPr>
+          </a:lstStyle>
+          <a:p>
+            <a:pPr/>
+            <a:r>
+              <a:t>Sequenzdiagramme — Heuristiken anwenden</a:t>
+            </a:r>
+          </a:p>
+        </p:txBody>
+      </p:sp>
+      <p:pic>
+        <p:nvPicPr>
+          <p:cNvPr id="192" name="heuristik.pdf" descr="heuristik.pdf"/>
+          <p:cNvPicPr>
+            <a:picLocks noChangeAspect="1"/>
+          </p:cNvPicPr>
+          <p:nvPr/>
+        </p:nvPicPr>
+        <p:blipFill>
+          <a:blip r:embed="rId2">
+            <a:extLst/>
+          </a:blip>
+          <a:stretch>
+            <a:fillRect/>
+          </a:stretch>
+        </p:blipFill>
+        <p:spPr>
+          <a:xfrm>
+            <a:off x="358775" y="1905000"/>
+            <a:ext cx="12287250" cy="5943600"/>
+          </a:xfrm>
+          <a:prstGeom prst="rect">
+            <a:avLst/>
+          </a:prstGeom>
+          <a:ln w="12700">
+            <a:miter lim="400000"/>
+          </a:ln>
+        </p:spPr>
+      </p:pic>
+    </p:spTree>
+  </p:cSld>
+  <p:clrMapOvr>
+    <a:masterClrMapping/>
+  </p:clrMapOvr>
+  <p:transition xmlns:p14="http://schemas.microsoft.com/office/powerpoint/2010/main" spd="med" advClick="1"/>
+</p:sld>
+</file>
+
+<file path=ppt/slides/slide16.xml><?xml version="1.0" encoding="utf-8"?>
+<p:sld xmlns:a="http://schemas.openxmlformats.org/drawingml/2006/main" xmlns:r="http://schemas.openxmlformats.org/officeDocument/2006/relationships" xmlns:p="http://schemas.openxmlformats.org/presentationml/2006/main" xmlns:m="http://schemas.openxmlformats.org/officeDocument/2006/math" xmlns:a14="http://schemas.microsoft.com/office/drawing/2010/main" showMasterSp="1" showMasterPhAnim="1">
+  <p:cSld>
+    <p:spTree>
+      <p:nvGrpSpPr>
+        <p:cNvPr id="1" name=""/>
+        <p:cNvGrpSpPr/>
+        <p:nvPr/>
+      </p:nvGrpSpPr>
+      <p:grpSpPr>
+        <a:xfrm>
+          <a:off x="0" y="0"/>
+          <a:ext cx="0" cy="0"/>
+          <a:chOff x="0" y="0"/>
+          <a:chExt cx="0" cy="0"/>
+        </a:xfrm>
+      </p:grpSpPr>
+      <p:sp>
+        <p:nvSpPr>
+          <p:cNvPr id="194" name="Sequenzdiagramme — Filtern"/>
+          <p:cNvSpPr txBox="1"/>
+          <p:nvPr>
+            <p:ph type="title" idx="4294967295"/>
+          </p:nvPr>
+        </p:nvSpPr>
+        <p:spPr>
+          <a:xfrm>
+            <a:off x="1042301" y="106553"/>
+            <a:ext cx="11099801" cy="827430"/>
+          </a:xfrm>
+          <a:prstGeom prst="rect">
+            <a:avLst/>
+          </a:prstGeom>
+        </p:spPr>
+        <p:txBody>
+          <a:bodyPr/>
+          <a:lstStyle>
+            <a:lvl1pPr>
+              <a:defRPr sz="4000"/>
+            </a:lvl1pPr>
+          </a:lstStyle>
+          <a:p>
+            <a:pPr/>
+            <a:r>
+              <a:t>Sequenzdiagramme — Filtern</a:t>
+            </a:r>
+          </a:p>
+        </p:txBody>
+      </p:sp>
+      <p:pic>
+        <p:nvPicPr>
+          <p:cNvPr id="195" name="filtern.pdf" descr="filtern.pdf"/>
+          <p:cNvPicPr>
+            <a:picLocks noChangeAspect="1"/>
+          </p:cNvPicPr>
+          <p:nvPr/>
+        </p:nvPicPr>
+        <p:blipFill>
+          <a:blip r:embed="rId2">
+            <a:extLst/>
+          </a:blip>
+          <a:stretch>
+            <a:fillRect/>
+          </a:stretch>
+        </p:blipFill>
+        <p:spPr>
+          <a:xfrm>
+            <a:off x="817488" y="2056776"/>
+            <a:ext cx="11369824" cy="5640048"/>
+          </a:xfrm>
+          <a:prstGeom prst="rect">
+            <a:avLst/>
+          </a:prstGeom>
+          <a:ln w="12700">
+            <a:miter lim="400000"/>
+          </a:ln>
+        </p:spPr>
+      </p:pic>
+    </p:spTree>
+  </p:cSld>
+  <p:clrMapOvr>
+    <a:masterClrMapping/>
+  </p:clrMapOvr>
+  <p:transition xmlns:p14="http://schemas.microsoft.com/office/powerpoint/2010/main" spd="med" advClick="1"/>
+</p:sld>
+</file>
+
+<file path=ppt/slides/slide17.xml><?xml version="1.0" encoding="utf-8"?>
+<p:sld xmlns:a="http://schemas.openxmlformats.org/drawingml/2006/main" xmlns:r="http://schemas.openxmlformats.org/officeDocument/2006/relationships" xmlns:p="http://schemas.openxmlformats.org/presentationml/2006/main" xmlns:m="http://schemas.openxmlformats.org/officeDocument/2006/math" xmlns:a14="http://schemas.microsoft.com/office/drawing/2010/main" showMasterSp="1" showMasterPhAnim="1">
+  <p:cSld>
+    <p:spTree>
+      <p:nvGrpSpPr>
+        <p:cNvPr id="1" name=""/>
+        <p:cNvGrpSpPr/>
+        <p:nvPr/>
+      </p:nvGrpSpPr>
+      <p:grpSpPr>
+        <a:xfrm>
+          <a:off x="0" y="0"/>
+          <a:ext cx="0" cy="0"/>
+          <a:chOff x="0" y="0"/>
+          <a:chExt cx="0" cy="0"/>
+        </a:xfrm>
+      </p:grpSpPr>
+      <p:sp>
+        <p:nvSpPr>
+          <p:cNvPr id="197" name="Model — Heuristiken — TCGreedy"/>
           <p:cNvSpPr txBox="1"/>
           <p:nvPr/>
         </p:nvSpPr>
         <p:spPr>
           <a:xfrm>
-            <a:off x="6002070" y="4646270"/>
-            <a:ext cx="1000660" cy="461060"/>
+            <a:off x="1042301" y="106553"/>
+            <a:ext cx="11099801" cy="827430"/>
           </a:xfrm>
           <a:prstGeom prst="rect">
             <a:avLst/>
@@ -3768,14 +4460,1286 @@
           </a:extLst>
         </p:spPr>
         <p:txBody>
+          <a:bodyPr lIns="50800" tIns="50800" rIns="50800" bIns="50800" anchor="ctr">
+            <a:normAutofit fontScale="100000" lnSpcReduction="0"/>
+          </a:bodyPr>
+          <a:lstStyle>
+            <a:lvl1pPr>
+              <a:defRPr b="0" sz="4000">
+                <a:latin typeface="+mn-lt"/>
+                <a:ea typeface="+mn-ea"/>
+                <a:cs typeface="+mn-cs"/>
+                <a:sym typeface="Helvetica Neue Medium"/>
+              </a:defRPr>
+            </a:lvl1pPr>
+          </a:lstStyle>
+          <a:p>
+            <a:pPr/>
+            <a:r>
+              <a:t>Model — Heuristiken — TCGreedy</a:t>
+            </a:r>
+          </a:p>
+        </p:txBody>
+      </p:sp>
+      <p:sp>
+        <p:nvSpPr>
+          <p:cNvPr id="198" name="for every vertex v in order of a breadth first search…"/>
+          <p:cNvSpPr txBox="1"/>
+          <p:nvPr/>
+        </p:nvSpPr>
+        <p:spPr>
+          <a:xfrm>
+            <a:off x="580198" y="3632200"/>
+            <a:ext cx="11844404" cy="4216401"/>
+          </a:xfrm>
+          <a:prstGeom prst="rect">
+            <a:avLst/>
+          </a:prstGeom>
+          <a:ln w="12700">
+            <a:miter lim="400000"/>
+          </a:ln>
+          <a:extLst>
+            <a:ext uri="{C572A759-6A51-4108-AA02-DFA0A04FC94B}">
+              <ma14:wrappingTextBoxFlag xmlns:ma14="http://schemas.microsoft.com/office/mac/drawingml/2011/main" val="1"/>
+            </a:ext>
+          </a:extLst>
+        </p:spPr>
+        <p:txBody>
+          <a:bodyPr lIns="50800" tIns="50800" rIns="50800" bIns="50800" anchor="ctr">
+            <a:spAutoFit/>
+          </a:bodyPr>
+          <a:lstStyle/>
+          <a:p>
+            <a:pPr algn="l">
+              <a:defRPr b="0">
+                <a:latin typeface="Courier New"/>
+                <a:ea typeface="Courier New"/>
+                <a:cs typeface="Courier New"/>
+                <a:sym typeface="Courier New"/>
+              </a:defRPr>
+            </a:pPr>
+            <a:r>
+              <a:t>for every vertex </a:t>
+            </a:r>
+            <a:r>
+              <a:rPr b="1"/>
+              <a:t>v</a:t>
+            </a:r>
+            <a:r>
+              <a:t> in order of a breadth first search</a:t>
+            </a:r>
+          </a:p>
+          <a:p>
+            <a:pPr lvl="2" algn="l">
+              <a:defRPr b="0">
+                <a:latin typeface="Courier New"/>
+                <a:ea typeface="Courier New"/>
+                <a:cs typeface="Courier New"/>
+                <a:sym typeface="Courier New"/>
+              </a:defRPr>
+            </a:pPr>
+            <a:r>
+              <a:t>if </a:t>
+            </a:r>
+            <a:r>
+              <a:rPr b="1"/>
+              <a:t>v</a:t>
+            </a:r>
+            <a:r>
+              <a:t> cannot be colored</a:t>
+            </a:r>
+          </a:p>
+          <a:p>
+            <a:pPr lvl="4" algn="l">
+              <a:defRPr b="0">
+                <a:latin typeface="Courier New"/>
+                <a:ea typeface="Courier New"/>
+                <a:cs typeface="Courier New"/>
+                <a:sym typeface="Courier New"/>
+              </a:defRPr>
+            </a:pPr>
+            <a:r>
+              <a:t>return incomplete coloring</a:t>
+            </a:r>
+          </a:p>
+          <a:p>
+            <a:pPr lvl="2" algn="l">
+              <a:defRPr b="0">
+                <a:latin typeface="Courier New"/>
+                <a:ea typeface="Courier New"/>
+                <a:cs typeface="Courier New"/>
+                <a:sym typeface="Courier New"/>
+              </a:defRPr>
+            </a:pPr>
+            <a:r>
+              <a:t>color </a:t>
+            </a:r>
+            <a:r>
+              <a:rPr b="1"/>
+              <a:t>v</a:t>
+            </a:r>
+            <a:r>
+              <a:t> with minimally used free color</a:t>
+            </a:r>
+          </a:p>
+          <a:p>
+            <a:pPr lvl="2" algn="l">
+              <a:defRPr b="0">
+                <a:latin typeface="Courier New"/>
+                <a:ea typeface="Courier New"/>
+                <a:cs typeface="Courier New"/>
+                <a:sym typeface="Courier New"/>
+              </a:defRPr>
+            </a:pPr>
+          </a:p>
+          <a:p>
+            <a:pPr algn="l">
+              <a:defRPr b="0">
+                <a:latin typeface="Courier New"/>
+                <a:ea typeface="Courier New"/>
+                <a:cs typeface="Courier New"/>
+                <a:sym typeface="Courier New"/>
+              </a:defRPr>
+            </a:pPr>
+            <a:r>
+              <a:t>for every vertex </a:t>
+            </a:r>
+            <a:r>
+              <a:rPr b="1"/>
+              <a:t>v</a:t>
+            </a:r>
+            <a:r>
+              <a:t> in order of a breadth first search</a:t>
+            </a:r>
+          </a:p>
+          <a:p>
+            <a:pPr lvl="2" algn="l">
+              <a:defRPr b="0">
+                <a:latin typeface="Courier New"/>
+                <a:ea typeface="Courier New"/>
+                <a:cs typeface="Courier New"/>
+                <a:sym typeface="Courier New"/>
+              </a:defRPr>
+            </a:pPr>
+            <a:r>
+              <a:t>for any uncolored edge </a:t>
+            </a:r>
+            <a:r>
+              <a:rPr b="1"/>
+              <a:t>e</a:t>
+            </a:r>
+            <a:r>
+              <a:t> incident to </a:t>
+            </a:r>
+            <a:r>
+              <a:rPr b="1"/>
+              <a:t>v</a:t>
+            </a:r>
+          </a:p>
+          <a:p>
+            <a:pPr lvl="4" algn="l">
+              <a:defRPr b="0">
+                <a:latin typeface="Courier New"/>
+                <a:ea typeface="Courier New"/>
+                <a:cs typeface="Courier New"/>
+                <a:sym typeface="Courier New"/>
+              </a:defRPr>
+            </a:pPr>
+            <a:r>
+              <a:t>if </a:t>
+            </a:r>
+            <a:r>
+              <a:rPr b="1"/>
+              <a:t>e</a:t>
+            </a:r>
+            <a:r>
+              <a:t> cannot be colored</a:t>
+            </a:r>
+          </a:p>
+          <a:p>
+            <a:pPr lvl="6" algn="l">
+              <a:defRPr b="0">
+                <a:latin typeface="Courier New"/>
+                <a:ea typeface="Courier New"/>
+                <a:cs typeface="Courier New"/>
+                <a:sym typeface="Courier New"/>
+              </a:defRPr>
+            </a:pPr>
+            <a:r>
+              <a:t>return incomplete coloring</a:t>
+            </a:r>
+          </a:p>
+          <a:p>
+            <a:pPr lvl="4" algn="l">
+              <a:defRPr b="0">
+                <a:latin typeface="Courier New"/>
+                <a:ea typeface="Courier New"/>
+                <a:cs typeface="Courier New"/>
+                <a:sym typeface="Courier New"/>
+              </a:defRPr>
+            </a:pPr>
+            <a:r>
+              <a:t>color </a:t>
+            </a:r>
+            <a:r>
+              <a:rPr b="1"/>
+              <a:t>e</a:t>
+            </a:r>
+            <a:r>
+              <a:t> with minimally used free color</a:t>
+            </a:r>
+          </a:p>
+          <a:p>
+            <a:pPr lvl="4" algn="l">
+              <a:defRPr b="0">
+                <a:latin typeface="Courier New"/>
+                <a:ea typeface="Courier New"/>
+                <a:cs typeface="Courier New"/>
+                <a:sym typeface="Courier New"/>
+              </a:defRPr>
+            </a:pPr>
+          </a:p>
+          <a:p>
+            <a:pPr algn="l">
+              <a:defRPr b="0">
+                <a:latin typeface="Courier New"/>
+                <a:ea typeface="Courier New"/>
+                <a:cs typeface="Courier New"/>
+                <a:sym typeface="Courier New"/>
+              </a:defRPr>
+            </a:pPr>
+            <a:r>
+              <a:t>return complete coloring</a:t>
+            </a:r>
+          </a:p>
+        </p:txBody>
+      </p:sp>
+      <p:sp>
+        <p:nvSpPr>
+          <p:cNvPr id="199" name="Vermutung:…"/>
+          <p:cNvSpPr txBox="1"/>
+          <p:nvPr/>
+        </p:nvSpPr>
+        <p:spPr>
+          <a:xfrm>
+            <a:off x="580198" y="854689"/>
+            <a:ext cx="11844404" cy="1197967"/>
+          </a:xfrm>
+          <a:prstGeom prst="rect">
+            <a:avLst/>
+          </a:prstGeom>
+          <a:ln w="12700">
+            <a:miter lim="400000"/>
+          </a:ln>
+          <a:extLst>
+            <a:ext uri="{C572A759-6A51-4108-AA02-DFA0A04FC94B}">
+              <ma14:wrappingTextBoxFlag xmlns:ma14="http://schemas.microsoft.com/office/mac/drawingml/2011/main" val="1"/>
+            </a:ext>
+          </a:extLst>
+        </p:spPr>
+        <p:txBody>
+          <a:bodyPr lIns="50800" tIns="50800" rIns="50800" bIns="50800" anchor="ctr">
+            <a:spAutoFit/>
+          </a:bodyPr>
+          <a:lstStyle/>
+          <a:p>
+            <a:pPr algn="l">
+              <a:defRPr b="0"/>
+            </a:pPr>
+            <a:r>
+              <a:rPr u="sng"/>
+              <a:t>Vermutung</a:t>
+            </a:r>
+            <a:r>
+              <a:t>:</a:t>
+            </a:r>
+          </a:p>
+          <a:p>
+            <a:pPr algn="l">
+              <a:defRPr b="0"/>
+            </a:pPr>
+            <a:r>
+              <a:t>Jeder einfache ungerichtete Graph mit Maximalgrad D hat eine valide Totalfärbung mit D+2 Farben</a:t>
+            </a:r>
+          </a:p>
+        </p:txBody>
+      </p:sp>
+    </p:spTree>
+  </p:cSld>
+  <p:clrMapOvr>
+    <a:masterClrMapping/>
+  </p:clrMapOvr>
+  <p:transition xmlns:p14="http://schemas.microsoft.com/office/powerpoint/2010/main" spd="med" advClick="1"/>
+</p:sld>
+</file>
+
+<file path=ppt/slides/slide18.xml><?xml version="1.0" encoding="utf-8"?>
+<p:sld xmlns:a="http://schemas.openxmlformats.org/drawingml/2006/main" xmlns:r="http://schemas.openxmlformats.org/officeDocument/2006/relationships" xmlns:p="http://schemas.openxmlformats.org/presentationml/2006/main" xmlns:m="http://schemas.openxmlformats.org/officeDocument/2006/math" xmlns:a14="http://schemas.microsoft.com/office/drawing/2010/main" showMasterSp="1" showMasterPhAnim="1">
+  <p:cSld>
+    <p:spTree>
+      <p:nvGrpSpPr>
+        <p:cNvPr id="1" name=""/>
+        <p:cNvGrpSpPr/>
+        <p:nvPr/>
+      </p:nvGrpSpPr>
+      <p:grpSpPr>
+        <a:xfrm>
+          <a:off x="0" y="0"/>
+          <a:ext cx="0" cy="0"/>
+          <a:chOff x="0" y="0"/>
+          <a:chExt cx="0" cy="0"/>
+        </a:xfrm>
+      </p:grpSpPr>
+      <p:sp>
+        <p:nvSpPr>
+          <p:cNvPr id="201" name="Model — Heuristiken — TCGreedyOne"/>
+          <p:cNvSpPr txBox="1"/>
+          <p:nvPr/>
+        </p:nvSpPr>
+        <p:spPr>
+          <a:xfrm>
+            <a:off x="1042301" y="106553"/>
+            <a:ext cx="11099801" cy="827430"/>
+          </a:xfrm>
+          <a:prstGeom prst="rect">
+            <a:avLst/>
+          </a:prstGeom>
+          <a:ln w="12700">
+            <a:miter lim="400000"/>
+          </a:ln>
+          <a:extLst>
+            <a:ext uri="{C572A759-6A51-4108-AA02-DFA0A04FC94B}">
+              <ma14:wrappingTextBoxFlag xmlns:ma14="http://schemas.microsoft.com/office/mac/drawingml/2011/main" val="1"/>
+            </a:ext>
+          </a:extLst>
+        </p:spPr>
+        <p:txBody>
+          <a:bodyPr lIns="50800" tIns="50800" rIns="50800" bIns="50800" anchor="ctr">
+            <a:normAutofit fontScale="100000" lnSpcReduction="0"/>
+          </a:bodyPr>
+          <a:lstStyle>
+            <a:lvl1pPr>
+              <a:defRPr b="0" sz="4000">
+                <a:latin typeface="+mn-lt"/>
+                <a:ea typeface="+mn-ea"/>
+                <a:cs typeface="+mn-cs"/>
+                <a:sym typeface="Helvetica Neue Medium"/>
+              </a:defRPr>
+            </a:lvl1pPr>
+          </a:lstStyle>
+          <a:p>
+            <a:pPr/>
+            <a:r>
+              <a:t>Model — Heuristiken — TCGreedyOne</a:t>
+            </a:r>
+          </a:p>
+        </p:txBody>
+      </p:sp>
+      <p:sp>
+        <p:nvSpPr>
+          <p:cNvPr id="202" name="for every vertex v in order of a breadth first search…"/>
+          <p:cNvSpPr txBox="1"/>
+          <p:nvPr/>
+        </p:nvSpPr>
+        <p:spPr>
+          <a:xfrm>
+            <a:off x="580198" y="3060584"/>
+            <a:ext cx="11844404" cy="6273801"/>
+          </a:xfrm>
+          <a:prstGeom prst="rect">
+            <a:avLst/>
+          </a:prstGeom>
+          <a:ln w="12700">
+            <a:miter lim="400000"/>
+          </a:ln>
+          <a:extLst>
+            <a:ext uri="{C572A759-6A51-4108-AA02-DFA0A04FC94B}">
+              <ma14:wrappingTextBoxFlag xmlns:ma14="http://schemas.microsoft.com/office/mac/drawingml/2011/main" val="1"/>
+            </a:ext>
+          </a:extLst>
+        </p:spPr>
+        <p:txBody>
+          <a:bodyPr lIns="50800" tIns="50800" rIns="50800" bIns="50800" anchor="ctr">
+            <a:spAutoFit/>
+          </a:bodyPr>
+          <a:lstStyle/>
+          <a:p>
+            <a:pPr algn="l">
+              <a:defRPr b="0">
+                <a:latin typeface="Courier New"/>
+                <a:ea typeface="Courier New"/>
+                <a:cs typeface="Courier New"/>
+                <a:sym typeface="Courier New"/>
+              </a:defRPr>
+            </a:pPr>
+            <a:r>
+              <a:t>for every vertex </a:t>
+            </a:r>
+            <a:r>
+              <a:rPr b="1"/>
+              <a:t>v</a:t>
+            </a:r>
+            <a:r>
+              <a:t> in order of a breadth first search</a:t>
+            </a:r>
+          </a:p>
+          <a:p>
+            <a:pPr lvl="2" algn="l">
+              <a:defRPr b="0">
+                <a:latin typeface="Courier New"/>
+                <a:ea typeface="Courier New"/>
+                <a:cs typeface="Courier New"/>
+                <a:sym typeface="Courier New"/>
+              </a:defRPr>
+            </a:pPr>
+            <a:r>
+              <a:t>if </a:t>
+            </a:r>
+            <a:r>
+              <a:rPr b="1"/>
+              <a:t>v</a:t>
+            </a:r>
+            <a:r>
+              <a:t> cannot be colored</a:t>
+            </a:r>
+          </a:p>
+          <a:p>
+            <a:pPr lvl="4" algn="l">
+              <a:defRPr b="0">
+                <a:latin typeface="Courier New"/>
+                <a:ea typeface="Courier New"/>
+                <a:cs typeface="Courier New"/>
+                <a:sym typeface="Courier New"/>
+              </a:defRPr>
+            </a:pPr>
+            <a:r>
+              <a:t>return incomplete coloring</a:t>
+            </a:r>
+          </a:p>
+          <a:p>
+            <a:pPr lvl="2" algn="l">
+              <a:defRPr b="0">
+                <a:latin typeface="Courier New"/>
+                <a:ea typeface="Courier New"/>
+                <a:cs typeface="Courier New"/>
+                <a:sym typeface="Courier New"/>
+              </a:defRPr>
+            </a:pPr>
+            <a:r>
+              <a:t>color </a:t>
+            </a:r>
+            <a:r>
+              <a:rPr b="1"/>
+              <a:t>v</a:t>
+            </a:r>
+            <a:r>
+              <a:t> with minimally used free color</a:t>
+            </a:r>
+          </a:p>
+          <a:p>
+            <a:pPr lvl="2" algn="l">
+              <a:defRPr b="0">
+                <a:latin typeface="Courier New"/>
+                <a:ea typeface="Courier New"/>
+                <a:cs typeface="Courier New"/>
+                <a:sym typeface="Courier New"/>
+              </a:defRPr>
+            </a:pPr>
+          </a:p>
+          <a:p>
+            <a:pPr algn="l">
+              <a:defRPr b="0">
+                <a:latin typeface="Courier New"/>
+                <a:ea typeface="Courier New"/>
+                <a:cs typeface="Courier New"/>
+                <a:sym typeface="Courier New"/>
+              </a:defRPr>
+            </a:pPr>
+            <a:r>
+              <a:t>for every vertex </a:t>
+            </a:r>
+            <a:r>
+              <a:rPr b="1"/>
+              <a:t>v</a:t>
+            </a:r>
+            <a:r>
+              <a:t> in order of a breadth first search</a:t>
+            </a:r>
+          </a:p>
+          <a:p>
+            <a:pPr lvl="2" algn="l">
+              <a:defRPr b="0">
+                <a:latin typeface="Courier New"/>
+                <a:ea typeface="Courier New"/>
+                <a:cs typeface="Courier New"/>
+                <a:sym typeface="Courier New"/>
+              </a:defRPr>
+            </a:pPr>
+            <a:r>
+              <a:t>for any uncolored edge </a:t>
+            </a:r>
+            <a:r>
+              <a:rPr b="1"/>
+              <a:t>e</a:t>
+            </a:r>
+            <a:r>
+              <a:t> incident to </a:t>
+            </a:r>
+            <a:r>
+              <a:rPr b="1"/>
+              <a:t>v</a:t>
+            </a:r>
+          </a:p>
+          <a:p>
+            <a:pPr lvl="4" algn="l">
+              <a:defRPr b="0">
+                <a:latin typeface="Courier New"/>
+                <a:ea typeface="Courier New"/>
+                <a:cs typeface="Courier New"/>
+                <a:sym typeface="Courier New"/>
+              </a:defRPr>
+            </a:pPr>
+            <a:r>
+              <a:t>for any uncolored edge </a:t>
+            </a:r>
+            <a:r>
+              <a:rPr b="1"/>
+              <a:t>f</a:t>
+            </a:r>
+            <a:r>
+              <a:t> with exactly one free color</a:t>
+            </a:r>
+          </a:p>
+          <a:p>
+            <a:pPr lvl="6" algn="l">
+              <a:defRPr b="0">
+                <a:latin typeface="Courier New"/>
+                <a:ea typeface="Courier New"/>
+                <a:cs typeface="Courier New"/>
+                <a:sym typeface="Courier New"/>
+              </a:defRPr>
+            </a:pPr>
+            <a:r>
+              <a:t>if </a:t>
+            </a:r>
+            <a:r>
+              <a:rPr b="1"/>
+              <a:t>f</a:t>
+            </a:r>
+            <a:r>
+              <a:t> cannot be colored</a:t>
+            </a:r>
+          </a:p>
+          <a:p>
+            <a:pPr lvl="8" algn="l">
+              <a:defRPr b="0">
+                <a:latin typeface="Courier New"/>
+                <a:ea typeface="Courier New"/>
+                <a:cs typeface="Courier New"/>
+                <a:sym typeface="Courier New"/>
+              </a:defRPr>
+            </a:pPr>
+            <a:r>
+              <a:t>return incomplete coloring</a:t>
+            </a:r>
+          </a:p>
+          <a:p>
+            <a:pPr lvl="6" algn="l">
+              <a:defRPr b="0">
+                <a:latin typeface="Courier New"/>
+                <a:ea typeface="Courier New"/>
+                <a:cs typeface="Courier New"/>
+                <a:sym typeface="Courier New"/>
+              </a:defRPr>
+            </a:pPr>
+            <a:r>
+              <a:t>color </a:t>
+            </a:r>
+            <a:r>
+              <a:rPr b="1"/>
+              <a:t>f</a:t>
+            </a:r>
+            <a:r>
+              <a:t> with minimally used free color</a:t>
+            </a:r>
+          </a:p>
+          <a:p>
+            <a:pPr lvl="4" algn="l">
+              <a:defRPr b="0">
+                <a:latin typeface="Courier New"/>
+                <a:ea typeface="Courier New"/>
+                <a:cs typeface="Courier New"/>
+                <a:sym typeface="Courier New"/>
+              </a:defRPr>
+            </a:pPr>
+            <a:r>
+              <a:t>if </a:t>
+            </a:r>
+            <a:r>
+              <a:rPr b="1"/>
+              <a:t>e</a:t>
+            </a:r>
+            <a:r>
+              <a:t> is colored</a:t>
+            </a:r>
+          </a:p>
+          <a:p>
+            <a:pPr lvl="6" algn="l">
+              <a:defRPr b="0">
+                <a:latin typeface="Courier New"/>
+                <a:ea typeface="Courier New"/>
+                <a:cs typeface="Courier New"/>
+                <a:sym typeface="Courier New"/>
+              </a:defRPr>
+            </a:pPr>
+            <a:r>
+              <a:t>continue</a:t>
+            </a:r>
+          </a:p>
+          <a:p>
+            <a:pPr lvl="4" algn="l">
+              <a:defRPr b="0">
+                <a:latin typeface="Courier New"/>
+                <a:ea typeface="Courier New"/>
+                <a:cs typeface="Courier New"/>
+                <a:sym typeface="Courier New"/>
+              </a:defRPr>
+            </a:pPr>
+            <a:r>
+              <a:t>if </a:t>
+            </a:r>
+            <a:r>
+              <a:rPr b="1"/>
+              <a:t>e</a:t>
+            </a:r>
+            <a:r>
+              <a:t> cannot be colored</a:t>
+            </a:r>
+          </a:p>
+          <a:p>
+            <a:pPr lvl="6" algn="l">
+              <a:defRPr b="0">
+                <a:latin typeface="Courier New"/>
+                <a:ea typeface="Courier New"/>
+                <a:cs typeface="Courier New"/>
+                <a:sym typeface="Courier New"/>
+              </a:defRPr>
+            </a:pPr>
+            <a:r>
+              <a:t>return incomplete coloring</a:t>
+            </a:r>
+          </a:p>
+          <a:p>
+            <a:pPr lvl="4" algn="l">
+              <a:defRPr b="0">
+                <a:latin typeface="Courier New"/>
+                <a:ea typeface="Courier New"/>
+                <a:cs typeface="Courier New"/>
+                <a:sym typeface="Courier New"/>
+              </a:defRPr>
+            </a:pPr>
+            <a:r>
+              <a:t>color </a:t>
+            </a:r>
+            <a:r>
+              <a:rPr b="1"/>
+              <a:t>e</a:t>
+            </a:r>
+            <a:r>
+              <a:t> with minimally used free color</a:t>
+            </a:r>
+          </a:p>
+          <a:p>
+            <a:pPr lvl="4" algn="l">
+              <a:defRPr b="0">
+                <a:latin typeface="Courier New"/>
+                <a:ea typeface="Courier New"/>
+                <a:cs typeface="Courier New"/>
+                <a:sym typeface="Courier New"/>
+              </a:defRPr>
+            </a:pPr>
+          </a:p>
+          <a:p>
+            <a:pPr algn="l">
+              <a:defRPr b="0">
+                <a:latin typeface="Courier New"/>
+                <a:ea typeface="Courier New"/>
+                <a:cs typeface="Courier New"/>
+                <a:sym typeface="Courier New"/>
+              </a:defRPr>
+            </a:pPr>
+            <a:r>
+              <a:t>return complete coloring</a:t>
+            </a:r>
+          </a:p>
+        </p:txBody>
+      </p:sp>
+      <p:sp>
+        <p:nvSpPr>
+          <p:cNvPr id="203" name="Vermutung:…"/>
+          <p:cNvSpPr txBox="1"/>
+          <p:nvPr/>
+        </p:nvSpPr>
+        <p:spPr>
+          <a:xfrm>
+            <a:off x="580198" y="856734"/>
+            <a:ext cx="11844404" cy="1197966"/>
+          </a:xfrm>
+          <a:prstGeom prst="rect">
+            <a:avLst/>
+          </a:prstGeom>
+          <a:ln w="12700">
+            <a:miter lim="400000"/>
+          </a:ln>
+          <a:extLst>
+            <a:ext uri="{C572A759-6A51-4108-AA02-DFA0A04FC94B}">
+              <ma14:wrappingTextBoxFlag xmlns:ma14="http://schemas.microsoft.com/office/mac/drawingml/2011/main" val="1"/>
+            </a:ext>
+          </a:extLst>
+        </p:spPr>
+        <p:txBody>
+          <a:bodyPr lIns="50800" tIns="50800" rIns="50800" bIns="50800" anchor="ctr">
+            <a:spAutoFit/>
+          </a:bodyPr>
+          <a:lstStyle/>
+          <a:p>
+            <a:pPr algn="l">
+              <a:defRPr b="0"/>
+            </a:pPr>
+            <a:r>
+              <a:rPr u="sng"/>
+              <a:t>Vermutung</a:t>
+            </a:r>
+            <a:r>
+              <a:t>:</a:t>
+            </a:r>
+          </a:p>
+          <a:p>
+            <a:pPr algn="l">
+              <a:defRPr b="0"/>
+            </a:pPr>
+            <a:r>
+              <a:t>Jeder einfache ungerichtete Graph mit Maximalgrad D hat eine valide Totalfärbung mit D+2 Farben</a:t>
+            </a:r>
+          </a:p>
+        </p:txBody>
+      </p:sp>
+      <p:sp>
+        <p:nvSpPr>
+          <p:cNvPr id="204" name="temporäres Speichern unkolorierter Kanten mit genau einer freien Farbe"/>
+          <p:cNvSpPr txBox="1"/>
+          <p:nvPr/>
+        </p:nvSpPr>
+        <p:spPr>
+          <a:xfrm>
+            <a:off x="594387" y="2326959"/>
+            <a:ext cx="9869730" cy="461367"/>
+          </a:xfrm>
+          <a:prstGeom prst="rect">
+            <a:avLst/>
+          </a:prstGeom>
+          <a:ln w="12700">
+            <a:miter lim="400000"/>
+          </a:ln>
+          <a:extLst>
+            <a:ext uri="{C572A759-6A51-4108-AA02-DFA0A04FC94B}">
+              <ma14:wrappingTextBoxFlag xmlns:ma14="http://schemas.microsoft.com/office/mac/drawingml/2011/main" val="1"/>
+            </a:ext>
+          </a:extLst>
+        </p:spPr>
+        <p:txBody>
+          <a:bodyPr wrap="none" lIns="50800" tIns="50800" rIns="50800" bIns="50800" anchor="ctr">
+            <a:spAutoFit/>
+          </a:bodyPr>
+          <a:lstStyle>
+            <a:lvl1pPr>
+              <a:defRPr b="0"/>
+            </a:lvl1pPr>
+          </a:lstStyle>
+          <a:p>
+            <a:pPr/>
+            <a:r>
+              <a:t>temporäres Speichern unkolorierter Kanten mit genau einer freien Farbe</a:t>
+            </a:r>
+          </a:p>
+        </p:txBody>
+      </p:sp>
+    </p:spTree>
+  </p:cSld>
+  <p:clrMapOvr>
+    <a:masterClrMapping/>
+  </p:clrMapOvr>
+  <p:transition xmlns:p14="http://schemas.microsoft.com/office/powerpoint/2010/main" spd="med" advClick="1"/>
+</p:sld>
+</file>
+
+<file path=ppt/slides/slide19.xml><?xml version="1.0" encoding="utf-8"?>
+<p:sld xmlns:a="http://schemas.openxmlformats.org/drawingml/2006/main" xmlns:r="http://schemas.openxmlformats.org/officeDocument/2006/relationships" xmlns:p="http://schemas.openxmlformats.org/presentationml/2006/main" xmlns:m="http://schemas.openxmlformats.org/officeDocument/2006/math" xmlns:a14="http://schemas.microsoft.com/office/drawing/2010/main" showMasterSp="1" showMasterPhAnim="1">
+  <p:cSld>
+    <p:spTree>
+      <p:nvGrpSpPr>
+        <p:cNvPr id="1" name=""/>
+        <p:cNvGrpSpPr/>
+        <p:nvPr/>
+      </p:nvGrpSpPr>
+      <p:grpSpPr>
+        <a:xfrm>
+          <a:off x="0" y="0"/>
+          <a:ext cx="0" cy="0"/>
+          <a:chOff x="0" y="0"/>
+          <a:chExt cx="0" cy="0"/>
+        </a:xfrm>
+      </p:grpSpPr>
+      <p:sp>
+        <p:nvSpPr>
+          <p:cNvPr id="206" name="Model — Heuristiken — TCGreedyFew"/>
+          <p:cNvSpPr txBox="1"/>
+          <p:nvPr/>
+        </p:nvSpPr>
+        <p:spPr>
+          <a:xfrm>
+            <a:off x="1042301" y="106553"/>
+            <a:ext cx="11099801" cy="827430"/>
+          </a:xfrm>
+          <a:prstGeom prst="rect">
+            <a:avLst/>
+          </a:prstGeom>
+          <a:ln w="12700">
+            <a:miter lim="400000"/>
+          </a:ln>
+          <a:extLst>
+            <a:ext uri="{C572A759-6A51-4108-AA02-DFA0A04FC94B}">
+              <ma14:wrappingTextBoxFlag xmlns:ma14="http://schemas.microsoft.com/office/mac/drawingml/2011/main" val="1"/>
+            </a:ext>
+          </a:extLst>
+        </p:spPr>
+        <p:txBody>
+          <a:bodyPr lIns="50800" tIns="50800" rIns="50800" bIns="50800" anchor="ctr">
+            <a:normAutofit fontScale="100000" lnSpcReduction="0"/>
+          </a:bodyPr>
+          <a:lstStyle>
+            <a:lvl1pPr>
+              <a:defRPr b="0" sz="4000">
+                <a:latin typeface="+mn-lt"/>
+                <a:ea typeface="+mn-ea"/>
+                <a:cs typeface="+mn-cs"/>
+                <a:sym typeface="Helvetica Neue Medium"/>
+              </a:defRPr>
+            </a:lvl1pPr>
+          </a:lstStyle>
+          <a:p>
+            <a:pPr/>
+            <a:r>
+              <a:t>Model — Heuristiken — TCGreedyFew</a:t>
+            </a:r>
+          </a:p>
+        </p:txBody>
+      </p:sp>
+      <p:sp>
+        <p:nvSpPr>
+          <p:cNvPr id="207" name="for every vertex v in order of a breadth first search…"/>
+          <p:cNvSpPr txBox="1"/>
+          <p:nvPr/>
+        </p:nvSpPr>
+        <p:spPr>
+          <a:xfrm>
+            <a:off x="580198" y="3683633"/>
+            <a:ext cx="11844404" cy="5588001"/>
+          </a:xfrm>
+          <a:prstGeom prst="rect">
+            <a:avLst/>
+          </a:prstGeom>
+          <a:ln w="12700">
+            <a:miter lim="400000"/>
+          </a:ln>
+          <a:extLst>
+            <a:ext uri="{C572A759-6A51-4108-AA02-DFA0A04FC94B}">
+              <ma14:wrappingTextBoxFlag xmlns:ma14="http://schemas.microsoft.com/office/mac/drawingml/2011/main" val="1"/>
+            </a:ext>
+          </a:extLst>
+        </p:spPr>
+        <p:txBody>
+          <a:bodyPr lIns="50800" tIns="50800" rIns="50800" bIns="50800" anchor="ctr">
+            <a:spAutoFit/>
+          </a:bodyPr>
+          <a:lstStyle/>
+          <a:p>
+            <a:pPr algn="l">
+              <a:defRPr b="0">
+                <a:latin typeface="Courier New"/>
+                <a:ea typeface="Courier New"/>
+                <a:cs typeface="Courier New"/>
+                <a:sym typeface="Courier New"/>
+              </a:defRPr>
+            </a:pPr>
+            <a:r>
+              <a:t>for every vertex </a:t>
+            </a:r>
+            <a:r>
+              <a:rPr b="1"/>
+              <a:t>v</a:t>
+            </a:r>
+            <a:r>
+              <a:t> in order of a breadth first search</a:t>
+            </a:r>
+          </a:p>
+          <a:p>
+            <a:pPr lvl="2" algn="l">
+              <a:defRPr b="0">
+                <a:latin typeface="Courier New"/>
+                <a:ea typeface="Courier New"/>
+                <a:cs typeface="Courier New"/>
+                <a:sym typeface="Courier New"/>
+              </a:defRPr>
+            </a:pPr>
+            <a:r>
+              <a:t>if </a:t>
+            </a:r>
+            <a:r>
+              <a:rPr b="1"/>
+              <a:t>v</a:t>
+            </a:r>
+            <a:r>
+              <a:t> cannot be colored</a:t>
+            </a:r>
+          </a:p>
+          <a:p>
+            <a:pPr lvl="4" algn="l">
+              <a:defRPr b="0">
+                <a:latin typeface="Courier New"/>
+                <a:ea typeface="Courier New"/>
+                <a:cs typeface="Courier New"/>
+                <a:sym typeface="Courier New"/>
+              </a:defRPr>
+            </a:pPr>
+            <a:r>
+              <a:t>return incomplete coloring</a:t>
+            </a:r>
+          </a:p>
+          <a:p>
+            <a:pPr lvl="2" algn="l">
+              <a:defRPr b="0">
+                <a:latin typeface="Courier New"/>
+                <a:ea typeface="Courier New"/>
+                <a:cs typeface="Courier New"/>
+                <a:sym typeface="Courier New"/>
+              </a:defRPr>
+            </a:pPr>
+            <a:r>
+              <a:t>color </a:t>
+            </a:r>
+            <a:r>
+              <a:rPr b="1"/>
+              <a:t>v</a:t>
+            </a:r>
+            <a:r>
+              <a:t> with minimally used free color</a:t>
+            </a:r>
+          </a:p>
+          <a:p>
+            <a:pPr lvl="2" algn="l">
+              <a:defRPr b="0">
+                <a:latin typeface="Courier New"/>
+                <a:ea typeface="Courier New"/>
+                <a:cs typeface="Courier New"/>
+                <a:sym typeface="Courier New"/>
+              </a:defRPr>
+            </a:pPr>
+          </a:p>
+          <a:p>
+            <a:pPr algn="l">
+              <a:defRPr b="0">
+                <a:latin typeface="Courier New"/>
+                <a:ea typeface="Courier New"/>
+                <a:cs typeface="Courier New"/>
+                <a:sym typeface="Courier New"/>
+              </a:defRPr>
+            </a:pPr>
+            <a:r>
+              <a:t>for every vertex </a:t>
+            </a:r>
+            <a:r>
+              <a:rPr b="1"/>
+              <a:t>v</a:t>
+            </a:r>
+            <a:r>
+              <a:t> in order of a breadth first search</a:t>
+            </a:r>
+          </a:p>
+          <a:p>
+            <a:pPr lvl="2" algn="l">
+              <a:defRPr b="0">
+                <a:latin typeface="Courier New"/>
+                <a:ea typeface="Courier New"/>
+                <a:cs typeface="Courier New"/>
+                <a:sym typeface="Courier New"/>
+              </a:defRPr>
+            </a:pPr>
+            <a:r>
+              <a:t>for any uncolored edge </a:t>
+            </a:r>
+            <a:r>
+              <a:rPr b="1"/>
+              <a:t>e</a:t>
+            </a:r>
+            <a:r>
+              <a:t> incident to </a:t>
+            </a:r>
+            <a:r>
+              <a:rPr b="1"/>
+              <a:t>v</a:t>
+            </a:r>
+          </a:p>
+          <a:p>
+            <a:pPr lvl="4" algn="l">
+              <a:defRPr b="0">
+                <a:latin typeface="Courier New"/>
+                <a:ea typeface="Courier New"/>
+                <a:cs typeface="Courier New"/>
+                <a:sym typeface="Courier New"/>
+              </a:defRPr>
+            </a:pPr>
+            <a:r>
+              <a:t>for any uncolored edge </a:t>
+            </a:r>
+            <a:r>
+              <a:rPr b="1"/>
+              <a:t>f</a:t>
+            </a:r>
+            <a:r>
+              <a:t> before </a:t>
+            </a:r>
+            <a:r>
+              <a:rPr b="1"/>
+              <a:t>e </a:t>
+            </a:r>
+            <a:r>
+              <a:t>in said list</a:t>
+            </a:r>
+          </a:p>
+          <a:p>
+            <a:pPr lvl="6" algn="l">
+              <a:defRPr b="0">
+                <a:latin typeface="Courier New"/>
+                <a:ea typeface="Courier New"/>
+                <a:cs typeface="Courier New"/>
+                <a:sym typeface="Courier New"/>
+              </a:defRPr>
+            </a:pPr>
+            <a:r>
+              <a:t>if </a:t>
+            </a:r>
+            <a:r>
+              <a:rPr b="1"/>
+              <a:t>f</a:t>
+            </a:r>
+            <a:r>
+              <a:t> cannot be colored</a:t>
+            </a:r>
+          </a:p>
+          <a:p>
+            <a:pPr lvl="8" algn="l">
+              <a:defRPr b="0">
+                <a:latin typeface="Courier New"/>
+                <a:ea typeface="Courier New"/>
+                <a:cs typeface="Courier New"/>
+                <a:sym typeface="Courier New"/>
+              </a:defRPr>
+            </a:pPr>
+            <a:r>
+              <a:t>return incomplete coloring</a:t>
+            </a:r>
+          </a:p>
+          <a:p>
+            <a:pPr lvl="6" algn="l">
+              <a:defRPr b="0">
+                <a:latin typeface="Courier New"/>
+                <a:ea typeface="Courier New"/>
+                <a:cs typeface="Courier New"/>
+                <a:sym typeface="Courier New"/>
+              </a:defRPr>
+            </a:pPr>
+            <a:r>
+              <a:t>color </a:t>
+            </a:r>
+            <a:r>
+              <a:rPr b="1"/>
+              <a:t>f</a:t>
+            </a:r>
+            <a:r>
+              <a:t> with minimally used free color</a:t>
+            </a:r>
+          </a:p>
+          <a:p>
+            <a:pPr lvl="4" algn="l">
+              <a:defRPr b="0">
+                <a:latin typeface="Courier New"/>
+                <a:ea typeface="Courier New"/>
+                <a:cs typeface="Courier New"/>
+                <a:sym typeface="Courier New"/>
+              </a:defRPr>
+            </a:pPr>
+            <a:r>
+              <a:t>if </a:t>
+            </a:r>
+            <a:r>
+              <a:rPr b="1"/>
+              <a:t>e</a:t>
+            </a:r>
+            <a:r>
+              <a:t> cannot be colored</a:t>
+            </a:r>
+          </a:p>
+          <a:p>
+            <a:pPr lvl="6" algn="l">
+              <a:defRPr b="0">
+                <a:latin typeface="Courier New"/>
+                <a:ea typeface="Courier New"/>
+                <a:cs typeface="Courier New"/>
+                <a:sym typeface="Courier New"/>
+              </a:defRPr>
+            </a:pPr>
+            <a:r>
+              <a:t>return incomplete coloring</a:t>
+            </a:r>
+          </a:p>
+          <a:p>
+            <a:pPr lvl="4" algn="l">
+              <a:defRPr b="0">
+                <a:latin typeface="Courier New"/>
+                <a:ea typeface="Courier New"/>
+                <a:cs typeface="Courier New"/>
+                <a:sym typeface="Courier New"/>
+              </a:defRPr>
+            </a:pPr>
+            <a:r>
+              <a:t>color </a:t>
+            </a:r>
+            <a:r>
+              <a:rPr b="1"/>
+              <a:t>e</a:t>
+            </a:r>
+            <a:r>
+              <a:t> with minimally used free color</a:t>
+            </a:r>
+          </a:p>
+          <a:p>
+            <a:pPr lvl="4" algn="l">
+              <a:defRPr b="0">
+                <a:latin typeface="Courier New"/>
+                <a:ea typeface="Courier New"/>
+                <a:cs typeface="Courier New"/>
+                <a:sym typeface="Courier New"/>
+              </a:defRPr>
+            </a:pPr>
+          </a:p>
+          <a:p>
+            <a:pPr algn="l">
+              <a:defRPr b="0">
+                <a:latin typeface="Courier New"/>
+                <a:ea typeface="Courier New"/>
+                <a:cs typeface="Courier New"/>
+                <a:sym typeface="Courier New"/>
+              </a:defRPr>
+            </a:pPr>
+            <a:r>
+              <a:t>return complete coloring</a:t>
+            </a:r>
+          </a:p>
+        </p:txBody>
+      </p:sp>
+      <p:sp>
+        <p:nvSpPr>
+          <p:cNvPr id="208" name="Vermutung:…"/>
+          <p:cNvSpPr txBox="1"/>
+          <p:nvPr/>
+        </p:nvSpPr>
+        <p:spPr>
+          <a:xfrm>
+            <a:off x="580198" y="856734"/>
+            <a:ext cx="11844404" cy="1197966"/>
+          </a:xfrm>
+          <a:prstGeom prst="rect">
+            <a:avLst/>
+          </a:prstGeom>
+          <a:ln w="12700">
+            <a:miter lim="400000"/>
+          </a:ln>
+          <a:extLst>
+            <a:ext uri="{C572A759-6A51-4108-AA02-DFA0A04FC94B}">
+              <ma14:wrappingTextBoxFlag xmlns:ma14="http://schemas.microsoft.com/office/mac/drawingml/2011/main" val="1"/>
+            </a:ext>
+          </a:extLst>
+        </p:spPr>
+        <p:txBody>
+          <a:bodyPr lIns="50800" tIns="50800" rIns="50800" bIns="50800" anchor="ctr">
+            <a:spAutoFit/>
+          </a:bodyPr>
+          <a:lstStyle/>
+          <a:p>
+            <a:pPr algn="l">
+              <a:defRPr b="0"/>
+            </a:pPr>
+            <a:r>
+              <a:rPr u="sng"/>
+              <a:t>Vermutung</a:t>
+            </a:r>
+            <a:r>
+              <a:t>:</a:t>
+            </a:r>
+          </a:p>
+          <a:p>
+            <a:pPr algn="l">
+              <a:defRPr b="0"/>
+            </a:pPr>
+            <a:r>
+              <a:t>Jeder einfache ungerichtete Graph mit Maximalgrad D hat eine valide Totalfärbung mit D+2 Farben</a:t>
+            </a:r>
+          </a:p>
+        </p:txBody>
+      </p:sp>
+      <p:sp>
+        <p:nvSpPr>
+          <p:cNvPr id="209" name="temporäres Speichern einer Liste unkolorierter Kanten sortiert nach Anzahl ihrer freien…"/>
+          <p:cNvSpPr txBox="1"/>
+          <p:nvPr/>
+        </p:nvSpPr>
+        <p:spPr>
+          <a:xfrm>
+            <a:off x="574344" y="2454333"/>
+            <a:ext cx="11856112" cy="829667"/>
+          </a:xfrm>
+          <a:prstGeom prst="rect">
+            <a:avLst/>
+          </a:prstGeom>
+          <a:ln w="12700">
+            <a:miter lim="400000"/>
+          </a:ln>
+          <a:extLst>
+            <a:ext uri="{C572A759-6A51-4108-AA02-DFA0A04FC94B}">
+              <ma14:wrappingTextBoxFlag xmlns:ma14="http://schemas.microsoft.com/office/mac/drawingml/2011/main" val="1"/>
+            </a:ext>
+          </a:extLst>
+        </p:spPr>
+        <p:txBody>
           <a:bodyPr wrap="none" lIns="50800" tIns="50800" rIns="50800" bIns="50800" anchor="ctr">
             <a:spAutoFit/>
           </a:bodyPr>
           <a:lstStyle/>
           <a:p>
-            <a:pPr/>
-            <a:r>
-              <a:t>TODO</a:t>
+            <a:pPr algn="l">
+              <a:defRPr b="0"/>
+            </a:pPr>
+            <a:r>
+              <a:t>temporäres Speichern einer Liste unkolorierter Kanten sortiert nach Anzahl ihrer freien</a:t>
+            </a:r>
+          </a:p>
+          <a:p>
+            <a:pPr algn="l">
+              <a:defRPr b="0"/>
+            </a:pPr>
+            <a:r>
+              <a:t>Farben und ihrem Index</a:t>
             </a:r>
           </a:p>
         </p:txBody>
@@ -3846,8 +5810,8 @@
         </p:nvSpPr>
         <p:spPr>
           <a:xfrm>
-            <a:off x="1042301" y="1500564"/>
-            <a:ext cx="11099801" cy="7106344"/>
+            <a:off x="952500" y="931274"/>
+            <a:ext cx="11099801" cy="8244924"/>
           </a:xfrm>
           <a:prstGeom prst="rect">
             <a:avLst/>
@@ -3973,6 +5937,17 @@
               </a:lnSpc>
               <a:defRPr sz="2000"/>
             </a:pPr>
+            <a:r>
+              <a:t>Beispiel: TCMixedGreedyCon</a:t>
+            </a:r>
+          </a:p>
+          <a:p>
+            <a:pPr lvl="4" algn="l">
+              <a:lnSpc>
+                <a:spcPct val="120000"/>
+              </a:lnSpc>
+              <a:defRPr sz="2000"/>
+            </a:pPr>
           </a:p>
           <a:p>
             <a:pPr algn="l">
@@ -4004,7 +5979,20 @@
               <a:defRPr sz="2000"/>
             </a:pPr>
             <a:r>
-              <a:t>Beispiel: TabController</a:t>
+              <a:t>Graph-Editor</a:t>
+            </a:r>
+          </a:p>
+          <a:p>
+            <a:pPr algn="l">
+              <a:lnSpc>
+                <a:spcPct val="120000"/>
+              </a:lnSpc>
+              <a:defRPr sz="2000"/>
+            </a:pPr>
+            <a:br/>
+            <a:r>
+              <a:rPr sz="2400" u="sng"/>
+              <a:t>Sequenzdiagramme</a:t>
             </a:r>
           </a:p>
           <a:p>
@@ -4015,20 +6003,7 @@
               <a:defRPr sz="2000"/>
             </a:pPr>
             <a:r>
-              <a:t>Graph-Editor</a:t>
-            </a:r>
-          </a:p>
-          <a:p>
-            <a:pPr algn="l">
-              <a:lnSpc>
-                <a:spcPct val="120000"/>
-              </a:lnSpc>
-              <a:defRPr sz="2000"/>
-            </a:pPr>
-            <a:br/>
-            <a:r>
-              <a:rPr sz="2400" u="sng"/>
-              <a:t>Sequenzdiagramme</a:t>
+              <a:t>Graph generieren</a:t>
             </a:r>
           </a:p>
           <a:p>
@@ -4039,7 +6014,29 @@
               <a:defRPr sz="2000"/>
             </a:pPr>
             <a:r>
-              <a:t>Graphgenerierung</a:t>
+              <a:t>Graph editieren</a:t>
+            </a:r>
+          </a:p>
+          <a:p>
+            <a:pPr lvl="2" algn="l">
+              <a:lnSpc>
+                <a:spcPct val="120000"/>
+              </a:lnSpc>
+              <a:defRPr sz="2000"/>
+            </a:pPr>
+            <a:r>
+              <a:t>Heuristiken anwenden</a:t>
+            </a:r>
+          </a:p>
+          <a:p>
+            <a:pPr lvl="2" algn="l">
+              <a:lnSpc>
+                <a:spcPct val="120000"/>
+              </a:lnSpc>
+              <a:defRPr sz="2000"/>
+            </a:pPr>
+            <a:r>
+              <a:t>Filtern</a:t>
             </a:r>
           </a:p>
         </p:txBody>
@@ -4063,8 +6060,8 @@
         </p:blipFill>
         <p:spPr>
           <a:xfrm>
-            <a:off x="10662163" y="3876278"/>
-            <a:ext cx="1413256" cy="2001219"/>
+            <a:off x="10662164" y="3876278"/>
+            <a:ext cx="1413255" cy="2001219"/>
           </a:xfrm>
           <a:prstGeom prst="rect">
             <a:avLst/>
@@ -4074,6 +6071,3525 @@
           </a:ln>
         </p:spPr>
       </p:pic>
+    </p:spTree>
+  </p:cSld>
+  <p:clrMapOvr>
+    <a:masterClrMapping/>
+  </p:clrMapOvr>
+  <p:transition xmlns:p14="http://schemas.microsoft.com/office/powerpoint/2010/main" spd="med" advClick="1"/>
+</p:sld>
+</file>
+
+<file path=ppt/slides/slide20.xml><?xml version="1.0" encoding="utf-8"?>
+<p:sld xmlns:a="http://schemas.openxmlformats.org/drawingml/2006/main" xmlns:r="http://schemas.openxmlformats.org/officeDocument/2006/relationships" xmlns:p="http://schemas.openxmlformats.org/presentationml/2006/main" xmlns:m="http://schemas.openxmlformats.org/officeDocument/2006/math" xmlns:a14="http://schemas.microsoft.com/office/drawing/2010/main" showMasterSp="1" showMasterPhAnim="1">
+  <p:cSld>
+    <p:spTree>
+      <p:nvGrpSpPr>
+        <p:cNvPr id="1" name=""/>
+        <p:cNvGrpSpPr/>
+        <p:nvPr/>
+      </p:nvGrpSpPr>
+      <p:grpSpPr>
+        <a:xfrm>
+          <a:off x="0" y="0"/>
+          <a:ext cx="0" cy="0"/>
+          <a:chOff x="0" y="0"/>
+          <a:chExt cx="0" cy="0"/>
+        </a:xfrm>
+      </p:grpSpPr>
+      <p:sp>
+        <p:nvSpPr>
+          <p:cNvPr id="211" name="Model — Heuristiken — TCGreedySet"/>
+          <p:cNvSpPr txBox="1"/>
+          <p:nvPr/>
+        </p:nvSpPr>
+        <p:spPr>
+          <a:xfrm>
+            <a:off x="1042301" y="106553"/>
+            <a:ext cx="11099801" cy="827430"/>
+          </a:xfrm>
+          <a:prstGeom prst="rect">
+            <a:avLst/>
+          </a:prstGeom>
+          <a:ln w="12700">
+            <a:miter lim="400000"/>
+          </a:ln>
+          <a:extLst>
+            <a:ext uri="{C572A759-6A51-4108-AA02-DFA0A04FC94B}">
+              <ma14:wrappingTextBoxFlag xmlns:ma14="http://schemas.microsoft.com/office/mac/drawingml/2011/main" val="1"/>
+            </a:ext>
+          </a:extLst>
+        </p:spPr>
+        <p:txBody>
+          <a:bodyPr lIns="50800" tIns="50800" rIns="50800" bIns="50800" anchor="ctr">
+            <a:normAutofit fontScale="100000" lnSpcReduction="0"/>
+          </a:bodyPr>
+          <a:lstStyle>
+            <a:lvl1pPr>
+              <a:defRPr b="0" sz="4000">
+                <a:latin typeface="+mn-lt"/>
+                <a:ea typeface="+mn-ea"/>
+                <a:cs typeface="+mn-cs"/>
+                <a:sym typeface="Helvetica Neue Medium"/>
+              </a:defRPr>
+            </a:lvl1pPr>
+          </a:lstStyle>
+          <a:p>
+            <a:pPr/>
+            <a:r>
+              <a:t>Model — Heuristiken — TCGreedySet</a:t>
+            </a:r>
+          </a:p>
+        </p:txBody>
+      </p:sp>
+      <p:sp>
+        <p:nvSpPr>
+          <p:cNvPr id="212" name="for every vertex v in order of a breadth first search…"/>
+          <p:cNvSpPr txBox="1"/>
+          <p:nvPr/>
+        </p:nvSpPr>
+        <p:spPr>
+          <a:xfrm>
+            <a:off x="580198" y="3683633"/>
+            <a:ext cx="11844404" cy="5588001"/>
+          </a:xfrm>
+          <a:prstGeom prst="rect">
+            <a:avLst/>
+          </a:prstGeom>
+          <a:ln w="12700">
+            <a:miter lim="400000"/>
+          </a:ln>
+          <a:extLst>
+            <a:ext uri="{C572A759-6A51-4108-AA02-DFA0A04FC94B}">
+              <ma14:wrappingTextBoxFlag xmlns:ma14="http://schemas.microsoft.com/office/mac/drawingml/2011/main" val="1"/>
+            </a:ext>
+          </a:extLst>
+        </p:spPr>
+        <p:txBody>
+          <a:bodyPr lIns="50800" tIns="50800" rIns="50800" bIns="50800" anchor="ctr">
+            <a:spAutoFit/>
+          </a:bodyPr>
+          <a:lstStyle/>
+          <a:p>
+            <a:pPr algn="l">
+              <a:defRPr b="0">
+                <a:latin typeface="Courier New"/>
+                <a:ea typeface="Courier New"/>
+                <a:cs typeface="Courier New"/>
+                <a:sym typeface="Courier New"/>
+              </a:defRPr>
+            </a:pPr>
+            <a:r>
+              <a:t>for every vertex </a:t>
+            </a:r>
+            <a:r>
+              <a:rPr b="1"/>
+              <a:t>v</a:t>
+            </a:r>
+            <a:r>
+              <a:t> in order of a breadth first search</a:t>
+            </a:r>
+          </a:p>
+          <a:p>
+            <a:pPr lvl="2" algn="l">
+              <a:defRPr b="0">
+                <a:latin typeface="Courier New"/>
+                <a:ea typeface="Courier New"/>
+                <a:cs typeface="Courier New"/>
+                <a:sym typeface="Courier New"/>
+              </a:defRPr>
+            </a:pPr>
+            <a:r>
+              <a:t>if </a:t>
+            </a:r>
+            <a:r>
+              <a:rPr b="1"/>
+              <a:t>v</a:t>
+            </a:r>
+            <a:r>
+              <a:t> cannot be colored</a:t>
+            </a:r>
+          </a:p>
+          <a:p>
+            <a:pPr lvl="4" algn="l">
+              <a:defRPr b="0">
+                <a:latin typeface="Courier New"/>
+                <a:ea typeface="Courier New"/>
+                <a:cs typeface="Courier New"/>
+                <a:sym typeface="Courier New"/>
+              </a:defRPr>
+            </a:pPr>
+            <a:r>
+              <a:t>return incomplete coloring</a:t>
+            </a:r>
+          </a:p>
+          <a:p>
+            <a:pPr lvl="2" algn="l">
+              <a:defRPr b="0">
+                <a:latin typeface="Courier New"/>
+                <a:ea typeface="Courier New"/>
+                <a:cs typeface="Courier New"/>
+                <a:sym typeface="Courier New"/>
+              </a:defRPr>
+            </a:pPr>
+            <a:r>
+              <a:t>color </a:t>
+            </a:r>
+            <a:r>
+              <a:rPr b="1"/>
+              <a:t>v</a:t>
+            </a:r>
+            <a:r>
+              <a:t> with minimally used free color</a:t>
+            </a:r>
+          </a:p>
+          <a:p>
+            <a:pPr lvl="2" algn="l">
+              <a:defRPr b="0">
+                <a:latin typeface="Courier New"/>
+                <a:ea typeface="Courier New"/>
+                <a:cs typeface="Courier New"/>
+                <a:sym typeface="Courier New"/>
+              </a:defRPr>
+            </a:pPr>
+          </a:p>
+          <a:p>
+            <a:pPr algn="l">
+              <a:defRPr b="0">
+                <a:latin typeface="Courier New"/>
+                <a:ea typeface="Courier New"/>
+                <a:cs typeface="Courier New"/>
+                <a:sym typeface="Courier New"/>
+              </a:defRPr>
+            </a:pPr>
+            <a:r>
+              <a:t>while there is such a minimal set</a:t>
+            </a:r>
+          </a:p>
+          <a:p>
+            <a:pPr lvl="2" algn="l">
+              <a:defRPr b="0">
+                <a:latin typeface="Courier New"/>
+                <a:ea typeface="Courier New"/>
+                <a:cs typeface="Courier New"/>
+                <a:sym typeface="Courier New"/>
+              </a:defRPr>
+            </a:pPr>
+            <a:r>
+              <a:t>find set </a:t>
+            </a:r>
+            <a:r>
+              <a:rPr b="1"/>
+              <a:t>X</a:t>
+            </a:r>
+            <a:r>
+              <a:t> of minimal flexibility belonging to the vertex </a:t>
+            </a:r>
+            <a:r>
+              <a:rPr b="1"/>
+              <a:t>v</a:t>
+            </a:r>
+            <a:r>
+              <a:t> with minimal index</a:t>
+            </a:r>
+          </a:p>
+          <a:p>
+            <a:pPr lvl="2" algn="l">
+              <a:defRPr b="0">
+                <a:latin typeface="Courier New"/>
+                <a:ea typeface="Courier New"/>
+                <a:cs typeface="Courier New"/>
+                <a:sym typeface="Courier New"/>
+              </a:defRPr>
+            </a:pPr>
+            <a:r>
+              <a:t>if </a:t>
+            </a:r>
+            <a:r>
+              <a:rPr b="1"/>
+              <a:t>X</a:t>
+            </a:r>
+            <a:r>
+              <a:t> has negative flexibility</a:t>
+            </a:r>
+          </a:p>
+          <a:p>
+            <a:pPr lvl="4" algn="l">
+              <a:defRPr b="0">
+                <a:latin typeface="Courier New"/>
+                <a:ea typeface="Courier New"/>
+                <a:cs typeface="Courier New"/>
+                <a:sym typeface="Courier New"/>
+              </a:defRPr>
+            </a:pPr>
+            <a:r>
+              <a:t>return incomplete coloring</a:t>
+            </a:r>
+          </a:p>
+          <a:p>
+            <a:pPr lvl="2" algn="l">
+              <a:defRPr b="0">
+                <a:latin typeface="Courier New"/>
+                <a:ea typeface="Courier New"/>
+                <a:cs typeface="Courier New"/>
+                <a:sym typeface="Courier New"/>
+              </a:defRPr>
+            </a:pPr>
+            <a:r>
+              <a:t>for edge </a:t>
+            </a:r>
+            <a:r>
+              <a:rPr b="1"/>
+              <a:t>e</a:t>
+            </a:r>
+            <a:r>
+              <a:t> in </a:t>
+            </a:r>
+            <a:r>
+              <a:rPr b="1"/>
+              <a:t>X</a:t>
+            </a:r>
+          </a:p>
+          <a:p>
+            <a:pPr lvl="4" algn="l">
+              <a:defRPr b="0">
+                <a:latin typeface="Courier New"/>
+                <a:ea typeface="Courier New"/>
+                <a:cs typeface="Courier New"/>
+                <a:sym typeface="Courier New"/>
+              </a:defRPr>
+            </a:pPr>
+            <a:r>
+              <a:t>if </a:t>
+            </a:r>
+            <a:r>
+              <a:rPr b="1"/>
+              <a:t>e</a:t>
+            </a:r>
+            <a:r>
+              <a:t> cannot be colored</a:t>
+            </a:r>
+          </a:p>
+          <a:p>
+            <a:pPr lvl="6" algn="l">
+              <a:defRPr b="0">
+                <a:latin typeface="Courier New"/>
+                <a:ea typeface="Courier New"/>
+                <a:cs typeface="Courier New"/>
+                <a:sym typeface="Courier New"/>
+              </a:defRPr>
+            </a:pPr>
+            <a:r>
+              <a:t>return incomplete coloring</a:t>
+            </a:r>
+          </a:p>
+          <a:p>
+            <a:pPr lvl="4" algn="l">
+              <a:defRPr b="0">
+                <a:latin typeface="Courier New"/>
+                <a:ea typeface="Courier New"/>
+                <a:cs typeface="Courier New"/>
+                <a:sym typeface="Courier New"/>
+              </a:defRPr>
+            </a:pPr>
+            <a:r>
+              <a:t>color </a:t>
+            </a:r>
+            <a:r>
+              <a:rPr b="1"/>
+              <a:t>e</a:t>
+            </a:r>
+            <a:r>
+              <a:t> with minimally used free color</a:t>
+            </a:r>
+          </a:p>
+          <a:p>
+            <a:pPr lvl="4" algn="l">
+              <a:defRPr b="0">
+                <a:latin typeface="Courier New"/>
+                <a:ea typeface="Courier New"/>
+                <a:cs typeface="Courier New"/>
+                <a:sym typeface="Courier New"/>
+              </a:defRPr>
+            </a:pPr>
+          </a:p>
+          <a:p>
+            <a:pPr algn="l">
+              <a:defRPr b="0">
+                <a:latin typeface="Courier New"/>
+                <a:ea typeface="Courier New"/>
+                <a:cs typeface="Courier New"/>
+                <a:sym typeface="Courier New"/>
+              </a:defRPr>
+            </a:pPr>
+            <a:r>
+              <a:t>return complete coloring</a:t>
+            </a:r>
+          </a:p>
+        </p:txBody>
+      </p:sp>
+      <p:sp>
+        <p:nvSpPr>
+          <p:cNvPr id="213" name="Vermutung:…"/>
+          <p:cNvSpPr txBox="1"/>
+          <p:nvPr/>
+        </p:nvSpPr>
+        <p:spPr>
+          <a:xfrm>
+            <a:off x="580198" y="856734"/>
+            <a:ext cx="11844404" cy="1197966"/>
+          </a:xfrm>
+          <a:prstGeom prst="rect">
+            <a:avLst/>
+          </a:prstGeom>
+          <a:ln w="12700">
+            <a:miter lim="400000"/>
+          </a:ln>
+          <a:extLst>
+            <a:ext uri="{C572A759-6A51-4108-AA02-DFA0A04FC94B}">
+              <ma14:wrappingTextBoxFlag xmlns:ma14="http://schemas.microsoft.com/office/mac/drawingml/2011/main" val="1"/>
+            </a:ext>
+          </a:extLst>
+        </p:spPr>
+        <p:txBody>
+          <a:bodyPr lIns="50800" tIns="50800" rIns="50800" bIns="50800" anchor="ctr">
+            <a:spAutoFit/>
+          </a:bodyPr>
+          <a:lstStyle/>
+          <a:p>
+            <a:pPr algn="l">
+              <a:defRPr b="0"/>
+            </a:pPr>
+            <a:r>
+              <a:rPr u="sng"/>
+              <a:t>Vermutung</a:t>
+            </a:r>
+            <a:r>
+              <a:t>:</a:t>
+            </a:r>
+          </a:p>
+          <a:p>
+            <a:pPr algn="l">
+              <a:defRPr b="0"/>
+            </a:pPr>
+            <a:r>
+              <a:t>Jeder einfache ungerichtete Graph mit Maximalgrad D hat eine valide Totalfärbung mit D+2 Farben</a:t>
+            </a:r>
+          </a:p>
+        </p:txBody>
+      </p:sp>
+      <p:sp>
+        <p:nvSpPr>
+          <p:cNvPr id="214" name="temporäres Speichern von Teilmengen der zu einem gemeinsamen Knoten inzidenten und unkolorierten Kanten mit minimaler Flexibilität"/>
+          <p:cNvSpPr txBox="1"/>
+          <p:nvPr/>
+        </p:nvSpPr>
+        <p:spPr>
+          <a:xfrm>
+            <a:off x="574344" y="2454333"/>
+            <a:ext cx="12405666" cy="829667"/>
+          </a:xfrm>
+          <a:prstGeom prst="rect">
+            <a:avLst/>
+          </a:prstGeom>
+          <a:ln w="12700">
+            <a:miter lim="400000"/>
+          </a:ln>
+          <a:extLst>
+            <a:ext uri="{C572A759-6A51-4108-AA02-DFA0A04FC94B}">
+              <ma14:wrappingTextBoxFlag xmlns:ma14="http://schemas.microsoft.com/office/mac/drawingml/2011/main" val="1"/>
+            </a:ext>
+          </a:extLst>
+        </p:spPr>
+        <p:txBody>
+          <a:bodyPr wrap="none" lIns="50800" tIns="50800" rIns="50800" bIns="50800" anchor="ctr">
+            <a:spAutoFit/>
+          </a:bodyPr>
+          <a:lstStyle>
+            <a:lvl1pPr algn="l">
+              <a:defRPr b="0"/>
+            </a:lvl1pPr>
+          </a:lstStyle>
+          <a:p>
+            <a:pPr/>
+            <a:r>
+              <a:t>temporäres Speichern von Teilmengen der zu einem gemeinsamen Knoten inzidenten und unkolorierten Kanten mit minimaler Flexibilität</a:t>
+            </a:r>
+          </a:p>
+        </p:txBody>
+      </p:sp>
+    </p:spTree>
+  </p:cSld>
+  <p:clrMapOvr>
+    <a:masterClrMapping/>
+  </p:clrMapOvr>
+  <p:transition xmlns:p14="http://schemas.microsoft.com/office/powerpoint/2010/main" spd="med" advClick="1"/>
+</p:sld>
+</file>
+
+<file path=ppt/slides/slide21.xml><?xml version="1.0" encoding="utf-8"?>
+<p:sld xmlns:a="http://schemas.openxmlformats.org/drawingml/2006/main" xmlns:r="http://schemas.openxmlformats.org/officeDocument/2006/relationships" xmlns:p="http://schemas.openxmlformats.org/presentationml/2006/main" xmlns:m="http://schemas.openxmlformats.org/officeDocument/2006/math" xmlns:a14="http://schemas.microsoft.com/office/drawing/2010/main" showMasterSp="1" showMasterPhAnim="1">
+  <p:cSld>
+    <p:spTree>
+      <p:nvGrpSpPr>
+        <p:cNvPr id="1" name=""/>
+        <p:cNvGrpSpPr/>
+        <p:nvPr/>
+      </p:nvGrpSpPr>
+      <p:grpSpPr>
+        <a:xfrm>
+          <a:off x="0" y="0"/>
+          <a:ext cx="0" cy="0"/>
+          <a:chOff x="0" y="0"/>
+          <a:chExt cx="0" cy="0"/>
+        </a:xfrm>
+      </p:grpSpPr>
+      <p:sp>
+        <p:nvSpPr>
+          <p:cNvPr id="216" name="Model — Heuristiken — TCGreedyCon"/>
+          <p:cNvSpPr txBox="1"/>
+          <p:nvPr/>
+        </p:nvSpPr>
+        <p:spPr>
+          <a:xfrm>
+            <a:off x="1042301" y="106553"/>
+            <a:ext cx="11099801" cy="827430"/>
+          </a:xfrm>
+          <a:prstGeom prst="rect">
+            <a:avLst/>
+          </a:prstGeom>
+          <a:ln w="12700">
+            <a:miter lim="400000"/>
+          </a:ln>
+          <a:extLst>
+            <a:ext uri="{C572A759-6A51-4108-AA02-DFA0A04FC94B}">
+              <ma14:wrappingTextBoxFlag xmlns:ma14="http://schemas.microsoft.com/office/mac/drawingml/2011/main" val="1"/>
+            </a:ext>
+          </a:extLst>
+        </p:spPr>
+        <p:txBody>
+          <a:bodyPr lIns="50800" tIns="50800" rIns="50800" bIns="50800" anchor="ctr">
+            <a:normAutofit fontScale="100000" lnSpcReduction="0"/>
+          </a:bodyPr>
+          <a:lstStyle>
+            <a:lvl1pPr>
+              <a:defRPr b="0" sz="4000">
+                <a:latin typeface="+mn-lt"/>
+                <a:ea typeface="+mn-ea"/>
+                <a:cs typeface="+mn-cs"/>
+                <a:sym typeface="Helvetica Neue Medium"/>
+              </a:defRPr>
+            </a:lvl1pPr>
+          </a:lstStyle>
+          <a:p>
+            <a:pPr/>
+            <a:r>
+              <a:t>Model — Heuristiken — TCGreedyCon</a:t>
+            </a:r>
+          </a:p>
+        </p:txBody>
+      </p:sp>
+      <p:sp>
+        <p:nvSpPr>
+          <p:cNvPr id="217" name="for every vertex v in order of a breadth first search…"/>
+          <p:cNvSpPr txBox="1"/>
+          <p:nvPr/>
+        </p:nvSpPr>
+        <p:spPr>
+          <a:xfrm>
+            <a:off x="580198" y="3855083"/>
+            <a:ext cx="11844404" cy="5245101"/>
+          </a:xfrm>
+          <a:prstGeom prst="rect">
+            <a:avLst/>
+          </a:prstGeom>
+          <a:ln w="12700">
+            <a:miter lim="400000"/>
+          </a:ln>
+          <a:extLst>
+            <a:ext uri="{C572A759-6A51-4108-AA02-DFA0A04FC94B}">
+              <ma14:wrappingTextBoxFlag xmlns:ma14="http://schemas.microsoft.com/office/mac/drawingml/2011/main" val="1"/>
+            </a:ext>
+          </a:extLst>
+        </p:spPr>
+        <p:txBody>
+          <a:bodyPr lIns="50800" tIns="50800" rIns="50800" bIns="50800" anchor="ctr">
+            <a:spAutoFit/>
+          </a:bodyPr>
+          <a:lstStyle/>
+          <a:p>
+            <a:pPr algn="l">
+              <a:defRPr b="0">
+                <a:latin typeface="Courier New"/>
+                <a:ea typeface="Courier New"/>
+                <a:cs typeface="Courier New"/>
+                <a:sym typeface="Courier New"/>
+              </a:defRPr>
+            </a:pPr>
+            <a:r>
+              <a:t>for every vertex </a:t>
+            </a:r>
+            <a:r>
+              <a:rPr b="1"/>
+              <a:t>v</a:t>
+            </a:r>
+            <a:r>
+              <a:t> in order of a breadth first search</a:t>
+            </a:r>
+          </a:p>
+          <a:p>
+            <a:pPr lvl="2" algn="l">
+              <a:defRPr b="0">
+                <a:latin typeface="Courier New"/>
+                <a:ea typeface="Courier New"/>
+                <a:cs typeface="Courier New"/>
+                <a:sym typeface="Courier New"/>
+              </a:defRPr>
+            </a:pPr>
+            <a:r>
+              <a:t>if </a:t>
+            </a:r>
+            <a:r>
+              <a:rPr b="1"/>
+              <a:t>v</a:t>
+            </a:r>
+            <a:r>
+              <a:t> cannot be colored</a:t>
+            </a:r>
+          </a:p>
+          <a:p>
+            <a:pPr lvl="4" algn="l">
+              <a:defRPr b="0">
+                <a:latin typeface="Courier New"/>
+                <a:ea typeface="Courier New"/>
+                <a:cs typeface="Courier New"/>
+                <a:sym typeface="Courier New"/>
+              </a:defRPr>
+            </a:pPr>
+            <a:r>
+              <a:t>return incomplete coloring</a:t>
+            </a:r>
+          </a:p>
+          <a:p>
+            <a:pPr lvl="2" algn="l">
+              <a:defRPr b="0">
+                <a:latin typeface="Courier New"/>
+                <a:ea typeface="Courier New"/>
+                <a:cs typeface="Courier New"/>
+                <a:sym typeface="Courier New"/>
+              </a:defRPr>
+            </a:pPr>
+            <a:r>
+              <a:t>color </a:t>
+            </a:r>
+            <a:r>
+              <a:rPr b="1"/>
+              <a:t>v</a:t>
+            </a:r>
+            <a:r>
+              <a:t> with minimally used free color</a:t>
+            </a:r>
+          </a:p>
+          <a:p>
+            <a:pPr lvl="2" algn="l">
+              <a:defRPr b="0">
+                <a:latin typeface="Courier New"/>
+                <a:ea typeface="Courier New"/>
+                <a:cs typeface="Courier New"/>
+                <a:sym typeface="Courier New"/>
+              </a:defRPr>
+            </a:pPr>
+          </a:p>
+          <a:p>
+            <a:pPr algn="l">
+              <a:defRPr b="0">
+                <a:latin typeface="Courier New"/>
+                <a:ea typeface="Courier New"/>
+                <a:cs typeface="Courier New"/>
+                <a:sym typeface="Courier New"/>
+              </a:defRPr>
+            </a:pPr>
+            <a:r>
+              <a:t>while there is such a minimal set</a:t>
+            </a:r>
+          </a:p>
+          <a:p>
+            <a:pPr lvl="2" algn="l">
+              <a:defRPr b="0">
+                <a:latin typeface="Courier New"/>
+                <a:ea typeface="Courier New"/>
+                <a:cs typeface="Courier New"/>
+                <a:sym typeface="Courier New"/>
+              </a:defRPr>
+            </a:pPr>
+            <a:r>
+              <a:t>find set </a:t>
+            </a:r>
+            <a:r>
+              <a:rPr b="1"/>
+              <a:t>X</a:t>
+            </a:r>
+            <a:r>
+              <a:t> of minimal flexibility and minimal index</a:t>
+            </a:r>
+          </a:p>
+          <a:p>
+            <a:pPr lvl="2" algn="l">
+              <a:defRPr b="0">
+                <a:latin typeface="Courier New"/>
+                <a:ea typeface="Courier New"/>
+                <a:cs typeface="Courier New"/>
+                <a:sym typeface="Courier New"/>
+              </a:defRPr>
+            </a:pPr>
+            <a:r>
+              <a:t>if </a:t>
+            </a:r>
+            <a:r>
+              <a:rPr b="1"/>
+              <a:t>X</a:t>
+            </a:r>
+            <a:r>
+              <a:t> has negative flexibility</a:t>
+            </a:r>
+          </a:p>
+          <a:p>
+            <a:pPr lvl="4" algn="l">
+              <a:defRPr b="0">
+                <a:latin typeface="Courier New"/>
+                <a:ea typeface="Courier New"/>
+                <a:cs typeface="Courier New"/>
+                <a:sym typeface="Courier New"/>
+              </a:defRPr>
+            </a:pPr>
+            <a:r>
+              <a:t>return incomplete coloring</a:t>
+            </a:r>
+          </a:p>
+          <a:p>
+            <a:pPr lvl="2" algn="l">
+              <a:defRPr b="0">
+                <a:latin typeface="Courier New"/>
+                <a:ea typeface="Courier New"/>
+                <a:cs typeface="Courier New"/>
+                <a:sym typeface="Courier New"/>
+              </a:defRPr>
+            </a:pPr>
+            <a:r>
+              <a:t>for edge </a:t>
+            </a:r>
+            <a:r>
+              <a:rPr b="1"/>
+              <a:t>e</a:t>
+            </a:r>
+            <a:r>
+              <a:t> in </a:t>
+            </a:r>
+            <a:r>
+              <a:rPr b="1"/>
+              <a:t>X</a:t>
+            </a:r>
+          </a:p>
+          <a:p>
+            <a:pPr lvl="4" algn="l">
+              <a:defRPr b="0">
+                <a:latin typeface="Courier New"/>
+                <a:ea typeface="Courier New"/>
+                <a:cs typeface="Courier New"/>
+                <a:sym typeface="Courier New"/>
+              </a:defRPr>
+            </a:pPr>
+            <a:r>
+              <a:t>if </a:t>
+            </a:r>
+            <a:r>
+              <a:rPr b="1"/>
+              <a:t>e</a:t>
+            </a:r>
+            <a:r>
+              <a:t> cannot be colored</a:t>
+            </a:r>
+          </a:p>
+          <a:p>
+            <a:pPr lvl="6" algn="l">
+              <a:defRPr b="0">
+                <a:latin typeface="Courier New"/>
+                <a:ea typeface="Courier New"/>
+                <a:cs typeface="Courier New"/>
+                <a:sym typeface="Courier New"/>
+              </a:defRPr>
+            </a:pPr>
+            <a:r>
+              <a:t>return incomplete coloring</a:t>
+            </a:r>
+          </a:p>
+          <a:p>
+            <a:pPr lvl="4" algn="l">
+              <a:defRPr b="0">
+                <a:latin typeface="Courier New"/>
+                <a:ea typeface="Courier New"/>
+                <a:cs typeface="Courier New"/>
+                <a:sym typeface="Courier New"/>
+              </a:defRPr>
+            </a:pPr>
+            <a:r>
+              <a:t>color </a:t>
+            </a:r>
+            <a:r>
+              <a:rPr b="1"/>
+              <a:t>e</a:t>
+            </a:r>
+            <a:r>
+              <a:t> with minimally used free color</a:t>
+            </a:r>
+          </a:p>
+          <a:p>
+            <a:pPr lvl="4" algn="l">
+              <a:defRPr b="0">
+                <a:latin typeface="Courier New"/>
+                <a:ea typeface="Courier New"/>
+                <a:cs typeface="Courier New"/>
+                <a:sym typeface="Courier New"/>
+              </a:defRPr>
+            </a:pPr>
+          </a:p>
+          <a:p>
+            <a:pPr algn="l">
+              <a:defRPr b="0">
+                <a:latin typeface="Courier New"/>
+                <a:ea typeface="Courier New"/>
+                <a:cs typeface="Courier New"/>
+                <a:sym typeface="Courier New"/>
+              </a:defRPr>
+            </a:pPr>
+            <a:r>
+              <a:t>return complete coloring</a:t>
+            </a:r>
+          </a:p>
+        </p:txBody>
+      </p:sp>
+      <p:sp>
+        <p:nvSpPr>
+          <p:cNvPr id="218" name="Vermutung:…"/>
+          <p:cNvSpPr txBox="1"/>
+          <p:nvPr/>
+        </p:nvSpPr>
+        <p:spPr>
+          <a:xfrm>
+            <a:off x="580198" y="856734"/>
+            <a:ext cx="11844404" cy="1197966"/>
+          </a:xfrm>
+          <a:prstGeom prst="rect">
+            <a:avLst/>
+          </a:prstGeom>
+          <a:ln w="12700">
+            <a:miter lim="400000"/>
+          </a:ln>
+          <a:extLst>
+            <a:ext uri="{C572A759-6A51-4108-AA02-DFA0A04FC94B}">
+              <ma14:wrappingTextBoxFlag xmlns:ma14="http://schemas.microsoft.com/office/mac/drawingml/2011/main" val="1"/>
+            </a:ext>
+          </a:extLst>
+        </p:spPr>
+        <p:txBody>
+          <a:bodyPr lIns="50800" tIns="50800" rIns="50800" bIns="50800" anchor="ctr">
+            <a:spAutoFit/>
+          </a:bodyPr>
+          <a:lstStyle/>
+          <a:p>
+            <a:pPr algn="l">
+              <a:defRPr b="0"/>
+            </a:pPr>
+            <a:r>
+              <a:rPr u="sng"/>
+              <a:t>Vermutung</a:t>
+            </a:r>
+            <a:r>
+              <a:t>:</a:t>
+            </a:r>
+          </a:p>
+          <a:p>
+            <a:pPr algn="l">
+              <a:defRPr b="0"/>
+            </a:pPr>
+            <a:r>
+              <a:t>Jeder einfache ungerichtete Graph mit Maximalgrad D hat eine valide Totalfärbung mit D+2 Farben</a:t>
+            </a:r>
+          </a:p>
+        </p:txBody>
+      </p:sp>
+      <p:sp>
+        <p:nvSpPr>
+          <p:cNvPr id="219" name="temporäres Speichern von Teilmengen zusammenhängender unkolorierten Kanten (bis…"/>
+          <p:cNvSpPr txBox="1"/>
+          <p:nvPr/>
+        </p:nvSpPr>
+        <p:spPr>
+          <a:xfrm>
+            <a:off x="574344" y="2454333"/>
+            <a:ext cx="12015827" cy="829667"/>
+          </a:xfrm>
+          <a:prstGeom prst="rect">
+            <a:avLst/>
+          </a:prstGeom>
+          <a:ln w="12700">
+            <a:miter lim="400000"/>
+          </a:ln>
+          <a:extLst>
+            <a:ext uri="{C572A759-6A51-4108-AA02-DFA0A04FC94B}">
+              <ma14:wrappingTextBoxFlag xmlns:ma14="http://schemas.microsoft.com/office/mac/drawingml/2011/main" val="1"/>
+            </a:ext>
+          </a:extLst>
+        </p:spPr>
+        <p:txBody>
+          <a:bodyPr wrap="none" lIns="50800" tIns="50800" rIns="50800" bIns="50800" anchor="ctr">
+            <a:spAutoFit/>
+          </a:bodyPr>
+          <a:lstStyle/>
+          <a:p>
+            <a:pPr algn="l">
+              <a:defRPr b="0"/>
+            </a:pPr>
+            <a:r>
+              <a:t>temporäres Speichern von Teilmengen zusammenhängender unkolorierten Kanten (bis </a:t>
+            </a:r>
+          </a:p>
+          <a:p>
+            <a:pPr algn="l">
+              <a:defRPr b="0"/>
+            </a:pPr>
+            <a:r>
+              <a:t>zu einer gewissen Größe) mit minimaler Flexibilität</a:t>
+            </a:r>
+          </a:p>
+        </p:txBody>
+      </p:sp>
+    </p:spTree>
+  </p:cSld>
+  <p:clrMapOvr>
+    <a:masterClrMapping/>
+  </p:clrMapOvr>
+  <p:transition xmlns:p14="http://schemas.microsoft.com/office/powerpoint/2010/main" spd="med" advClick="1"/>
+</p:sld>
+</file>
+
+<file path=ppt/slides/slide22.xml><?xml version="1.0" encoding="utf-8"?>
+<p:sld xmlns:a="http://schemas.openxmlformats.org/drawingml/2006/main" xmlns:r="http://schemas.openxmlformats.org/officeDocument/2006/relationships" xmlns:p="http://schemas.openxmlformats.org/presentationml/2006/main" xmlns:m="http://schemas.openxmlformats.org/officeDocument/2006/math" xmlns:a14="http://schemas.microsoft.com/office/drawing/2010/main" showMasterSp="1" showMasterPhAnim="1">
+  <p:cSld>
+    <p:spTree>
+      <p:nvGrpSpPr>
+        <p:cNvPr id="1" name=""/>
+        <p:cNvGrpSpPr/>
+        <p:nvPr/>
+      </p:nvGrpSpPr>
+      <p:grpSpPr>
+        <a:xfrm>
+          <a:off x="0" y="0"/>
+          <a:ext cx="0" cy="0"/>
+          <a:chOff x="0" y="0"/>
+          <a:chExt cx="0" cy="0"/>
+        </a:xfrm>
+      </p:grpSpPr>
+      <p:sp>
+        <p:nvSpPr>
+          <p:cNvPr id="221" name="Model — Heuristiken — TCMixedGreedy"/>
+          <p:cNvSpPr txBox="1"/>
+          <p:nvPr/>
+        </p:nvSpPr>
+        <p:spPr>
+          <a:xfrm>
+            <a:off x="1042301" y="106553"/>
+            <a:ext cx="11099801" cy="827430"/>
+          </a:xfrm>
+          <a:prstGeom prst="rect">
+            <a:avLst/>
+          </a:prstGeom>
+          <a:ln w="12700">
+            <a:miter lim="400000"/>
+          </a:ln>
+          <a:extLst>
+            <a:ext uri="{C572A759-6A51-4108-AA02-DFA0A04FC94B}">
+              <ma14:wrappingTextBoxFlag xmlns:ma14="http://schemas.microsoft.com/office/mac/drawingml/2011/main" val="1"/>
+            </a:ext>
+          </a:extLst>
+        </p:spPr>
+        <p:txBody>
+          <a:bodyPr lIns="50800" tIns="50800" rIns="50800" bIns="50800" anchor="ctr">
+            <a:normAutofit fontScale="100000" lnSpcReduction="0"/>
+          </a:bodyPr>
+          <a:lstStyle>
+            <a:lvl1pPr>
+              <a:defRPr b="0" sz="4000">
+                <a:latin typeface="+mn-lt"/>
+                <a:ea typeface="+mn-ea"/>
+                <a:cs typeface="+mn-cs"/>
+                <a:sym typeface="Helvetica Neue Medium"/>
+              </a:defRPr>
+            </a:lvl1pPr>
+          </a:lstStyle>
+          <a:p>
+            <a:pPr/>
+            <a:r>
+              <a:t>Model — Heuristiken — TCMixedGreedy</a:t>
+            </a:r>
+          </a:p>
+        </p:txBody>
+      </p:sp>
+      <p:sp>
+        <p:nvSpPr>
+          <p:cNvPr id="222" name="for every vertex v in order of a breadth first search…"/>
+          <p:cNvSpPr txBox="1"/>
+          <p:nvPr/>
+        </p:nvSpPr>
+        <p:spPr>
+          <a:xfrm>
+            <a:off x="669999" y="3803650"/>
+            <a:ext cx="11844404" cy="3873501"/>
+          </a:xfrm>
+          <a:prstGeom prst="rect">
+            <a:avLst/>
+          </a:prstGeom>
+          <a:ln w="12700">
+            <a:miter lim="400000"/>
+          </a:ln>
+          <a:extLst>
+            <a:ext uri="{C572A759-6A51-4108-AA02-DFA0A04FC94B}">
+              <ma14:wrappingTextBoxFlag xmlns:ma14="http://schemas.microsoft.com/office/mac/drawingml/2011/main" val="1"/>
+            </a:ext>
+          </a:extLst>
+        </p:spPr>
+        <p:txBody>
+          <a:bodyPr lIns="50800" tIns="50800" rIns="50800" bIns="50800" anchor="ctr">
+            <a:spAutoFit/>
+          </a:bodyPr>
+          <a:lstStyle/>
+          <a:p>
+            <a:pPr algn="l">
+              <a:defRPr b="0">
+                <a:latin typeface="Courier New"/>
+                <a:ea typeface="Courier New"/>
+                <a:cs typeface="Courier New"/>
+                <a:sym typeface="Courier New"/>
+              </a:defRPr>
+            </a:pPr>
+            <a:r>
+              <a:t>for every vertex </a:t>
+            </a:r>
+            <a:r>
+              <a:rPr b="1"/>
+              <a:t>v</a:t>
+            </a:r>
+            <a:r>
+              <a:t> in order of a breadth first search</a:t>
+            </a:r>
+          </a:p>
+          <a:p>
+            <a:pPr lvl="2" algn="l">
+              <a:defRPr b="0">
+                <a:latin typeface="Courier New"/>
+                <a:ea typeface="Courier New"/>
+                <a:cs typeface="Courier New"/>
+                <a:sym typeface="Courier New"/>
+              </a:defRPr>
+            </a:pPr>
+            <a:r>
+              <a:t>if </a:t>
+            </a:r>
+            <a:r>
+              <a:rPr b="1"/>
+              <a:t>v</a:t>
+            </a:r>
+            <a:r>
+              <a:t> cannot be colored</a:t>
+            </a:r>
+          </a:p>
+          <a:p>
+            <a:pPr lvl="4" algn="l">
+              <a:defRPr b="0">
+                <a:latin typeface="Courier New"/>
+                <a:ea typeface="Courier New"/>
+                <a:cs typeface="Courier New"/>
+                <a:sym typeface="Courier New"/>
+              </a:defRPr>
+            </a:pPr>
+            <a:r>
+              <a:t>return incomplete coloring</a:t>
+            </a:r>
+          </a:p>
+          <a:p>
+            <a:pPr lvl="2" algn="l">
+              <a:defRPr b="0">
+                <a:latin typeface="Courier New"/>
+                <a:ea typeface="Courier New"/>
+                <a:cs typeface="Courier New"/>
+                <a:sym typeface="Courier New"/>
+              </a:defRPr>
+            </a:pPr>
+            <a:r>
+              <a:t>color </a:t>
+            </a:r>
+            <a:r>
+              <a:rPr b="1"/>
+              <a:t>v</a:t>
+            </a:r>
+            <a:r>
+              <a:t> with minimally used free color</a:t>
+            </a:r>
+          </a:p>
+          <a:p>
+            <a:pPr lvl="2" algn="l">
+              <a:defRPr b="0">
+                <a:latin typeface="Courier New"/>
+                <a:ea typeface="Courier New"/>
+                <a:cs typeface="Courier New"/>
+                <a:sym typeface="Courier New"/>
+              </a:defRPr>
+            </a:pPr>
+          </a:p>
+          <a:p>
+            <a:pPr lvl="2" algn="l">
+              <a:defRPr b="0">
+                <a:latin typeface="Courier New"/>
+                <a:ea typeface="Courier New"/>
+                <a:cs typeface="Courier New"/>
+                <a:sym typeface="Courier New"/>
+              </a:defRPr>
+            </a:pPr>
+            <a:r>
+              <a:t>for any uncolored edge </a:t>
+            </a:r>
+            <a:r>
+              <a:rPr b="1"/>
+              <a:t>e</a:t>
+            </a:r>
+            <a:r>
+              <a:t> incident to </a:t>
+            </a:r>
+            <a:r>
+              <a:rPr b="1"/>
+              <a:t>v</a:t>
+            </a:r>
+          </a:p>
+          <a:p>
+            <a:pPr lvl="4" algn="l">
+              <a:defRPr b="0">
+                <a:latin typeface="Courier New"/>
+                <a:ea typeface="Courier New"/>
+                <a:cs typeface="Courier New"/>
+                <a:sym typeface="Courier New"/>
+              </a:defRPr>
+            </a:pPr>
+            <a:r>
+              <a:t>if </a:t>
+            </a:r>
+            <a:r>
+              <a:rPr b="1"/>
+              <a:t>e</a:t>
+            </a:r>
+            <a:r>
+              <a:t> cannot be colored</a:t>
+            </a:r>
+          </a:p>
+          <a:p>
+            <a:pPr lvl="6" algn="l">
+              <a:defRPr b="0">
+                <a:latin typeface="Courier New"/>
+                <a:ea typeface="Courier New"/>
+                <a:cs typeface="Courier New"/>
+                <a:sym typeface="Courier New"/>
+              </a:defRPr>
+            </a:pPr>
+            <a:r>
+              <a:t>return incomplete coloring</a:t>
+            </a:r>
+          </a:p>
+          <a:p>
+            <a:pPr lvl="4" algn="l">
+              <a:defRPr b="0">
+                <a:latin typeface="Courier New"/>
+                <a:ea typeface="Courier New"/>
+                <a:cs typeface="Courier New"/>
+                <a:sym typeface="Courier New"/>
+              </a:defRPr>
+            </a:pPr>
+            <a:r>
+              <a:t>color </a:t>
+            </a:r>
+            <a:r>
+              <a:rPr b="1"/>
+              <a:t>e</a:t>
+            </a:r>
+            <a:r>
+              <a:t> with minimally used free color</a:t>
+            </a:r>
+          </a:p>
+          <a:p>
+            <a:pPr lvl="4" algn="l">
+              <a:defRPr b="0">
+                <a:latin typeface="Courier New"/>
+                <a:ea typeface="Courier New"/>
+                <a:cs typeface="Courier New"/>
+                <a:sym typeface="Courier New"/>
+              </a:defRPr>
+            </a:pPr>
+          </a:p>
+          <a:p>
+            <a:pPr algn="l">
+              <a:defRPr b="0">
+                <a:latin typeface="Courier New"/>
+                <a:ea typeface="Courier New"/>
+                <a:cs typeface="Courier New"/>
+                <a:sym typeface="Courier New"/>
+              </a:defRPr>
+            </a:pPr>
+            <a:r>
+              <a:t>return complete coloring</a:t>
+            </a:r>
+          </a:p>
+        </p:txBody>
+      </p:sp>
+      <p:sp>
+        <p:nvSpPr>
+          <p:cNvPr id="223" name="Vermutung:…"/>
+          <p:cNvSpPr txBox="1"/>
+          <p:nvPr/>
+        </p:nvSpPr>
+        <p:spPr>
+          <a:xfrm>
+            <a:off x="580198" y="856734"/>
+            <a:ext cx="11844404" cy="1197966"/>
+          </a:xfrm>
+          <a:prstGeom prst="rect">
+            <a:avLst/>
+          </a:prstGeom>
+          <a:ln w="12700">
+            <a:miter lim="400000"/>
+          </a:ln>
+          <a:extLst>
+            <a:ext uri="{C572A759-6A51-4108-AA02-DFA0A04FC94B}">
+              <ma14:wrappingTextBoxFlag xmlns:ma14="http://schemas.microsoft.com/office/mac/drawingml/2011/main" val="1"/>
+            </a:ext>
+          </a:extLst>
+        </p:spPr>
+        <p:txBody>
+          <a:bodyPr lIns="50800" tIns="50800" rIns="50800" bIns="50800" anchor="ctr">
+            <a:spAutoFit/>
+          </a:bodyPr>
+          <a:lstStyle/>
+          <a:p>
+            <a:pPr algn="l">
+              <a:defRPr b="0"/>
+            </a:pPr>
+            <a:r>
+              <a:rPr u="sng"/>
+              <a:t>Vermutung</a:t>
+            </a:r>
+            <a:r>
+              <a:t>:</a:t>
+            </a:r>
+          </a:p>
+          <a:p>
+            <a:pPr algn="l">
+              <a:defRPr b="0"/>
+            </a:pPr>
+            <a:r>
+              <a:t>Jeder einfache ungerichtete Graph mit Maximalgrad D hat eine valide Totalfärbung mit D+2 Farben</a:t>
+            </a:r>
+          </a:p>
+        </p:txBody>
+      </p:sp>
+    </p:spTree>
+  </p:cSld>
+  <p:clrMapOvr>
+    <a:masterClrMapping/>
+  </p:clrMapOvr>
+  <p:transition xmlns:p14="http://schemas.microsoft.com/office/powerpoint/2010/main" spd="med" advClick="1"/>
+</p:sld>
+</file>
+
+<file path=ppt/slides/slide23.xml><?xml version="1.0" encoding="utf-8"?>
+<p:sld xmlns:a="http://schemas.openxmlformats.org/drawingml/2006/main" xmlns:r="http://schemas.openxmlformats.org/officeDocument/2006/relationships" xmlns:p="http://schemas.openxmlformats.org/presentationml/2006/main" xmlns:m="http://schemas.openxmlformats.org/officeDocument/2006/math" xmlns:a14="http://schemas.microsoft.com/office/drawing/2010/main" showMasterSp="1" showMasterPhAnim="1">
+  <p:cSld>
+    <p:spTree>
+      <p:nvGrpSpPr>
+        <p:cNvPr id="1" name=""/>
+        <p:cNvGrpSpPr/>
+        <p:nvPr/>
+      </p:nvGrpSpPr>
+      <p:grpSpPr>
+        <a:xfrm>
+          <a:off x="0" y="0"/>
+          <a:ext cx="0" cy="0"/>
+          <a:chOff x="0" y="0"/>
+          <a:chExt cx="0" cy="0"/>
+        </a:xfrm>
+      </p:grpSpPr>
+      <p:sp>
+        <p:nvSpPr>
+          <p:cNvPr id="225" name="Model — Heuristiken — TCMixedGreedyOne"/>
+          <p:cNvSpPr txBox="1"/>
+          <p:nvPr/>
+        </p:nvSpPr>
+        <p:spPr>
+          <a:xfrm>
+            <a:off x="1042301" y="106553"/>
+            <a:ext cx="11099801" cy="827430"/>
+          </a:xfrm>
+          <a:prstGeom prst="rect">
+            <a:avLst/>
+          </a:prstGeom>
+          <a:ln w="12700">
+            <a:miter lim="400000"/>
+          </a:ln>
+          <a:extLst>
+            <a:ext uri="{C572A759-6A51-4108-AA02-DFA0A04FC94B}">
+              <ma14:wrappingTextBoxFlag xmlns:ma14="http://schemas.microsoft.com/office/mac/drawingml/2011/main" val="1"/>
+            </a:ext>
+          </a:extLst>
+        </p:spPr>
+        <p:txBody>
+          <a:bodyPr lIns="50800" tIns="50800" rIns="50800" bIns="50800" anchor="ctr">
+            <a:normAutofit fontScale="100000" lnSpcReduction="0"/>
+          </a:bodyPr>
+          <a:lstStyle>
+            <a:lvl1pPr>
+              <a:defRPr b="0" sz="4000">
+                <a:latin typeface="+mn-lt"/>
+                <a:ea typeface="+mn-ea"/>
+                <a:cs typeface="+mn-cs"/>
+                <a:sym typeface="Helvetica Neue Medium"/>
+              </a:defRPr>
+            </a:lvl1pPr>
+          </a:lstStyle>
+          <a:p>
+            <a:pPr/>
+            <a:r>
+              <a:t>Model — Heuristiken — TCMixedGreedyOne</a:t>
+            </a:r>
+          </a:p>
+        </p:txBody>
+      </p:sp>
+      <p:sp>
+        <p:nvSpPr>
+          <p:cNvPr id="226" name="for every vertex v in order of a breadth first search…"/>
+          <p:cNvSpPr txBox="1"/>
+          <p:nvPr/>
+        </p:nvSpPr>
+        <p:spPr>
+          <a:xfrm>
+            <a:off x="669999" y="2844900"/>
+            <a:ext cx="11844404" cy="6616701"/>
+          </a:xfrm>
+          <a:prstGeom prst="rect">
+            <a:avLst/>
+          </a:prstGeom>
+          <a:ln w="12700">
+            <a:miter lim="400000"/>
+          </a:ln>
+          <a:extLst>
+            <a:ext uri="{C572A759-6A51-4108-AA02-DFA0A04FC94B}">
+              <ma14:wrappingTextBoxFlag xmlns:ma14="http://schemas.microsoft.com/office/mac/drawingml/2011/main" val="1"/>
+            </a:ext>
+          </a:extLst>
+        </p:spPr>
+        <p:txBody>
+          <a:bodyPr lIns="50800" tIns="50800" rIns="50800" bIns="50800" anchor="ctr">
+            <a:spAutoFit/>
+          </a:bodyPr>
+          <a:lstStyle/>
+          <a:p>
+            <a:pPr algn="l">
+              <a:defRPr b="0">
+                <a:latin typeface="Courier New"/>
+                <a:ea typeface="Courier New"/>
+                <a:cs typeface="Courier New"/>
+                <a:sym typeface="Courier New"/>
+              </a:defRPr>
+            </a:pPr>
+            <a:r>
+              <a:t>for every vertex </a:t>
+            </a:r>
+            <a:r>
+              <a:rPr b="1"/>
+              <a:t>v</a:t>
+            </a:r>
+            <a:r>
+              <a:t> in order of a breadth first search</a:t>
+            </a:r>
+          </a:p>
+          <a:p>
+            <a:pPr lvl="2" algn="l">
+              <a:defRPr b="0">
+                <a:latin typeface="Courier New"/>
+                <a:ea typeface="Courier New"/>
+                <a:cs typeface="Courier New"/>
+                <a:sym typeface="Courier New"/>
+              </a:defRPr>
+            </a:pPr>
+            <a:r>
+              <a:t>while there are objects with exactly one free color</a:t>
+            </a:r>
+          </a:p>
+          <a:p>
+            <a:pPr lvl="4" algn="l">
+              <a:defRPr b="0">
+                <a:latin typeface="Courier New"/>
+                <a:ea typeface="Courier New"/>
+                <a:cs typeface="Courier New"/>
+                <a:sym typeface="Courier New"/>
+              </a:defRPr>
+            </a:pPr>
+            <a:r>
+              <a:t>color them (preferring vertices over edges)</a:t>
+            </a:r>
+          </a:p>
+          <a:p>
+            <a:pPr lvl="2" algn="l">
+              <a:defRPr b="0">
+                <a:latin typeface="Courier New"/>
+                <a:ea typeface="Courier New"/>
+                <a:cs typeface="Courier New"/>
+                <a:sym typeface="Courier New"/>
+              </a:defRPr>
+            </a:pPr>
+          </a:p>
+          <a:p>
+            <a:pPr lvl="2" algn="l">
+              <a:defRPr b="0">
+                <a:latin typeface="Courier New"/>
+                <a:ea typeface="Courier New"/>
+                <a:cs typeface="Courier New"/>
+                <a:sym typeface="Courier New"/>
+              </a:defRPr>
+            </a:pPr>
+            <a:r>
+              <a:t>if </a:t>
+            </a:r>
+            <a:r>
+              <a:rPr b="1"/>
+              <a:t>v</a:t>
+            </a:r>
+            <a:r>
+              <a:t> is uncolored</a:t>
+            </a:r>
+          </a:p>
+          <a:p>
+            <a:pPr lvl="4" algn="l">
+              <a:defRPr b="0">
+                <a:latin typeface="Courier New"/>
+                <a:ea typeface="Courier New"/>
+                <a:cs typeface="Courier New"/>
+                <a:sym typeface="Courier New"/>
+              </a:defRPr>
+            </a:pPr>
+            <a:r>
+              <a:t>if </a:t>
+            </a:r>
+            <a:r>
+              <a:rPr b="1"/>
+              <a:t>v</a:t>
+            </a:r>
+            <a:r>
+              <a:t> cannot be colored</a:t>
+            </a:r>
+          </a:p>
+          <a:p>
+            <a:pPr lvl="6" algn="l">
+              <a:defRPr b="0">
+                <a:latin typeface="Courier New"/>
+                <a:ea typeface="Courier New"/>
+                <a:cs typeface="Courier New"/>
+                <a:sym typeface="Courier New"/>
+              </a:defRPr>
+            </a:pPr>
+            <a:r>
+              <a:t>return incomplete coloring</a:t>
+            </a:r>
+          </a:p>
+          <a:p>
+            <a:pPr lvl="4" algn="l">
+              <a:defRPr b="0">
+                <a:latin typeface="Courier New"/>
+                <a:ea typeface="Courier New"/>
+                <a:cs typeface="Courier New"/>
+                <a:sym typeface="Courier New"/>
+              </a:defRPr>
+            </a:pPr>
+            <a:r>
+              <a:t>color </a:t>
+            </a:r>
+            <a:r>
+              <a:rPr b="1"/>
+              <a:t>v</a:t>
+            </a:r>
+            <a:r>
+              <a:t> with minimally used free color</a:t>
+            </a:r>
+          </a:p>
+          <a:p>
+            <a:pPr lvl="2" algn="l">
+              <a:defRPr b="0">
+                <a:latin typeface="Courier New"/>
+                <a:ea typeface="Courier New"/>
+                <a:cs typeface="Courier New"/>
+                <a:sym typeface="Courier New"/>
+              </a:defRPr>
+            </a:pPr>
+          </a:p>
+          <a:p>
+            <a:pPr lvl="2" algn="l">
+              <a:defRPr b="0">
+                <a:latin typeface="Courier New"/>
+                <a:ea typeface="Courier New"/>
+                <a:cs typeface="Courier New"/>
+                <a:sym typeface="Courier New"/>
+              </a:defRPr>
+            </a:pPr>
+            <a:r>
+              <a:t>for any uncolored edge </a:t>
+            </a:r>
+            <a:r>
+              <a:rPr b="1"/>
+              <a:t>e</a:t>
+            </a:r>
+            <a:r>
+              <a:t> incident to </a:t>
+            </a:r>
+            <a:r>
+              <a:rPr b="1"/>
+              <a:t>v</a:t>
+            </a:r>
+          </a:p>
+          <a:p>
+            <a:pPr lvl="4" algn="l">
+              <a:defRPr b="0">
+                <a:latin typeface="Courier New"/>
+                <a:ea typeface="Courier New"/>
+                <a:cs typeface="Courier New"/>
+                <a:sym typeface="Courier New"/>
+              </a:defRPr>
+            </a:pPr>
+            <a:r>
+              <a:t>while there are objects with exactly one free color</a:t>
+            </a:r>
+          </a:p>
+          <a:p>
+            <a:pPr lvl="6" algn="l">
+              <a:defRPr b="0">
+                <a:latin typeface="Courier New"/>
+                <a:ea typeface="Courier New"/>
+                <a:cs typeface="Courier New"/>
+                <a:sym typeface="Courier New"/>
+              </a:defRPr>
+            </a:pPr>
+            <a:r>
+              <a:t>color them (preferring vertices over edges)</a:t>
+            </a:r>
+          </a:p>
+          <a:p>
+            <a:pPr lvl="4" algn="l">
+              <a:defRPr b="0">
+                <a:latin typeface="Courier New"/>
+                <a:ea typeface="Courier New"/>
+                <a:cs typeface="Courier New"/>
+                <a:sym typeface="Courier New"/>
+              </a:defRPr>
+            </a:pPr>
+          </a:p>
+          <a:p>
+            <a:pPr lvl="4" algn="l">
+              <a:defRPr b="0">
+                <a:latin typeface="Courier New"/>
+                <a:ea typeface="Courier New"/>
+                <a:cs typeface="Courier New"/>
+                <a:sym typeface="Courier New"/>
+              </a:defRPr>
+            </a:pPr>
+            <a:r>
+              <a:t>if </a:t>
+            </a:r>
+            <a:r>
+              <a:rPr b="1"/>
+              <a:t>e</a:t>
+            </a:r>
+            <a:r>
+              <a:t> is uncolored </a:t>
+            </a:r>
+          </a:p>
+          <a:p>
+            <a:pPr lvl="6" algn="l">
+              <a:defRPr b="0">
+                <a:latin typeface="Courier New"/>
+                <a:ea typeface="Courier New"/>
+                <a:cs typeface="Courier New"/>
+                <a:sym typeface="Courier New"/>
+              </a:defRPr>
+            </a:pPr>
+            <a:r>
+              <a:t>if </a:t>
+            </a:r>
+            <a:r>
+              <a:rPr b="1"/>
+              <a:t>e</a:t>
+            </a:r>
+            <a:r>
+              <a:t> cannot be colored</a:t>
+            </a:r>
+          </a:p>
+          <a:p>
+            <a:pPr lvl="8" algn="l">
+              <a:defRPr b="0">
+                <a:latin typeface="Courier New"/>
+                <a:ea typeface="Courier New"/>
+                <a:cs typeface="Courier New"/>
+                <a:sym typeface="Courier New"/>
+              </a:defRPr>
+            </a:pPr>
+            <a:r>
+              <a:t>return incomplete coloring</a:t>
+            </a:r>
+          </a:p>
+          <a:p>
+            <a:pPr lvl="6" algn="l">
+              <a:defRPr b="0">
+                <a:latin typeface="Courier New"/>
+                <a:ea typeface="Courier New"/>
+                <a:cs typeface="Courier New"/>
+                <a:sym typeface="Courier New"/>
+              </a:defRPr>
+            </a:pPr>
+            <a:r>
+              <a:t>color </a:t>
+            </a:r>
+            <a:r>
+              <a:rPr b="1"/>
+              <a:t>e</a:t>
+            </a:r>
+            <a:r>
+              <a:t> with minimally used free color</a:t>
+            </a:r>
+          </a:p>
+          <a:p>
+            <a:pPr lvl="4" algn="l">
+              <a:defRPr b="0">
+                <a:latin typeface="Courier New"/>
+                <a:ea typeface="Courier New"/>
+                <a:cs typeface="Courier New"/>
+                <a:sym typeface="Courier New"/>
+              </a:defRPr>
+            </a:pPr>
+          </a:p>
+          <a:p>
+            <a:pPr algn="l">
+              <a:defRPr b="0">
+                <a:latin typeface="Courier New"/>
+                <a:ea typeface="Courier New"/>
+                <a:cs typeface="Courier New"/>
+                <a:sym typeface="Courier New"/>
+              </a:defRPr>
+            </a:pPr>
+            <a:r>
+              <a:t>return complete coloring</a:t>
+            </a:r>
+          </a:p>
+        </p:txBody>
+      </p:sp>
+      <p:sp>
+        <p:nvSpPr>
+          <p:cNvPr id="227" name="Vermutung:…"/>
+          <p:cNvSpPr txBox="1"/>
+          <p:nvPr/>
+        </p:nvSpPr>
+        <p:spPr>
+          <a:xfrm>
+            <a:off x="580198" y="856734"/>
+            <a:ext cx="11844404" cy="1197966"/>
+          </a:xfrm>
+          <a:prstGeom prst="rect">
+            <a:avLst/>
+          </a:prstGeom>
+          <a:ln w="12700">
+            <a:miter lim="400000"/>
+          </a:ln>
+          <a:extLst>
+            <a:ext uri="{C572A759-6A51-4108-AA02-DFA0A04FC94B}">
+              <ma14:wrappingTextBoxFlag xmlns:ma14="http://schemas.microsoft.com/office/mac/drawingml/2011/main" val="1"/>
+            </a:ext>
+          </a:extLst>
+        </p:spPr>
+        <p:txBody>
+          <a:bodyPr lIns="50800" tIns="50800" rIns="50800" bIns="50800" anchor="ctr">
+            <a:spAutoFit/>
+          </a:bodyPr>
+          <a:lstStyle/>
+          <a:p>
+            <a:pPr algn="l">
+              <a:defRPr b="0"/>
+            </a:pPr>
+            <a:r>
+              <a:rPr u="sng"/>
+              <a:t>Vermutung</a:t>
+            </a:r>
+            <a:r>
+              <a:t>:</a:t>
+            </a:r>
+          </a:p>
+          <a:p>
+            <a:pPr algn="l">
+              <a:defRPr b="0"/>
+            </a:pPr>
+            <a:r>
+              <a:t>Jeder einfache ungerichtete Graph mit Maximalgrad D hat eine valide Totalfärbung mit D+2 Farben</a:t>
+            </a:r>
+          </a:p>
+        </p:txBody>
+      </p:sp>
+      <p:sp>
+        <p:nvSpPr>
+          <p:cNvPr id="228" name="temporäres Speichern von unkolorierten Knoten und Kanten mit genau einer freien Farbe"/>
+          <p:cNvSpPr txBox="1"/>
+          <p:nvPr/>
+        </p:nvSpPr>
+        <p:spPr>
+          <a:xfrm>
+            <a:off x="618578" y="2219117"/>
+            <a:ext cx="12185296" cy="461367"/>
+          </a:xfrm>
+          <a:prstGeom prst="rect">
+            <a:avLst/>
+          </a:prstGeom>
+          <a:ln w="12700">
+            <a:miter lim="400000"/>
+          </a:ln>
+          <a:extLst>
+            <a:ext uri="{C572A759-6A51-4108-AA02-DFA0A04FC94B}">
+              <ma14:wrappingTextBoxFlag xmlns:ma14="http://schemas.microsoft.com/office/mac/drawingml/2011/main" val="1"/>
+            </a:ext>
+          </a:extLst>
+        </p:spPr>
+        <p:txBody>
+          <a:bodyPr wrap="none" lIns="50800" tIns="50800" rIns="50800" bIns="50800" anchor="ctr">
+            <a:spAutoFit/>
+          </a:bodyPr>
+          <a:lstStyle>
+            <a:lvl1pPr algn="l">
+              <a:defRPr b="0"/>
+            </a:lvl1pPr>
+          </a:lstStyle>
+          <a:p>
+            <a:pPr/>
+            <a:r>
+              <a:t>temporäres Speichern von unkolorierten Knoten und Kanten mit genau einer freien Farbe</a:t>
+            </a:r>
+          </a:p>
+        </p:txBody>
+      </p:sp>
+    </p:spTree>
+  </p:cSld>
+  <p:clrMapOvr>
+    <a:masterClrMapping/>
+  </p:clrMapOvr>
+  <p:transition xmlns:p14="http://schemas.microsoft.com/office/powerpoint/2010/main" spd="med" advClick="1"/>
+</p:sld>
+</file>
+
+<file path=ppt/slides/slide24.xml><?xml version="1.0" encoding="utf-8"?>
+<p:sld xmlns:a="http://schemas.openxmlformats.org/drawingml/2006/main" xmlns:r="http://schemas.openxmlformats.org/officeDocument/2006/relationships" xmlns:p="http://schemas.openxmlformats.org/presentationml/2006/main" xmlns:m="http://schemas.openxmlformats.org/officeDocument/2006/math" xmlns:a14="http://schemas.microsoft.com/office/drawing/2010/main" showMasterSp="1" showMasterPhAnim="1">
+  <p:cSld>
+    <p:spTree>
+      <p:nvGrpSpPr>
+        <p:cNvPr id="1" name=""/>
+        <p:cNvGrpSpPr/>
+        <p:nvPr/>
+      </p:nvGrpSpPr>
+      <p:grpSpPr>
+        <a:xfrm>
+          <a:off x="0" y="0"/>
+          <a:ext cx="0" cy="0"/>
+          <a:chOff x="0" y="0"/>
+          <a:chExt cx="0" cy="0"/>
+        </a:xfrm>
+      </p:grpSpPr>
+      <p:sp>
+        <p:nvSpPr>
+          <p:cNvPr id="230" name="Model — Heuristiken — TCMixedGreedyFew"/>
+          <p:cNvSpPr txBox="1"/>
+          <p:nvPr/>
+        </p:nvSpPr>
+        <p:spPr>
+          <a:xfrm>
+            <a:off x="1042301" y="106553"/>
+            <a:ext cx="11099801" cy="827430"/>
+          </a:xfrm>
+          <a:prstGeom prst="rect">
+            <a:avLst/>
+          </a:prstGeom>
+          <a:ln w="12700">
+            <a:miter lim="400000"/>
+          </a:ln>
+          <a:extLst>
+            <a:ext uri="{C572A759-6A51-4108-AA02-DFA0A04FC94B}">
+              <ma14:wrappingTextBoxFlag xmlns:ma14="http://schemas.microsoft.com/office/mac/drawingml/2011/main" val="1"/>
+            </a:ext>
+          </a:extLst>
+        </p:spPr>
+        <p:txBody>
+          <a:bodyPr lIns="50800" tIns="50800" rIns="50800" bIns="50800" anchor="ctr">
+            <a:normAutofit fontScale="100000" lnSpcReduction="0"/>
+          </a:bodyPr>
+          <a:lstStyle>
+            <a:lvl1pPr>
+              <a:defRPr b="0" sz="4000">
+                <a:latin typeface="+mn-lt"/>
+                <a:ea typeface="+mn-ea"/>
+                <a:cs typeface="+mn-cs"/>
+                <a:sym typeface="Helvetica Neue Medium"/>
+              </a:defRPr>
+            </a:lvl1pPr>
+          </a:lstStyle>
+          <a:p>
+            <a:pPr/>
+            <a:r>
+              <a:t>Model — Heuristiken — TCMixedGreedyFew</a:t>
+            </a:r>
+          </a:p>
+        </p:txBody>
+      </p:sp>
+      <p:sp>
+        <p:nvSpPr>
+          <p:cNvPr id="231" name="for every vertex v in order of a breadth first search…"/>
+          <p:cNvSpPr txBox="1"/>
+          <p:nvPr/>
+        </p:nvSpPr>
+        <p:spPr>
+          <a:xfrm>
+            <a:off x="580198" y="2502000"/>
+            <a:ext cx="11844404" cy="7302501"/>
+          </a:xfrm>
+          <a:prstGeom prst="rect">
+            <a:avLst/>
+          </a:prstGeom>
+          <a:ln w="12700">
+            <a:miter lim="400000"/>
+          </a:ln>
+          <a:extLst>
+            <a:ext uri="{C572A759-6A51-4108-AA02-DFA0A04FC94B}">
+              <ma14:wrappingTextBoxFlag xmlns:ma14="http://schemas.microsoft.com/office/mac/drawingml/2011/main" val="1"/>
+            </a:ext>
+          </a:extLst>
+        </p:spPr>
+        <p:txBody>
+          <a:bodyPr lIns="50800" tIns="50800" rIns="50800" bIns="50800" anchor="ctr">
+            <a:spAutoFit/>
+          </a:bodyPr>
+          <a:lstStyle/>
+          <a:p>
+            <a:pPr algn="l">
+              <a:defRPr b="0">
+                <a:latin typeface="Courier New"/>
+                <a:ea typeface="Courier New"/>
+                <a:cs typeface="Courier New"/>
+                <a:sym typeface="Courier New"/>
+              </a:defRPr>
+            </a:pPr>
+            <a:r>
+              <a:t>for every vertex </a:t>
+            </a:r>
+            <a:r>
+              <a:rPr b="1"/>
+              <a:t>v</a:t>
+            </a:r>
+            <a:r>
+              <a:t> in order of a breadth first search</a:t>
+            </a:r>
+          </a:p>
+          <a:p>
+            <a:pPr lvl="2" algn="l">
+              <a:defRPr b="0">
+                <a:latin typeface="Courier New"/>
+                <a:ea typeface="Courier New"/>
+                <a:cs typeface="Courier New"/>
+                <a:sym typeface="Courier New"/>
+              </a:defRPr>
+            </a:pPr>
+            <a:r>
+              <a:t>while there is a vertex </a:t>
+            </a:r>
+            <a:r>
+              <a:rPr b="1"/>
+              <a:t>w</a:t>
+            </a:r>
+            <a:r>
+              <a:t> with less free colors than </a:t>
+            </a:r>
+            <a:r>
+              <a:rPr b="1"/>
+              <a:t>v</a:t>
+            </a:r>
+            <a:r>
+              <a:t> and lower index</a:t>
+            </a:r>
+          </a:p>
+          <a:p>
+            <a:pPr lvl="4" algn="l">
+              <a:defRPr b="0">
+                <a:latin typeface="Courier New"/>
+                <a:ea typeface="Courier New"/>
+                <a:cs typeface="Courier New"/>
+                <a:sym typeface="Courier New"/>
+              </a:defRPr>
+            </a:pPr>
+            <a:r>
+              <a:t>if </a:t>
+            </a:r>
+            <a:r>
+              <a:rPr b="1"/>
+              <a:t>w</a:t>
+            </a:r>
+            <a:r>
+              <a:t> cannot be colored</a:t>
+            </a:r>
+          </a:p>
+          <a:p>
+            <a:pPr lvl="6" algn="l">
+              <a:defRPr b="0">
+                <a:latin typeface="Courier New"/>
+                <a:ea typeface="Courier New"/>
+                <a:cs typeface="Courier New"/>
+                <a:sym typeface="Courier New"/>
+              </a:defRPr>
+            </a:pPr>
+            <a:r>
+              <a:t>return incomplete coloring</a:t>
+            </a:r>
+          </a:p>
+          <a:p>
+            <a:pPr lvl="4" algn="l">
+              <a:defRPr b="0">
+                <a:latin typeface="Courier New"/>
+                <a:ea typeface="Courier New"/>
+                <a:cs typeface="Courier New"/>
+                <a:sym typeface="Courier New"/>
+              </a:defRPr>
+            </a:pPr>
+            <a:r>
+              <a:t>color </a:t>
+            </a:r>
+            <a:r>
+              <a:rPr b="1"/>
+              <a:t>w</a:t>
+            </a:r>
+            <a:r>
+              <a:t> with minimally used free color</a:t>
+            </a:r>
+          </a:p>
+          <a:p>
+            <a:pPr lvl="2" algn="l">
+              <a:defRPr b="0">
+                <a:latin typeface="Courier New"/>
+                <a:ea typeface="Courier New"/>
+                <a:cs typeface="Courier New"/>
+                <a:sym typeface="Courier New"/>
+              </a:defRPr>
+            </a:pPr>
+            <a:r>
+              <a:t>if </a:t>
+            </a:r>
+            <a:r>
+              <a:rPr b="1"/>
+              <a:t>v</a:t>
+            </a:r>
+            <a:r>
+              <a:t> is uncolored</a:t>
+            </a:r>
+          </a:p>
+          <a:p>
+            <a:pPr lvl="4" algn="l">
+              <a:defRPr b="0">
+                <a:latin typeface="Courier New"/>
+                <a:ea typeface="Courier New"/>
+                <a:cs typeface="Courier New"/>
+                <a:sym typeface="Courier New"/>
+              </a:defRPr>
+            </a:pPr>
+            <a:r>
+              <a:t>if </a:t>
+            </a:r>
+            <a:r>
+              <a:rPr b="1"/>
+              <a:t>v</a:t>
+            </a:r>
+            <a:r>
+              <a:t> cannot be colored</a:t>
+            </a:r>
+          </a:p>
+          <a:p>
+            <a:pPr lvl="6" algn="l">
+              <a:defRPr b="0">
+                <a:latin typeface="Courier New"/>
+                <a:ea typeface="Courier New"/>
+                <a:cs typeface="Courier New"/>
+                <a:sym typeface="Courier New"/>
+              </a:defRPr>
+            </a:pPr>
+            <a:r>
+              <a:t>return incomplete coloring</a:t>
+            </a:r>
+          </a:p>
+          <a:p>
+            <a:pPr lvl="4" algn="l">
+              <a:defRPr b="0">
+                <a:latin typeface="Courier New"/>
+                <a:ea typeface="Courier New"/>
+                <a:cs typeface="Courier New"/>
+                <a:sym typeface="Courier New"/>
+              </a:defRPr>
+            </a:pPr>
+            <a:r>
+              <a:t>color </a:t>
+            </a:r>
+            <a:r>
+              <a:rPr b="1"/>
+              <a:t>v</a:t>
+            </a:r>
+            <a:r>
+              <a:t> with minimally used free color</a:t>
+            </a:r>
+          </a:p>
+          <a:p>
+            <a:pPr lvl="2" algn="l">
+              <a:defRPr b="0">
+                <a:latin typeface="Courier New"/>
+                <a:ea typeface="Courier New"/>
+                <a:cs typeface="Courier New"/>
+                <a:sym typeface="Courier New"/>
+              </a:defRPr>
+            </a:pPr>
+            <a:r>
+              <a:t>for any uncolored edge </a:t>
+            </a:r>
+            <a:r>
+              <a:rPr b="1"/>
+              <a:t>e</a:t>
+            </a:r>
+            <a:r>
+              <a:t> incident to </a:t>
+            </a:r>
+            <a:r>
+              <a:rPr b="1"/>
+              <a:t>v</a:t>
+            </a:r>
+          </a:p>
+          <a:p>
+            <a:pPr lvl="4" algn="l">
+              <a:defRPr b="0">
+                <a:latin typeface="Courier New"/>
+                <a:ea typeface="Courier New"/>
+                <a:cs typeface="Courier New"/>
+                <a:sym typeface="Courier New"/>
+              </a:defRPr>
+            </a:pPr>
+            <a:r>
+              <a:t>while there is an edge </a:t>
+            </a:r>
+            <a:r>
+              <a:rPr b="1"/>
+              <a:t>f</a:t>
+            </a:r>
+            <a:r>
+              <a:t> with less free colors than </a:t>
+            </a:r>
+            <a:r>
+              <a:rPr b="1"/>
+              <a:t>e</a:t>
+            </a:r>
+            <a:r>
+              <a:t> and lower index</a:t>
+            </a:r>
+          </a:p>
+          <a:p>
+            <a:pPr lvl="6" algn="l">
+              <a:defRPr b="0">
+                <a:latin typeface="Courier New"/>
+                <a:ea typeface="Courier New"/>
+                <a:cs typeface="Courier New"/>
+                <a:sym typeface="Courier New"/>
+              </a:defRPr>
+            </a:pPr>
+            <a:r>
+              <a:t>if </a:t>
+            </a:r>
+            <a:r>
+              <a:rPr b="1"/>
+              <a:t>f</a:t>
+            </a:r>
+            <a:r>
+              <a:t> cannot be colored</a:t>
+            </a:r>
+          </a:p>
+          <a:p>
+            <a:pPr lvl="8" algn="l">
+              <a:defRPr b="0">
+                <a:latin typeface="Courier New"/>
+                <a:ea typeface="Courier New"/>
+                <a:cs typeface="Courier New"/>
+                <a:sym typeface="Courier New"/>
+              </a:defRPr>
+            </a:pPr>
+            <a:r>
+              <a:t>return incomplete coloring</a:t>
+            </a:r>
+          </a:p>
+          <a:p>
+            <a:pPr lvl="6" algn="l">
+              <a:defRPr b="0">
+                <a:latin typeface="Courier New"/>
+                <a:ea typeface="Courier New"/>
+                <a:cs typeface="Courier New"/>
+                <a:sym typeface="Courier New"/>
+              </a:defRPr>
+            </a:pPr>
+            <a:r>
+              <a:t>color </a:t>
+            </a:r>
+            <a:r>
+              <a:rPr b="1"/>
+              <a:t>f</a:t>
+            </a:r>
+            <a:r>
+              <a:t> with minimally used free color</a:t>
+            </a:r>
+          </a:p>
+          <a:p>
+            <a:pPr lvl="4" algn="l">
+              <a:defRPr b="0">
+                <a:latin typeface="Courier New"/>
+                <a:ea typeface="Courier New"/>
+                <a:cs typeface="Courier New"/>
+                <a:sym typeface="Courier New"/>
+              </a:defRPr>
+            </a:pPr>
+            <a:r>
+              <a:t>if </a:t>
+            </a:r>
+            <a:r>
+              <a:rPr b="1"/>
+              <a:t>e</a:t>
+            </a:r>
+            <a:r>
+              <a:t> is uncolored </a:t>
+            </a:r>
+          </a:p>
+          <a:p>
+            <a:pPr lvl="6" algn="l">
+              <a:defRPr b="0">
+                <a:latin typeface="Courier New"/>
+                <a:ea typeface="Courier New"/>
+                <a:cs typeface="Courier New"/>
+                <a:sym typeface="Courier New"/>
+              </a:defRPr>
+            </a:pPr>
+            <a:r>
+              <a:t>if </a:t>
+            </a:r>
+            <a:r>
+              <a:rPr b="1"/>
+              <a:t>e</a:t>
+            </a:r>
+            <a:r>
+              <a:t> cannot be colored</a:t>
+            </a:r>
+          </a:p>
+          <a:p>
+            <a:pPr lvl="8" algn="l">
+              <a:defRPr b="0">
+                <a:latin typeface="Courier New"/>
+                <a:ea typeface="Courier New"/>
+                <a:cs typeface="Courier New"/>
+                <a:sym typeface="Courier New"/>
+              </a:defRPr>
+            </a:pPr>
+            <a:r>
+              <a:t>return incomplete coloring</a:t>
+            </a:r>
+          </a:p>
+          <a:p>
+            <a:pPr lvl="6" algn="l">
+              <a:defRPr b="0">
+                <a:latin typeface="Courier New"/>
+                <a:ea typeface="Courier New"/>
+                <a:cs typeface="Courier New"/>
+                <a:sym typeface="Courier New"/>
+              </a:defRPr>
+            </a:pPr>
+            <a:r>
+              <a:t>color </a:t>
+            </a:r>
+            <a:r>
+              <a:rPr b="1"/>
+              <a:t>e</a:t>
+            </a:r>
+            <a:r>
+              <a:t> with minimally used free color</a:t>
+            </a:r>
+          </a:p>
+          <a:p>
+            <a:pPr algn="l">
+              <a:defRPr b="0">
+                <a:latin typeface="Courier New"/>
+                <a:ea typeface="Courier New"/>
+                <a:cs typeface="Courier New"/>
+                <a:sym typeface="Courier New"/>
+              </a:defRPr>
+            </a:pPr>
+            <a:r>
+              <a:t>return complete coloring</a:t>
+            </a:r>
+          </a:p>
+        </p:txBody>
+      </p:sp>
+      <p:sp>
+        <p:nvSpPr>
+          <p:cNvPr id="232" name="Vermutung:…"/>
+          <p:cNvSpPr txBox="1"/>
+          <p:nvPr/>
+        </p:nvSpPr>
+        <p:spPr>
+          <a:xfrm>
+            <a:off x="580198" y="734517"/>
+            <a:ext cx="11844404" cy="1197966"/>
+          </a:xfrm>
+          <a:prstGeom prst="rect">
+            <a:avLst/>
+          </a:prstGeom>
+          <a:ln w="12700">
+            <a:miter lim="400000"/>
+          </a:ln>
+          <a:extLst>
+            <a:ext uri="{C572A759-6A51-4108-AA02-DFA0A04FC94B}">
+              <ma14:wrappingTextBoxFlag xmlns:ma14="http://schemas.microsoft.com/office/mac/drawingml/2011/main" val="1"/>
+            </a:ext>
+          </a:extLst>
+        </p:spPr>
+        <p:txBody>
+          <a:bodyPr lIns="50800" tIns="50800" rIns="50800" bIns="50800" anchor="ctr">
+            <a:spAutoFit/>
+          </a:bodyPr>
+          <a:lstStyle/>
+          <a:p>
+            <a:pPr algn="l">
+              <a:defRPr b="0"/>
+            </a:pPr>
+            <a:r>
+              <a:rPr u="sng"/>
+              <a:t>Vermutung</a:t>
+            </a:r>
+            <a:r>
+              <a:t>:</a:t>
+            </a:r>
+          </a:p>
+          <a:p>
+            <a:pPr algn="l">
+              <a:defRPr b="0"/>
+            </a:pPr>
+            <a:r>
+              <a:t>Jeder einfache ungerichtete Graph mit Maximalgrad D hat eine valide Totalfärbung mit D+2 Farben</a:t>
+            </a:r>
+          </a:p>
+        </p:txBody>
+      </p:sp>
+      <p:sp>
+        <p:nvSpPr>
+          <p:cNvPr id="233" name="temporäres Speichern von unkolorierten Knoten und Kanten sortiert nach Anzahl ihrer…"/>
+          <p:cNvSpPr txBox="1"/>
+          <p:nvPr/>
+        </p:nvSpPr>
+        <p:spPr>
+          <a:xfrm>
+            <a:off x="576631" y="1843286"/>
+            <a:ext cx="11851539" cy="829667"/>
+          </a:xfrm>
+          <a:prstGeom prst="rect">
+            <a:avLst/>
+          </a:prstGeom>
+          <a:ln w="12700">
+            <a:miter lim="400000"/>
+          </a:ln>
+          <a:extLst>
+            <a:ext uri="{C572A759-6A51-4108-AA02-DFA0A04FC94B}">
+              <ma14:wrappingTextBoxFlag xmlns:ma14="http://schemas.microsoft.com/office/mac/drawingml/2011/main" val="1"/>
+            </a:ext>
+          </a:extLst>
+        </p:spPr>
+        <p:txBody>
+          <a:bodyPr wrap="none" lIns="50800" tIns="50800" rIns="50800" bIns="50800" anchor="ctr">
+            <a:spAutoFit/>
+          </a:bodyPr>
+          <a:lstStyle/>
+          <a:p>
+            <a:pPr algn="l">
+              <a:defRPr b="0"/>
+            </a:pPr>
+            <a:r>
+              <a:t>temporäres Speichern von unkolorierten Knoten und Kanten sortiert nach Anzahl ihrer</a:t>
+            </a:r>
+          </a:p>
+          <a:p>
+            <a:pPr algn="l">
+              <a:defRPr b="0"/>
+            </a:pPr>
+            <a:r>
+              <a:t>freien Farben</a:t>
+            </a:r>
+          </a:p>
+        </p:txBody>
+      </p:sp>
+    </p:spTree>
+  </p:cSld>
+  <p:clrMapOvr>
+    <a:masterClrMapping/>
+  </p:clrMapOvr>
+  <p:transition xmlns:p14="http://schemas.microsoft.com/office/powerpoint/2010/main" spd="med" advClick="1"/>
+</p:sld>
+</file>
+
+<file path=ppt/slides/slide25.xml><?xml version="1.0" encoding="utf-8"?>
+<p:sld xmlns:a="http://schemas.openxmlformats.org/drawingml/2006/main" xmlns:r="http://schemas.openxmlformats.org/officeDocument/2006/relationships" xmlns:p="http://schemas.openxmlformats.org/presentationml/2006/main" xmlns:m="http://schemas.openxmlformats.org/officeDocument/2006/math" xmlns:a14="http://schemas.microsoft.com/office/drawing/2010/main" showMasterSp="1" showMasterPhAnim="1">
+  <p:cSld>
+    <p:spTree>
+      <p:nvGrpSpPr>
+        <p:cNvPr id="1" name=""/>
+        <p:cNvGrpSpPr/>
+        <p:nvPr/>
+      </p:nvGrpSpPr>
+      <p:grpSpPr>
+        <a:xfrm>
+          <a:off x="0" y="0"/>
+          <a:ext cx="0" cy="0"/>
+          <a:chOff x="0" y="0"/>
+          <a:chExt cx="0" cy="0"/>
+        </a:xfrm>
+      </p:grpSpPr>
+      <p:sp>
+        <p:nvSpPr>
+          <p:cNvPr id="235" name="Model — Heuristiken — TCMixedGreedySet"/>
+          <p:cNvSpPr txBox="1"/>
+          <p:nvPr/>
+        </p:nvSpPr>
+        <p:spPr>
+          <a:xfrm>
+            <a:off x="1042301" y="106553"/>
+            <a:ext cx="11099801" cy="827430"/>
+          </a:xfrm>
+          <a:prstGeom prst="rect">
+            <a:avLst/>
+          </a:prstGeom>
+          <a:ln w="12700">
+            <a:miter lim="400000"/>
+          </a:ln>
+          <a:extLst>
+            <a:ext uri="{C572A759-6A51-4108-AA02-DFA0A04FC94B}">
+              <ma14:wrappingTextBoxFlag xmlns:ma14="http://schemas.microsoft.com/office/mac/drawingml/2011/main" val="1"/>
+            </a:ext>
+          </a:extLst>
+        </p:spPr>
+        <p:txBody>
+          <a:bodyPr lIns="50800" tIns="50800" rIns="50800" bIns="50800" anchor="ctr">
+            <a:normAutofit fontScale="100000" lnSpcReduction="0"/>
+          </a:bodyPr>
+          <a:lstStyle>
+            <a:lvl1pPr>
+              <a:defRPr b="0" sz="4000">
+                <a:latin typeface="+mn-lt"/>
+                <a:ea typeface="+mn-ea"/>
+                <a:cs typeface="+mn-cs"/>
+                <a:sym typeface="Helvetica Neue Medium"/>
+              </a:defRPr>
+            </a:lvl1pPr>
+          </a:lstStyle>
+          <a:p>
+            <a:pPr/>
+            <a:r>
+              <a:t>Model — Heuristiken — TCMixedGreedySet</a:t>
+            </a:r>
+          </a:p>
+        </p:txBody>
+      </p:sp>
+      <p:sp>
+        <p:nvSpPr>
+          <p:cNvPr id="236" name="while there is such a minimal set…"/>
+          <p:cNvSpPr txBox="1"/>
+          <p:nvPr/>
+        </p:nvSpPr>
+        <p:spPr>
+          <a:xfrm>
+            <a:off x="580198" y="4261535"/>
+            <a:ext cx="11844404" cy="4902201"/>
+          </a:xfrm>
+          <a:prstGeom prst="rect">
+            <a:avLst/>
+          </a:prstGeom>
+          <a:ln w="12700">
+            <a:miter lim="400000"/>
+          </a:ln>
+          <a:extLst>
+            <a:ext uri="{C572A759-6A51-4108-AA02-DFA0A04FC94B}">
+              <ma14:wrappingTextBoxFlag xmlns:ma14="http://schemas.microsoft.com/office/mac/drawingml/2011/main" val="1"/>
+            </a:ext>
+          </a:extLst>
+        </p:spPr>
+        <p:txBody>
+          <a:bodyPr lIns="50800" tIns="50800" rIns="50800" bIns="50800" anchor="ctr">
+            <a:spAutoFit/>
+          </a:bodyPr>
+          <a:lstStyle/>
+          <a:p>
+            <a:pPr algn="l">
+              <a:defRPr b="0">
+                <a:latin typeface="Courier New"/>
+                <a:ea typeface="Courier New"/>
+                <a:cs typeface="Courier New"/>
+                <a:sym typeface="Courier New"/>
+              </a:defRPr>
+            </a:pPr>
+            <a:r>
+              <a:t>while there is such a minimal set</a:t>
+            </a:r>
+          </a:p>
+          <a:p>
+            <a:pPr lvl="2" algn="l">
+              <a:defRPr b="0">
+                <a:latin typeface="Courier New"/>
+                <a:ea typeface="Courier New"/>
+                <a:cs typeface="Courier New"/>
+                <a:sym typeface="Courier New"/>
+              </a:defRPr>
+            </a:pPr>
+            <a:r>
+              <a:t>find set </a:t>
+            </a:r>
+            <a:r>
+              <a:rPr b="1"/>
+              <a:t>X</a:t>
+            </a:r>
+            <a:r>
+              <a:t> of minimal flexibility belonging to the vertex </a:t>
+            </a:r>
+            <a:r>
+              <a:rPr b="1"/>
+              <a:t>v</a:t>
+            </a:r>
+            <a:r>
+              <a:t> with minimal index</a:t>
+            </a:r>
+            <a:br/>
+            <a:r>
+              <a:t>if </a:t>
+            </a:r>
+            <a:r>
+              <a:rPr b="1"/>
+              <a:t>X</a:t>
+            </a:r>
+            <a:r>
+              <a:t> has negative flexibility</a:t>
+            </a:r>
+          </a:p>
+          <a:p>
+            <a:pPr lvl="4" algn="l">
+              <a:defRPr b="0">
+                <a:latin typeface="Courier New"/>
+                <a:ea typeface="Courier New"/>
+                <a:cs typeface="Courier New"/>
+                <a:sym typeface="Courier New"/>
+              </a:defRPr>
+            </a:pPr>
+            <a:r>
+              <a:t>return incomplete coloring</a:t>
+            </a:r>
+          </a:p>
+          <a:p>
+            <a:pPr lvl="2" algn="l">
+              <a:defRPr b="0">
+                <a:latin typeface="Courier New"/>
+                <a:ea typeface="Courier New"/>
+                <a:cs typeface="Courier New"/>
+                <a:sym typeface="Courier New"/>
+              </a:defRPr>
+            </a:pPr>
+            <a:r>
+              <a:t>if </a:t>
+            </a:r>
+            <a:r>
+              <a:rPr b="1"/>
+              <a:t>v</a:t>
+            </a:r>
+            <a:r>
+              <a:t> is uncolored and in </a:t>
+            </a:r>
+            <a:r>
+              <a:rPr b="1"/>
+              <a:t>X</a:t>
+            </a:r>
+          </a:p>
+          <a:p>
+            <a:pPr lvl="4" algn="l">
+              <a:defRPr b="0">
+                <a:latin typeface="Courier New"/>
+                <a:ea typeface="Courier New"/>
+                <a:cs typeface="Courier New"/>
+                <a:sym typeface="Courier New"/>
+              </a:defRPr>
+            </a:pPr>
+            <a:r>
+              <a:t>if </a:t>
+            </a:r>
+            <a:r>
+              <a:rPr b="1"/>
+              <a:t>v</a:t>
+            </a:r>
+            <a:r>
+              <a:t> cannot be colored</a:t>
+            </a:r>
+          </a:p>
+          <a:p>
+            <a:pPr lvl="6" algn="l">
+              <a:defRPr b="0">
+                <a:latin typeface="Courier New"/>
+                <a:ea typeface="Courier New"/>
+                <a:cs typeface="Courier New"/>
+                <a:sym typeface="Courier New"/>
+              </a:defRPr>
+            </a:pPr>
+            <a:r>
+              <a:t>return incomplete coloring</a:t>
+            </a:r>
+          </a:p>
+          <a:p>
+            <a:pPr lvl="4" algn="l">
+              <a:defRPr b="0">
+                <a:latin typeface="Courier New"/>
+                <a:ea typeface="Courier New"/>
+                <a:cs typeface="Courier New"/>
+                <a:sym typeface="Courier New"/>
+              </a:defRPr>
+            </a:pPr>
+            <a:r>
+              <a:t>color </a:t>
+            </a:r>
+            <a:r>
+              <a:rPr b="1"/>
+              <a:t>v</a:t>
+            </a:r>
+            <a:r>
+              <a:t> with minimally used free color</a:t>
+            </a:r>
+          </a:p>
+          <a:p>
+            <a:pPr lvl="2" algn="l">
+              <a:defRPr b="0">
+                <a:latin typeface="Courier New"/>
+                <a:ea typeface="Courier New"/>
+                <a:cs typeface="Courier New"/>
+                <a:sym typeface="Courier New"/>
+              </a:defRPr>
+            </a:pPr>
+            <a:r>
+              <a:t>for edge </a:t>
+            </a:r>
+            <a:r>
+              <a:rPr b="1"/>
+              <a:t>e</a:t>
+            </a:r>
+            <a:r>
+              <a:t> in </a:t>
+            </a:r>
+            <a:r>
+              <a:rPr b="1"/>
+              <a:t>X</a:t>
+            </a:r>
+          </a:p>
+          <a:p>
+            <a:pPr lvl="4" algn="l">
+              <a:defRPr b="0">
+                <a:latin typeface="Courier New"/>
+                <a:ea typeface="Courier New"/>
+                <a:cs typeface="Courier New"/>
+                <a:sym typeface="Courier New"/>
+              </a:defRPr>
+            </a:pPr>
+            <a:r>
+              <a:t>if </a:t>
+            </a:r>
+            <a:r>
+              <a:rPr b="1"/>
+              <a:t>e</a:t>
+            </a:r>
+            <a:r>
+              <a:t> cannot be colored</a:t>
+            </a:r>
+          </a:p>
+          <a:p>
+            <a:pPr lvl="6" algn="l">
+              <a:defRPr b="0">
+                <a:latin typeface="Courier New"/>
+                <a:ea typeface="Courier New"/>
+                <a:cs typeface="Courier New"/>
+                <a:sym typeface="Courier New"/>
+              </a:defRPr>
+            </a:pPr>
+            <a:r>
+              <a:t>return incomplete coloring</a:t>
+            </a:r>
+          </a:p>
+          <a:p>
+            <a:pPr lvl="4" algn="l">
+              <a:defRPr b="0">
+                <a:latin typeface="Courier New"/>
+                <a:ea typeface="Courier New"/>
+                <a:cs typeface="Courier New"/>
+                <a:sym typeface="Courier New"/>
+              </a:defRPr>
+            </a:pPr>
+            <a:r>
+              <a:t>color </a:t>
+            </a:r>
+            <a:r>
+              <a:rPr b="1"/>
+              <a:t>e</a:t>
+            </a:r>
+            <a:r>
+              <a:t> with minimally used free color</a:t>
+            </a:r>
+          </a:p>
+          <a:p>
+            <a:pPr algn="l">
+              <a:defRPr b="0">
+                <a:latin typeface="Courier New"/>
+                <a:ea typeface="Courier New"/>
+                <a:cs typeface="Courier New"/>
+                <a:sym typeface="Courier New"/>
+              </a:defRPr>
+            </a:pPr>
+            <a:r>
+              <a:t>return complete coloring</a:t>
+            </a:r>
+          </a:p>
+        </p:txBody>
+      </p:sp>
+      <p:sp>
+        <p:nvSpPr>
+          <p:cNvPr id="237" name="temporäres Speichern von Teilmengen der zu einem gemeinsamen Knoten inzidenten und unkolorierten Kanten mit minimaler Flexibilität…"/>
+          <p:cNvSpPr txBox="1"/>
+          <p:nvPr/>
+        </p:nvSpPr>
+        <p:spPr>
+          <a:xfrm>
+            <a:off x="580198" y="2772932"/>
+            <a:ext cx="11844404" cy="1197967"/>
+          </a:xfrm>
+          <a:prstGeom prst="rect">
+            <a:avLst/>
+          </a:prstGeom>
+          <a:ln w="12700">
+            <a:miter lim="400000"/>
+          </a:ln>
+          <a:extLst>
+            <a:ext uri="{C572A759-6A51-4108-AA02-DFA0A04FC94B}">
+              <ma14:wrappingTextBoxFlag xmlns:ma14="http://schemas.microsoft.com/office/mac/drawingml/2011/main" val="1"/>
+            </a:ext>
+          </a:extLst>
+        </p:spPr>
+        <p:txBody>
+          <a:bodyPr lIns="50800" tIns="50800" rIns="50800" bIns="50800" anchor="ctr">
+            <a:spAutoFit/>
+          </a:bodyPr>
+          <a:lstStyle/>
+          <a:p>
+            <a:pPr algn="l">
+              <a:defRPr b="0"/>
+            </a:pPr>
+            <a:r>
+              <a:t>temporäres Speichern von Teilmengen der zu einem gemeinsamen Knoten inzidenten und unkolorierten Kanten mit minimaler Flexibilität</a:t>
+            </a:r>
+          </a:p>
+          <a:p>
+            <a:pPr lvl="3" algn="l">
+              <a:defRPr b="0"/>
+            </a:pPr>
+            <a:r>
+              <a:t>falls Knoten ungefärbt: Varianten mit und ohne Knoten</a:t>
+            </a:r>
+          </a:p>
+        </p:txBody>
+      </p:sp>
+      <p:sp>
+        <p:nvSpPr>
+          <p:cNvPr id="238" name="Vermutung:…"/>
+          <p:cNvSpPr txBox="1"/>
+          <p:nvPr/>
+        </p:nvSpPr>
+        <p:spPr>
+          <a:xfrm>
+            <a:off x="580198" y="856734"/>
+            <a:ext cx="11844404" cy="1197966"/>
+          </a:xfrm>
+          <a:prstGeom prst="rect">
+            <a:avLst/>
+          </a:prstGeom>
+          <a:ln w="12700">
+            <a:miter lim="400000"/>
+          </a:ln>
+          <a:extLst>
+            <a:ext uri="{C572A759-6A51-4108-AA02-DFA0A04FC94B}">
+              <ma14:wrappingTextBoxFlag xmlns:ma14="http://schemas.microsoft.com/office/mac/drawingml/2011/main" val="1"/>
+            </a:ext>
+          </a:extLst>
+        </p:spPr>
+        <p:txBody>
+          <a:bodyPr lIns="50800" tIns="50800" rIns="50800" bIns="50800" anchor="ctr">
+            <a:spAutoFit/>
+          </a:bodyPr>
+          <a:lstStyle/>
+          <a:p>
+            <a:pPr algn="l">
+              <a:defRPr b="0"/>
+            </a:pPr>
+            <a:r>
+              <a:rPr u="sng"/>
+              <a:t>Vermutung</a:t>
+            </a:r>
+            <a:r>
+              <a:t>:</a:t>
+            </a:r>
+          </a:p>
+          <a:p>
+            <a:pPr algn="l">
+              <a:defRPr b="0"/>
+            </a:pPr>
+            <a:r>
+              <a:t>Jeder einfache ungerichtete Graph mit Maximalgrad D hat eine valide Totalfärbung mit D+2 Farben</a:t>
+            </a:r>
+          </a:p>
+        </p:txBody>
+      </p:sp>
+    </p:spTree>
+  </p:cSld>
+  <p:clrMapOvr>
+    <a:masterClrMapping/>
+  </p:clrMapOvr>
+  <p:transition xmlns:p14="http://schemas.microsoft.com/office/powerpoint/2010/main" spd="med" advClick="1"/>
+</p:sld>
+</file>
+
+<file path=ppt/slides/slide26.xml><?xml version="1.0" encoding="utf-8"?>
+<p:sld xmlns:a="http://schemas.openxmlformats.org/drawingml/2006/main" xmlns:r="http://schemas.openxmlformats.org/officeDocument/2006/relationships" xmlns:p="http://schemas.openxmlformats.org/presentationml/2006/main" xmlns:m="http://schemas.openxmlformats.org/officeDocument/2006/math" xmlns:a14="http://schemas.microsoft.com/office/drawing/2010/main" showMasterSp="1" showMasterPhAnim="1">
+  <p:cSld>
+    <p:spTree>
+      <p:nvGrpSpPr>
+        <p:cNvPr id="1" name=""/>
+        <p:cNvGrpSpPr/>
+        <p:nvPr/>
+      </p:nvGrpSpPr>
+      <p:grpSpPr>
+        <a:xfrm>
+          <a:off x="0" y="0"/>
+          <a:ext cx="0" cy="0"/>
+          <a:chOff x="0" y="0"/>
+          <a:chExt cx="0" cy="0"/>
+        </a:xfrm>
+      </p:grpSpPr>
+      <p:sp>
+        <p:nvSpPr>
+          <p:cNvPr id="240" name="Model — Heuristiken — TCMixedGreedyCon"/>
+          <p:cNvSpPr txBox="1"/>
+          <p:nvPr/>
+        </p:nvSpPr>
+        <p:spPr>
+          <a:xfrm>
+            <a:off x="1042301" y="106553"/>
+            <a:ext cx="11099801" cy="827430"/>
+          </a:xfrm>
+          <a:prstGeom prst="rect">
+            <a:avLst/>
+          </a:prstGeom>
+          <a:ln w="12700">
+            <a:miter lim="400000"/>
+          </a:ln>
+          <a:extLst>
+            <a:ext uri="{C572A759-6A51-4108-AA02-DFA0A04FC94B}">
+              <ma14:wrappingTextBoxFlag xmlns:ma14="http://schemas.microsoft.com/office/mac/drawingml/2011/main" val="1"/>
+            </a:ext>
+          </a:extLst>
+        </p:spPr>
+        <p:txBody>
+          <a:bodyPr lIns="50800" tIns="50800" rIns="50800" bIns="50800" anchor="ctr">
+            <a:normAutofit fontScale="100000" lnSpcReduction="0"/>
+          </a:bodyPr>
+          <a:lstStyle>
+            <a:lvl1pPr>
+              <a:defRPr b="0" sz="4000">
+                <a:latin typeface="+mn-lt"/>
+                <a:ea typeface="+mn-ea"/>
+                <a:cs typeface="+mn-cs"/>
+                <a:sym typeface="Helvetica Neue Medium"/>
+              </a:defRPr>
+            </a:lvl1pPr>
+          </a:lstStyle>
+          <a:p>
+            <a:pPr/>
+            <a:r>
+              <a:t>Model — Heuristiken — TCMixedGreedyCon</a:t>
+            </a:r>
+          </a:p>
+        </p:txBody>
+      </p:sp>
+      <p:sp>
+        <p:nvSpPr>
+          <p:cNvPr id="241" name="while there are uncolored vertices or uncolored edges…"/>
+          <p:cNvSpPr txBox="1"/>
+          <p:nvPr/>
+        </p:nvSpPr>
+        <p:spPr>
+          <a:xfrm>
+            <a:off x="580198" y="4184104"/>
+            <a:ext cx="11844404" cy="4559301"/>
+          </a:xfrm>
+          <a:prstGeom prst="rect">
+            <a:avLst/>
+          </a:prstGeom>
+          <a:ln w="12700">
+            <a:miter lim="400000"/>
+          </a:ln>
+          <a:extLst>
+            <a:ext uri="{C572A759-6A51-4108-AA02-DFA0A04FC94B}">
+              <ma14:wrappingTextBoxFlag xmlns:ma14="http://schemas.microsoft.com/office/mac/drawingml/2011/main" val="1"/>
+            </a:ext>
+          </a:extLst>
+        </p:spPr>
+        <p:txBody>
+          <a:bodyPr lIns="50800" tIns="50800" rIns="50800" bIns="50800" anchor="ctr">
+            <a:spAutoFit/>
+          </a:bodyPr>
+          <a:lstStyle/>
+          <a:p>
+            <a:pPr algn="l">
+              <a:defRPr b="0">
+                <a:latin typeface="Courier New"/>
+                <a:ea typeface="Courier New"/>
+                <a:cs typeface="Courier New"/>
+                <a:sym typeface="Courier New"/>
+              </a:defRPr>
+            </a:pPr>
+            <a:r>
+              <a:t>while there are uncolored vertices or uncolored edges</a:t>
+            </a:r>
+          </a:p>
+          <a:p>
+            <a:pPr lvl="2" algn="l">
+              <a:defRPr b="0">
+                <a:latin typeface="Courier New"/>
+                <a:ea typeface="Courier New"/>
+                <a:cs typeface="Courier New"/>
+                <a:sym typeface="Courier New"/>
+              </a:defRPr>
+            </a:pPr>
+            <a:r>
+              <a:t>find connected set </a:t>
+            </a:r>
+            <a:r>
+              <a:rPr b="1"/>
+              <a:t>X</a:t>
+            </a:r>
+            <a:r>
+              <a:t> of minimal flexibility and minimal index</a:t>
+            </a:r>
+            <a:br/>
+            <a:r>
+              <a:t>if </a:t>
+            </a:r>
+            <a:r>
+              <a:rPr b="1"/>
+              <a:t>X</a:t>
+            </a:r>
+            <a:r>
+              <a:t> has negative flexibility</a:t>
+            </a:r>
+          </a:p>
+          <a:p>
+            <a:pPr lvl="4" algn="l">
+              <a:defRPr b="0">
+                <a:latin typeface="Courier New"/>
+                <a:ea typeface="Courier New"/>
+                <a:cs typeface="Courier New"/>
+                <a:sym typeface="Courier New"/>
+              </a:defRPr>
+            </a:pPr>
+            <a:r>
+              <a:t>return incomplete coloring</a:t>
+            </a:r>
+          </a:p>
+          <a:p>
+            <a:pPr lvl="2" algn="l">
+              <a:defRPr b="0">
+                <a:latin typeface="Courier New"/>
+                <a:ea typeface="Courier New"/>
+                <a:cs typeface="Courier New"/>
+                <a:sym typeface="Courier New"/>
+              </a:defRPr>
+            </a:pPr>
+            <a:r>
+              <a:t>for any vertex </a:t>
+            </a:r>
+            <a:r>
+              <a:rPr b="1"/>
+              <a:t>v</a:t>
+            </a:r>
+            <a:r>
+              <a:t> in </a:t>
+            </a:r>
+            <a:r>
+              <a:rPr b="1"/>
+              <a:t>X</a:t>
+            </a:r>
+          </a:p>
+          <a:p>
+            <a:pPr lvl="4" algn="l">
+              <a:defRPr b="0">
+                <a:latin typeface="Courier New"/>
+                <a:ea typeface="Courier New"/>
+                <a:cs typeface="Courier New"/>
+                <a:sym typeface="Courier New"/>
+              </a:defRPr>
+            </a:pPr>
+            <a:r>
+              <a:t>if </a:t>
+            </a:r>
+            <a:r>
+              <a:rPr b="1"/>
+              <a:t>v</a:t>
+            </a:r>
+            <a:r>
+              <a:t> cannot be colored</a:t>
+            </a:r>
+          </a:p>
+          <a:p>
+            <a:pPr lvl="6" algn="l">
+              <a:defRPr b="0">
+                <a:latin typeface="Courier New"/>
+                <a:ea typeface="Courier New"/>
+                <a:cs typeface="Courier New"/>
+                <a:sym typeface="Courier New"/>
+              </a:defRPr>
+            </a:pPr>
+            <a:r>
+              <a:t>return incomplete coloring</a:t>
+            </a:r>
+          </a:p>
+          <a:p>
+            <a:pPr lvl="4" algn="l">
+              <a:defRPr b="0">
+                <a:latin typeface="Courier New"/>
+                <a:ea typeface="Courier New"/>
+                <a:cs typeface="Courier New"/>
+                <a:sym typeface="Courier New"/>
+              </a:defRPr>
+            </a:pPr>
+            <a:r>
+              <a:t>color </a:t>
+            </a:r>
+            <a:r>
+              <a:rPr b="1"/>
+              <a:t>v</a:t>
+            </a:r>
+            <a:r>
+              <a:t> with minimally used free color</a:t>
+            </a:r>
+          </a:p>
+          <a:p>
+            <a:pPr lvl="2" algn="l">
+              <a:defRPr b="0">
+                <a:latin typeface="Courier New"/>
+                <a:ea typeface="Courier New"/>
+                <a:cs typeface="Courier New"/>
+                <a:sym typeface="Courier New"/>
+              </a:defRPr>
+            </a:pPr>
+            <a:r>
+              <a:t>for edge </a:t>
+            </a:r>
+            <a:r>
+              <a:rPr b="1"/>
+              <a:t>e</a:t>
+            </a:r>
+            <a:r>
+              <a:t> in </a:t>
+            </a:r>
+            <a:r>
+              <a:rPr b="1"/>
+              <a:t>X</a:t>
+            </a:r>
+          </a:p>
+          <a:p>
+            <a:pPr lvl="4" algn="l">
+              <a:defRPr b="0">
+                <a:latin typeface="Courier New"/>
+                <a:ea typeface="Courier New"/>
+                <a:cs typeface="Courier New"/>
+                <a:sym typeface="Courier New"/>
+              </a:defRPr>
+            </a:pPr>
+            <a:r>
+              <a:t>if </a:t>
+            </a:r>
+            <a:r>
+              <a:rPr b="1"/>
+              <a:t>e</a:t>
+            </a:r>
+            <a:r>
+              <a:t> cannot be colored</a:t>
+            </a:r>
+          </a:p>
+          <a:p>
+            <a:pPr lvl="6" algn="l">
+              <a:defRPr b="0">
+                <a:latin typeface="Courier New"/>
+                <a:ea typeface="Courier New"/>
+                <a:cs typeface="Courier New"/>
+                <a:sym typeface="Courier New"/>
+              </a:defRPr>
+            </a:pPr>
+            <a:r>
+              <a:t>return incomplete coloring</a:t>
+            </a:r>
+          </a:p>
+          <a:p>
+            <a:pPr lvl="4" algn="l">
+              <a:defRPr b="0">
+                <a:latin typeface="Courier New"/>
+                <a:ea typeface="Courier New"/>
+                <a:cs typeface="Courier New"/>
+                <a:sym typeface="Courier New"/>
+              </a:defRPr>
+            </a:pPr>
+            <a:r>
+              <a:t>color </a:t>
+            </a:r>
+            <a:r>
+              <a:rPr b="1"/>
+              <a:t>e</a:t>
+            </a:r>
+            <a:r>
+              <a:t> with minimally used free color</a:t>
+            </a:r>
+          </a:p>
+          <a:p>
+            <a:pPr algn="l">
+              <a:defRPr b="0">
+                <a:latin typeface="Courier New"/>
+                <a:ea typeface="Courier New"/>
+                <a:cs typeface="Courier New"/>
+                <a:sym typeface="Courier New"/>
+              </a:defRPr>
+            </a:pPr>
+            <a:r>
+              <a:t>return complete coloring</a:t>
+            </a:r>
+          </a:p>
+        </p:txBody>
+      </p:sp>
+      <p:sp>
+        <p:nvSpPr>
+          <p:cNvPr id="242" name="temporäres Speichern von Teilmengen zusammenhängender unkolorierten Knoten und Kanten (bis zu einer gewissen Größe) mit minimaler Flexibilität"/>
+          <p:cNvSpPr txBox="1"/>
+          <p:nvPr/>
+        </p:nvSpPr>
+        <p:spPr>
+          <a:xfrm>
+            <a:off x="580198" y="2832641"/>
+            <a:ext cx="11844404" cy="829667"/>
+          </a:xfrm>
+          <a:prstGeom prst="rect">
+            <a:avLst/>
+          </a:prstGeom>
+          <a:ln w="12700">
+            <a:miter lim="400000"/>
+          </a:ln>
+          <a:extLst>
+            <a:ext uri="{C572A759-6A51-4108-AA02-DFA0A04FC94B}">
+              <ma14:wrappingTextBoxFlag xmlns:ma14="http://schemas.microsoft.com/office/mac/drawingml/2011/main" val="1"/>
+            </a:ext>
+          </a:extLst>
+        </p:spPr>
+        <p:txBody>
+          <a:bodyPr lIns="50800" tIns="50800" rIns="50800" bIns="50800" anchor="ctr">
+            <a:spAutoFit/>
+          </a:bodyPr>
+          <a:lstStyle>
+            <a:lvl1pPr algn="l">
+              <a:defRPr b="0"/>
+            </a:lvl1pPr>
+          </a:lstStyle>
+          <a:p>
+            <a:pPr/>
+            <a:r>
+              <a:t>temporäres Speichern von Teilmengen zusammenhängender unkolorierten Knoten und Kanten (bis zu einer gewissen Größe) mit minimaler Flexibilität</a:t>
+            </a:r>
+          </a:p>
+        </p:txBody>
+      </p:sp>
+      <p:sp>
+        <p:nvSpPr>
+          <p:cNvPr id="243" name="Vermutung:…"/>
+          <p:cNvSpPr txBox="1"/>
+          <p:nvPr/>
+        </p:nvSpPr>
+        <p:spPr>
+          <a:xfrm>
+            <a:off x="580198" y="841989"/>
+            <a:ext cx="11844404" cy="1197967"/>
+          </a:xfrm>
+          <a:prstGeom prst="rect">
+            <a:avLst/>
+          </a:prstGeom>
+          <a:ln w="12700">
+            <a:miter lim="400000"/>
+          </a:ln>
+          <a:extLst>
+            <a:ext uri="{C572A759-6A51-4108-AA02-DFA0A04FC94B}">
+              <ma14:wrappingTextBoxFlag xmlns:ma14="http://schemas.microsoft.com/office/mac/drawingml/2011/main" val="1"/>
+            </a:ext>
+          </a:extLst>
+        </p:spPr>
+        <p:txBody>
+          <a:bodyPr lIns="50800" tIns="50800" rIns="50800" bIns="50800" anchor="ctr">
+            <a:spAutoFit/>
+          </a:bodyPr>
+          <a:lstStyle/>
+          <a:p>
+            <a:pPr algn="l">
+              <a:defRPr b="0"/>
+            </a:pPr>
+            <a:r>
+              <a:rPr u="sng"/>
+              <a:t>Vermutung</a:t>
+            </a:r>
+            <a:r>
+              <a:t>:</a:t>
+            </a:r>
+          </a:p>
+          <a:p>
+            <a:pPr algn="l">
+              <a:defRPr b="0"/>
+            </a:pPr>
+            <a:r>
+              <a:t>Jeder einfache ungerichtete Graph mit Maximalgrad D hat eine valide Totalfärbung mit D+2 Farben</a:t>
+            </a:r>
+          </a:p>
+        </p:txBody>
+      </p:sp>
+    </p:spTree>
+  </p:cSld>
+  <p:clrMapOvr>
+    <a:masterClrMapping/>
+  </p:clrMapOvr>
+  <p:transition xmlns:p14="http://schemas.microsoft.com/office/powerpoint/2010/main" spd="med" advClick="1"/>
+</p:sld>
+</file>
+
+<file path=ppt/slides/slide27.xml><?xml version="1.0" encoding="utf-8"?>
+<p:sld xmlns:a="http://schemas.openxmlformats.org/drawingml/2006/main" xmlns:r="http://schemas.openxmlformats.org/officeDocument/2006/relationships" xmlns:p="http://schemas.openxmlformats.org/presentationml/2006/main" xmlns:m="http://schemas.openxmlformats.org/officeDocument/2006/math" xmlns:a14="http://schemas.microsoft.com/office/drawing/2010/main" showMasterSp="1" showMasterPhAnim="1">
+  <p:cSld>
+    <p:spTree>
+      <p:nvGrpSpPr>
+        <p:cNvPr id="1" name=""/>
+        <p:cNvGrpSpPr/>
+        <p:nvPr/>
+      </p:nvGrpSpPr>
+      <p:grpSpPr>
+        <a:xfrm>
+          <a:off x="0" y="0"/>
+          <a:ext cx="0" cy="0"/>
+          <a:chOff x="0" y="0"/>
+          <a:chExt cx="0" cy="0"/>
+        </a:xfrm>
+      </p:grpSpPr>
+      <p:sp>
+        <p:nvSpPr>
+          <p:cNvPr id="245" name="Model — Heuristiken — EFLGreedyOne"/>
+          <p:cNvSpPr txBox="1"/>
+          <p:nvPr/>
+        </p:nvSpPr>
+        <p:spPr>
+          <a:xfrm>
+            <a:off x="1042301" y="93853"/>
+            <a:ext cx="11099801" cy="827430"/>
+          </a:xfrm>
+          <a:prstGeom prst="rect">
+            <a:avLst/>
+          </a:prstGeom>
+          <a:ln w="12700">
+            <a:miter lim="400000"/>
+          </a:ln>
+          <a:extLst>
+            <a:ext uri="{C572A759-6A51-4108-AA02-DFA0A04FC94B}">
+              <ma14:wrappingTextBoxFlag xmlns:ma14="http://schemas.microsoft.com/office/mac/drawingml/2011/main" val="1"/>
+            </a:ext>
+          </a:extLst>
+        </p:spPr>
+        <p:txBody>
+          <a:bodyPr lIns="50800" tIns="50800" rIns="50800" bIns="50800" anchor="ctr">
+            <a:normAutofit fontScale="100000" lnSpcReduction="0"/>
+          </a:bodyPr>
+          <a:lstStyle>
+            <a:lvl1pPr>
+              <a:defRPr b="0" sz="4000">
+                <a:latin typeface="+mn-lt"/>
+                <a:ea typeface="+mn-ea"/>
+                <a:cs typeface="+mn-cs"/>
+                <a:sym typeface="Helvetica Neue Medium"/>
+              </a:defRPr>
+            </a:lvl1pPr>
+          </a:lstStyle>
+          <a:p>
+            <a:pPr/>
+            <a:r>
+              <a:t>Model — Heuristiken — EFLGreedyOne</a:t>
+            </a:r>
+          </a:p>
+        </p:txBody>
+      </p:sp>
+      <p:sp>
+        <p:nvSpPr>
+          <p:cNvPr id="246" name="Vermutung:…"/>
+          <p:cNvSpPr txBox="1"/>
+          <p:nvPr/>
+        </p:nvSpPr>
+        <p:spPr>
+          <a:xfrm>
+            <a:off x="580290" y="918667"/>
+            <a:ext cx="11572952" cy="829666"/>
+          </a:xfrm>
+          <a:prstGeom prst="rect">
+            <a:avLst/>
+          </a:prstGeom>
+          <a:ln w="12700">
+            <a:miter lim="400000"/>
+          </a:ln>
+          <a:extLst>
+            <a:ext uri="{C572A759-6A51-4108-AA02-DFA0A04FC94B}">
+              <ma14:wrappingTextBoxFlag xmlns:ma14="http://schemas.microsoft.com/office/mac/drawingml/2011/main" val="1"/>
+            </a:ext>
+          </a:extLst>
+        </p:spPr>
+        <p:txBody>
+          <a:bodyPr wrap="none" lIns="50800" tIns="50800" rIns="50800" bIns="50800" anchor="ctr">
+            <a:spAutoFit/>
+          </a:bodyPr>
+          <a:lstStyle/>
+          <a:p>
+            <a:pPr algn="l">
+              <a:defRPr b="0"/>
+            </a:pPr>
+            <a:r>
+              <a:rPr u="sng"/>
+              <a:t>Vermutung</a:t>
+            </a:r>
+            <a:r>
+              <a:t>:</a:t>
+            </a:r>
+            <a:endParaRPr u="sng"/>
+          </a:p>
+          <a:p>
+            <a:pPr algn="l">
+              <a:defRPr b="0"/>
+            </a:pPr>
+            <a:r>
+              <a:t>Jeder einfache Hypergraph mit n Knoten hat eine valide Kantenfärbung mit n Farben</a:t>
+            </a:r>
+          </a:p>
+        </p:txBody>
+      </p:sp>
+      <p:sp>
+        <p:nvSpPr>
+          <p:cNvPr id="247" name="For any vertex v in order of a breadth first search…"/>
+          <p:cNvSpPr txBox="1"/>
+          <p:nvPr/>
+        </p:nvSpPr>
+        <p:spPr>
+          <a:xfrm>
+            <a:off x="639487" y="4196047"/>
+            <a:ext cx="11454558" cy="3873501"/>
+          </a:xfrm>
+          <a:prstGeom prst="rect">
+            <a:avLst/>
+          </a:prstGeom>
+          <a:ln w="12700">
+            <a:miter lim="400000"/>
+          </a:ln>
+          <a:extLst>
+            <a:ext uri="{C572A759-6A51-4108-AA02-DFA0A04FC94B}">
+              <ma14:wrappingTextBoxFlag xmlns:ma14="http://schemas.microsoft.com/office/mac/drawingml/2011/main" val="1"/>
+            </a:ext>
+          </a:extLst>
+        </p:spPr>
+        <p:txBody>
+          <a:bodyPr wrap="none" lIns="50800" tIns="50800" rIns="50800" bIns="50800" anchor="ctr">
+            <a:spAutoFit/>
+          </a:bodyPr>
+          <a:lstStyle/>
+          <a:p>
+            <a:pPr algn="l">
+              <a:defRPr b="0">
+                <a:latin typeface="Courier New"/>
+                <a:ea typeface="Courier New"/>
+                <a:cs typeface="Courier New"/>
+                <a:sym typeface="Courier New"/>
+              </a:defRPr>
+            </a:pPr>
+            <a:r>
+              <a:t>For any vertex </a:t>
+            </a:r>
+            <a:r>
+              <a:rPr b="1"/>
+              <a:t>v</a:t>
+            </a:r>
+            <a:r>
+              <a:t> in order of a breadth first search</a:t>
+            </a:r>
+          </a:p>
+          <a:p>
+            <a:pPr lvl="2" algn="l">
+              <a:defRPr b="0">
+                <a:latin typeface="Courier New"/>
+                <a:ea typeface="Courier New"/>
+                <a:cs typeface="Courier New"/>
+                <a:sym typeface="Courier New"/>
+              </a:defRPr>
+            </a:pPr>
+            <a:r>
+              <a:t>for hyperedge </a:t>
+            </a:r>
+            <a:r>
+              <a:rPr b="1"/>
+              <a:t>e</a:t>
+            </a:r>
+            <a:r>
+              <a:t> incident to </a:t>
+            </a:r>
+            <a:r>
+              <a:rPr b="1"/>
+              <a:t>v</a:t>
+            </a:r>
+          </a:p>
+          <a:p>
+            <a:pPr lvl="4" algn="l">
+              <a:defRPr b="0">
+                <a:latin typeface="Courier New"/>
+                <a:ea typeface="Courier New"/>
+                <a:cs typeface="Courier New"/>
+                <a:sym typeface="Courier New"/>
+              </a:defRPr>
+            </a:pPr>
+            <a:r>
+              <a:t>while there are hyperedges </a:t>
+            </a:r>
+            <a:r>
+              <a:rPr b="1"/>
+              <a:t>f</a:t>
+            </a:r>
+            <a:r>
+              <a:t> with exactly one free color</a:t>
+            </a:r>
+          </a:p>
+          <a:p>
+            <a:pPr lvl="6" algn="l">
+              <a:defRPr b="0">
+                <a:latin typeface="Courier New"/>
+                <a:ea typeface="Courier New"/>
+                <a:cs typeface="Courier New"/>
+                <a:sym typeface="Courier New"/>
+              </a:defRPr>
+            </a:pPr>
+            <a:r>
+              <a:t>take that </a:t>
+            </a:r>
+            <a:r>
+              <a:rPr b="1"/>
+              <a:t>f</a:t>
+            </a:r>
+            <a:r>
+              <a:t> with minimal index</a:t>
+            </a:r>
+          </a:p>
+          <a:p>
+            <a:pPr lvl="6" algn="l">
+              <a:defRPr b="0">
+                <a:latin typeface="Courier New"/>
+                <a:ea typeface="Courier New"/>
+                <a:cs typeface="Courier New"/>
+                <a:sym typeface="Courier New"/>
+              </a:defRPr>
+            </a:pPr>
+            <a:r>
+              <a:t>color </a:t>
+            </a:r>
+            <a:r>
+              <a:rPr b="1"/>
+              <a:t>f</a:t>
+            </a:r>
+            <a:r>
+              <a:t> with the minimally used free color of </a:t>
+            </a:r>
+            <a:r>
+              <a:rPr b="1"/>
+              <a:t>f</a:t>
+            </a:r>
+          </a:p>
+          <a:p>
+            <a:pPr lvl="4" algn="l">
+              <a:defRPr b="0">
+                <a:latin typeface="Courier New"/>
+                <a:ea typeface="Courier New"/>
+                <a:cs typeface="Courier New"/>
+                <a:sym typeface="Courier New"/>
+              </a:defRPr>
+            </a:pPr>
+            <a:r>
+              <a:t>if </a:t>
+            </a:r>
+            <a:r>
+              <a:rPr b="1"/>
+              <a:t>e</a:t>
+            </a:r>
+            <a:r>
+              <a:t> is colored</a:t>
+            </a:r>
+          </a:p>
+          <a:p>
+            <a:pPr lvl="6" algn="l">
+              <a:defRPr b="0">
+                <a:latin typeface="Courier New"/>
+                <a:ea typeface="Courier New"/>
+                <a:cs typeface="Courier New"/>
+                <a:sym typeface="Courier New"/>
+              </a:defRPr>
+            </a:pPr>
+            <a:r>
+              <a:t>continue</a:t>
+            </a:r>
+          </a:p>
+          <a:p>
+            <a:pPr lvl="4" algn="l">
+              <a:defRPr b="0">
+                <a:latin typeface="Courier New"/>
+                <a:ea typeface="Courier New"/>
+                <a:cs typeface="Courier New"/>
+                <a:sym typeface="Courier New"/>
+              </a:defRPr>
+            </a:pPr>
+            <a:r>
+              <a:t>if </a:t>
+            </a:r>
+            <a:r>
+              <a:rPr b="1"/>
+              <a:t>e</a:t>
+            </a:r>
+            <a:r>
+              <a:t> cannot be colored</a:t>
+            </a:r>
+          </a:p>
+          <a:p>
+            <a:pPr lvl="6" algn="l">
+              <a:defRPr b="0">
+                <a:latin typeface="Courier New"/>
+                <a:ea typeface="Courier New"/>
+                <a:cs typeface="Courier New"/>
+                <a:sym typeface="Courier New"/>
+              </a:defRPr>
+            </a:pPr>
+            <a:r>
+              <a:t>return incomplete coloring</a:t>
+            </a:r>
+          </a:p>
+          <a:p>
+            <a:pPr lvl="4" algn="l">
+              <a:defRPr b="0">
+                <a:latin typeface="Courier New"/>
+                <a:ea typeface="Courier New"/>
+                <a:cs typeface="Courier New"/>
+                <a:sym typeface="Courier New"/>
+              </a:defRPr>
+            </a:pPr>
+            <a:r>
+              <a:t>color </a:t>
+            </a:r>
+            <a:r>
+              <a:rPr b="1"/>
+              <a:t>e</a:t>
+            </a:r>
+            <a:r>
+              <a:t> with the minimally used free color of </a:t>
+            </a:r>
+            <a:r>
+              <a:rPr b="1"/>
+              <a:t>e</a:t>
+            </a:r>
+          </a:p>
+          <a:p>
+            <a:pPr algn="l">
+              <a:defRPr b="0">
+                <a:latin typeface="Courier New"/>
+                <a:ea typeface="Courier New"/>
+                <a:cs typeface="Courier New"/>
+                <a:sym typeface="Courier New"/>
+              </a:defRPr>
+            </a:pPr>
+            <a:r>
+              <a:t>return complete coloring</a:t>
+            </a:r>
+          </a:p>
+        </p:txBody>
+      </p:sp>
+      <p:sp>
+        <p:nvSpPr>
+          <p:cNvPr id="248" name="temporäres Speichern der Hyperkanten mit genau einer freien Farbe"/>
+          <p:cNvSpPr txBox="1"/>
+          <p:nvPr/>
+        </p:nvSpPr>
+        <p:spPr>
+          <a:xfrm>
+            <a:off x="653670" y="2902532"/>
+            <a:ext cx="9378697" cy="461366"/>
+          </a:xfrm>
+          <a:prstGeom prst="rect">
+            <a:avLst/>
+          </a:prstGeom>
+          <a:ln w="12700">
+            <a:miter lim="400000"/>
+          </a:ln>
+          <a:extLst>
+            <a:ext uri="{C572A759-6A51-4108-AA02-DFA0A04FC94B}">
+              <ma14:wrappingTextBoxFlag xmlns:ma14="http://schemas.microsoft.com/office/mac/drawingml/2011/main" val="1"/>
+            </a:ext>
+          </a:extLst>
+        </p:spPr>
+        <p:txBody>
+          <a:bodyPr wrap="none" lIns="50800" tIns="50800" rIns="50800" bIns="50800" anchor="ctr">
+            <a:spAutoFit/>
+          </a:bodyPr>
+          <a:lstStyle>
+            <a:lvl1pPr>
+              <a:defRPr b="0"/>
+            </a:lvl1pPr>
+          </a:lstStyle>
+          <a:p>
+            <a:pPr/>
+            <a:r>
+              <a:t>temporäres Speichern der Hyperkanten mit genau einer freien Farbe</a:t>
+            </a:r>
+          </a:p>
+        </p:txBody>
+      </p:sp>
     </p:spTree>
   </p:cSld>
   <p:clrMapOvr>
@@ -4228,7 +9744,7 @@
         <p:spPr>
           <a:xfrm>
             <a:off x="1395063" y="5625681"/>
-            <a:ext cx="8804149" cy="2671166"/>
+            <a:ext cx="8804149" cy="2671167"/>
           </a:xfrm>
           <a:prstGeom prst="rect">
             <a:avLst/>
@@ -4308,7 +9824,7 @@
         <p:spPr>
           <a:xfrm>
             <a:off x="1528888" y="6185621"/>
-            <a:ext cx="446533" cy="119787"/>
+            <a:ext cx="446533" cy="119788"/>
           </a:xfrm>
           <a:prstGeom prst="rect">
             <a:avLst/>
@@ -4465,7 +9981,7 @@
         <p:spPr>
           <a:xfrm>
             <a:off x="2057400" y="1787658"/>
-            <a:ext cx="8890001" cy="2984501"/>
+            <a:ext cx="8890000" cy="2984501"/>
           </a:xfrm>
           <a:prstGeom prst="rect">
             <a:avLst/>
@@ -4552,7 +10068,7 @@
         <p:spPr>
           <a:xfrm>
             <a:off x="667297" y="2317750"/>
-            <a:ext cx="5905501" cy="5118101"/>
+            <a:ext cx="5905501" cy="5118100"/>
           </a:xfrm>
           <a:prstGeom prst="rect">
             <a:avLst/>
@@ -4603,7 +10119,7 @@
               <a:defRPr b="0"/>
             </a:pPr>
             <a:r>
-              <a:t>ermöglicht Parallelisierung</a:t>
+              <a:t>vereinfacht Threadsafety</a:t>
             </a:r>
           </a:p>
         </p:txBody>
@@ -4811,8 +10327,8 @@
         </p:nvSpPr>
         <p:spPr>
           <a:xfrm>
-            <a:off x="858636" y="6800949"/>
-            <a:ext cx="9560663" cy="2302867"/>
+            <a:off x="858636" y="6800950"/>
+            <a:ext cx="9560663" cy="2302866"/>
           </a:xfrm>
           <a:prstGeom prst="rect">
             <a:avLst/>
@@ -4886,8 +10402,8 @@
         </p:nvSpPr>
         <p:spPr>
           <a:xfrm>
-            <a:off x="965300" y="7361106"/>
-            <a:ext cx="446533" cy="119787"/>
+            <a:off x="965300" y="7361105"/>
+            <a:ext cx="446533" cy="119788"/>
           </a:xfrm>
           <a:prstGeom prst="rect">
             <a:avLst/>
@@ -4936,7 +10452,7 @@
         <p:spPr>
           <a:xfrm>
             <a:off x="965300" y="7747566"/>
-            <a:ext cx="446533" cy="119787"/>
+            <a:ext cx="446533" cy="119788"/>
           </a:xfrm>
           <a:prstGeom prst="rect">
             <a:avLst/>
@@ -5249,8 +10765,8 @@
         </p:nvSpPr>
         <p:spPr>
           <a:xfrm>
-            <a:off x="1496683" y="8584898"/>
-            <a:ext cx="446533" cy="119787"/>
+            <a:off x="1496683" y="8584897"/>
+            <a:ext cx="446533" cy="119788"/>
           </a:xfrm>
           <a:prstGeom prst="rect">
             <a:avLst/>
@@ -5711,7 +11227,7 @@
         <p:spPr>
           <a:xfrm>
             <a:off x="653670" y="2902532"/>
-            <a:ext cx="9378697" cy="461367"/>
+            <a:ext cx="9378697" cy="461366"/>
           </a:xfrm>
           <a:prstGeom prst="rect">
             <a:avLst/>
@@ -5815,7 +11331,7 @@
       </p:sp>
       <p:sp>
         <p:nvSpPr>
-          <p:cNvPr id="163" name="while there is a vertex with such a minimal set…"/>
+          <p:cNvPr id="163" name="while there is such a minimal set…"/>
           <p:cNvSpPr txBox="1"/>
           <p:nvPr/>
         </p:nvSpPr>
@@ -5851,7 +11367,7 @@
               </a:defRPr>
             </a:pPr>
             <a:r>
-              <a:t>while there is a vertex with such a minimal set</a:t>
+              <a:t>while there is such a minimal set</a:t>
             </a:r>
           </a:p>
           <a:p>
@@ -5871,7 +11387,7 @@
               <a:t>X</a:t>
             </a:r>
             <a:r>
-              <a:t> of minimal flexibility belonging to a vertex </a:t>
+              <a:t> of minimal flexibility belonging to the vertex </a:t>
             </a:r>
             <a:r>
               <a:rPr b="1"/>
@@ -5882,7 +11398,14 @@
             </a:r>
             <a:br/>
             <a:r>
-              <a:t>if it has negative flexibility</a:t>
+              <a:t>if </a:t>
+            </a:r>
+            <a:r>
+              <a:rPr b="1"/>
+              <a:t>X</a:t>
+            </a:r>
+            <a:r>
+              <a:t> has negative flexibility</a:t>
             </a:r>
           </a:p>
           <a:p>
@@ -5915,7 +11438,11 @@
               <a:t>v</a:t>
             </a:r>
             <a:r>
-              <a:t> is uncolored</a:t>
+              <a:t> is uncolored and in </a:t>
+            </a:r>
+            <a:r>
+              <a:rPr b="1"/>
+              <a:t>X</a:t>
             </a:r>
           </a:p>
           <a:p>
